--- a/Lerman_ServerlessDataAPI.pptx
+++ b/Lerman_ServerlessDataAPI.pptx
@@ -2,28 +2,27 @@
 <file path=ppt/presentation.xml><?xml version="1.0" encoding="utf-8"?>
 <p:presentation xmlns:a="http://schemas.openxmlformats.org/drawingml/2006/main" xmlns:r="http://schemas.openxmlformats.org/officeDocument/2006/relationships" xmlns:p="http://schemas.openxmlformats.org/presentationml/2006/main" showSpecialPlsOnTitleSld="0" saveSubsetFonts="1">
   <p:sldMasterIdLst>
-    <p:sldMasterId id="2147483693" r:id="rId4"/>
-    <p:sldMasterId id="2147483718" r:id="rId5"/>
+    <p:sldMasterId id="2147483718" r:id="rId4"/>
   </p:sldMasterIdLst>
   <p:notesMasterIdLst>
-    <p:notesMasterId r:id="rId18"/>
+    <p:notesMasterId r:id="rId17"/>
   </p:notesMasterIdLst>
   <p:handoutMasterIdLst>
-    <p:handoutMasterId r:id="rId19"/>
+    <p:handoutMasterId r:id="rId18"/>
   </p:handoutMasterIdLst>
   <p:sldIdLst>
-    <p:sldId id="571" r:id="rId6"/>
-    <p:sldId id="561" r:id="rId7"/>
-    <p:sldId id="572" r:id="rId8"/>
-    <p:sldId id="573" r:id="rId9"/>
-    <p:sldId id="574" r:id="rId10"/>
-    <p:sldId id="578" r:id="rId11"/>
-    <p:sldId id="554" r:id="rId12"/>
-    <p:sldId id="579" r:id="rId13"/>
-    <p:sldId id="581" r:id="rId14"/>
-    <p:sldId id="562" r:id="rId15"/>
-    <p:sldId id="582" r:id="rId16"/>
-    <p:sldId id="553" r:id="rId17"/>
+    <p:sldId id="571" r:id="rId5"/>
+    <p:sldId id="561" r:id="rId6"/>
+    <p:sldId id="572" r:id="rId7"/>
+    <p:sldId id="573" r:id="rId8"/>
+    <p:sldId id="574" r:id="rId9"/>
+    <p:sldId id="578" r:id="rId10"/>
+    <p:sldId id="554" r:id="rId11"/>
+    <p:sldId id="579" r:id="rId12"/>
+    <p:sldId id="581" r:id="rId13"/>
+    <p:sldId id="562" r:id="rId14"/>
+    <p:sldId id="582" r:id="rId15"/>
+    <p:sldId id="553" r:id="rId16"/>
   </p:sldIdLst>
   <p:sldSz cx="9144000" cy="5143500" type="screen16x9"/>
   <p:notesSz cx="7315200" cy="9601200"/>
@@ -4120,262 +4119,6 @@
 
 <file path=ppt/slideLayouts/slideLayout1.xml><?xml version="1.0" encoding="utf-8"?>
 <p:sldLayout xmlns:a="http://schemas.openxmlformats.org/drawingml/2006/main" xmlns:r="http://schemas.openxmlformats.org/officeDocument/2006/relationships" xmlns:p="http://schemas.openxmlformats.org/presentationml/2006/main" type="title" preserve="1">
-  <p:cSld name="2_Title Slide">
-    <p:spTree>
-      <p:nvGrpSpPr>
-        <p:cNvPr id="1" name=""/>
-        <p:cNvGrpSpPr/>
-        <p:nvPr/>
-      </p:nvGrpSpPr>
-      <p:grpSpPr>
-        <a:xfrm>
-          <a:off x="0" y="0"/>
-          <a:ext cx="0" cy="0"/>
-          <a:chOff x="0" y="0"/>
-          <a:chExt cx="0" cy="0"/>
-        </a:xfrm>
-      </p:grpSpPr>
-      <p:sp>
-        <p:nvSpPr>
-          <p:cNvPr id="32780" name="Title 32779"/>
-          <p:cNvSpPr>
-            <a:spLocks noGrp="1" noChangeArrowheads="1"/>
-          </p:cNvSpPr>
-          <p:nvPr>
-            <p:ph type="ctrTitle"/>
-          </p:nvPr>
-        </p:nvSpPr>
-        <p:spPr>
-          <a:xfrm>
-            <a:off x="685800" y="400050"/>
-            <a:ext cx="7772400" cy="1885950"/>
-          </a:xfrm>
-          <a:noFill/>
-        </p:spPr>
-        <p:txBody>
-          <a:bodyPr anchor="b"/>
-          <a:lstStyle>
-            <a:lvl1pPr algn="r">
-              <a:defRPr sz="3200" b="1">
-                <a:solidFill>
-                  <a:srgbClr val="22AFE7"/>
-                </a:solidFill>
-                <a:latin typeface="Calibri Light" pitchFamily="34" charset="0"/>
-                <a:cs typeface="Segoe UI" pitchFamily="34" charset="0"/>
-              </a:defRPr>
-            </a:lvl1pPr>
-          </a:lstStyle>
-          <a:p>
-            <a:r>
-              <a:rPr lang="en-US"/>
-              <a:t>Click to edit Master title style</a:t>
-            </a:r>
-            <a:endParaRPr lang="en-US" dirty="0"/>
-          </a:p>
-        </p:txBody>
-      </p:sp>
-      <p:sp>
-        <p:nvSpPr>
-          <p:cNvPr id="32781" name="Subtitle 32780"/>
-          <p:cNvSpPr>
-            <a:spLocks noGrp="1" noChangeArrowheads="1"/>
-          </p:cNvSpPr>
-          <p:nvPr>
-            <p:ph type="subTitle" idx="1"/>
-          </p:nvPr>
-        </p:nvSpPr>
-        <p:spPr>
-          <a:xfrm>
-            <a:off x="2057400" y="2343150"/>
-            <a:ext cx="6400800" cy="971550"/>
-          </a:xfrm>
-        </p:spPr>
-        <p:txBody>
-          <a:bodyPr/>
-          <a:lstStyle>
-            <a:lvl1pPr marL="0" indent="0" algn="r">
-              <a:buNone/>
-              <a:defRPr b="0">
-                <a:latin typeface="Calibri Light" pitchFamily="34" charset="0"/>
-                <a:cs typeface="Segoe UI" pitchFamily="34" charset="0"/>
-              </a:defRPr>
-            </a:lvl1pPr>
-          </a:lstStyle>
-          <a:p>
-            <a:r>
-              <a:rPr lang="en-US"/>
-              <a:t>Click to edit Master subtitle style</a:t>
-            </a:r>
-            <a:endParaRPr lang="en-US" dirty="0"/>
-          </a:p>
-        </p:txBody>
-      </p:sp>
-      <p:pic>
-        <p:nvPicPr>
-          <p:cNvPr id="3" name="Picture 2" descr="DEV F2014_hybrid.eps"/>
-          <p:cNvPicPr>
-            <a:picLocks noChangeAspect="1"/>
-          </p:cNvPicPr>
-          <p:nvPr/>
-        </p:nvPicPr>
-        <p:blipFill>
-          <a:blip r:embed="rId2">
-            <a:extLst>
-              <a:ext uri="{28A0092B-C50C-407E-A947-70E740481C1C}">
-                <a14:useLocalDpi xmlns:a14="http://schemas.microsoft.com/office/drawing/2010/main" val="0"/>
-              </a:ext>
-            </a:extLst>
-          </a:blip>
-          <a:stretch>
-            <a:fillRect/>
-          </a:stretch>
-        </p:blipFill>
-        <p:spPr>
-          <a:xfrm>
-            <a:off x="533400" y="3547325"/>
-            <a:ext cx="3200400" cy="1081825"/>
-          </a:xfrm>
-          <a:prstGeom prst="rect">
-            <a:avLst/>
-          </a:prstGeom>
-        </p:spPr>
-      </p:pic>
-    </p:spTree>
-    <p:extLst/>
-  </p:cSld>
-  <p:clrMapOvr>
-    <a:masterClrMapping/>
-  </p:clrMapOvr>
-  <p:transition>
-    <p:fade/>
-  </p:transition>
-</p:sldLayout>
-</file>
-
-<file path=ppt/slideLayouts/slideLayout10.xml><?xml version="1.0" encoding="utf-8"?>
-<p:sldLayout xmlns:a="http://schemas.openxmlformats.org/drawingml/2006/main" xmlns:r="http://schemas.openxmlformats.org/officeDocument/2006/relationships" xmlns:p="http://schemas.openxmlformats.org/presentationml/2006/main" type="blank">
-  <p:cSld name="1_Blank">
-    <p:spTree>
-      <p:nvGrpSpPr>
-        <p:cNvPr id="1" name=""/>
-        <p:cNvGrpSpPr/>
-        <p:nvPr/>
-      </p:nvGrpSpPr>
-      <p:grpSpPr>
-        <a:xfrm>
-          <a:off x="0" y="0"/>
-          <a:ext cx="0" cy="0"/>
-          <a:chOff x="0" y="0"/>
-          <a:chExt cx="0" cy="0"/>
-        </a:xfrm>
-      </p:grpSpPr>
-      <p:sp>
-        <p:nvSpPr>
-          <p:cNvPr id="2" name="Date Placeholder 1"/>
-          <p:cNvSpPr>
-            <a:spLocks noGrp="1"/>
-          </p:cNvSpPr>
-          <p:nvPr>
-            <p:ph type="dt" sz="half" idx="10"/>
-          </p:nvPr>
-        </p:nvSpPr>
-        <p:spPr>
-          <a:xfrm>
-            <a:off x="628650" y="4767263"/>
-            <a:ext cx="2057400" cy="273844"/>
-          </a:xfrm>
-          <a:prstGeom prst="rect">
-            <a:avLst/>
-          </a:prstGeom>
-        </p:spPr>
-        <p:txBody>
-          <a:bodyPr/>
-          <a:lstStyle/>
-          <a:p>
-            <a:fld id="{EDBA59A6-CD2A-4C78-8136-2D75DC3FF4D6}" type="datetime1">
-              <a:rPr lang="en-US" smtClean="0"/>
-              <a:t>9/15/18</a:t>
-            </a:fld>
-            <a:endParaRPr lang="en-US"/>
-          </a:p>
-        </p:txBody>
-      </p:sp>
-      <p:sp>
-        <p:nvSpPr>
-          <p:cNvPr id="3" name="Footer Placeholder 2"/>
-          <p:cNvSpPr>
-            <a:spLocks noGrp="1"/>
-          </p:cNvSpPr>
-          <p:nvPr>
-            <p:ph type="ftr" sz="quarter" idx="11"/>
-          </p:nvPr>
-        </p:nvSpPr>
-        <p:spPr>
-          <a:xfrm>
-            <a:off x="3028950" y="4767263"/>
-            <a:ext cx="3086100" cy="273844"/>
-          </a:xfrm>
-          <a:prstGeom prst="rect">
-            <a:avLst/>
-          </a:prstGeom>
-        </p:spPr>
-        <p:txBody>
-          <a:bodyPr/>
-          <a:lstStyle/>
-          <a:p>
-            <a:r>
-              <a:rPr lang="en-US"/>
-              <a:t>Julie Lerman   thedatafarm.com    @julielerman</a:t>
-            </a:r>
-          </a:p>
-        </p:txBody>
-      </p:sp>
-      <p:sp>
-        <p:nvSpPr>
-          <p:cNvPr id="4" name="Slide Number Placeholder 3"/>
-          <p:cNvSpPr>
-            <a:spLocks noGrp="1"/>
-          </p:cNvSpPr>
-          <p:nvPr>
-            <p:ph type="sldNum" sz="quarter" idx="12"/>
-          </p:nvPr>
-        </p:nvSpPr>
-        <p:spPr>
-          <a:xfrm>
-            <a:off x="6457950" y="4767263"/>
-            <a:ext cx="2057400" cy="273844"/>
-          </a:xfrm>
-          <a:prstGeom prst="rect">
-            <a:avLst/>
-          </a:prstGeom>
-        </p:spPr>
-        <p:txBody>
-          <a:bodyPr/>
-          <a:lstStyle/>
-          <a:p>
-            <a:fld id="{3BFC1527-A344-4F2F-AA7D-2AC2D63E059D}" type="slidenum">
-              <a:rPr lang="en-US" smtClean="0"/>
-              <a:t>‹#›</a:t>
-            </a:fld>
-            <a:endParaRPr lang="en-US"/>
-          </a:p>
-        </p:txBody>
-      </p:sp>
-    </p:spTree>
-    <p:extLst>
-      <p:ext uri="{BB962C8B-B14F-4D97-AF65-F5344CB8AC3E}">
-        <p14:creationId xmlns:p14="http://schemas.microsoft.com/office/powerpoint/2010/main" val="138816175"/>
-      </p:ext>
-    </p:extLst>
-  </p:cSld>
-  <p:clrMapOvr>
-    <a:masterClrMapping/>
-  </p:clrMapOvr>
-</p:sldLayout>
-</file>
-
-<file path=ppt/slideLayouts/slideLayout11.xml><?xml version="1.0" encoding="utf-8"?>
-<p:sldLayout xmlns:a="http://schemas.openxmlformats.org/drawingml/2006/main" xmlns:r="http://schemas.openxmlformats.org/officeDocument/2006/relationships" xmlns:p="http://schemas.openxmlformats.org/presentationml/2006/main" type="title" preserve="1">
   <p:cSld name="Title Slide">
     <p:spTree>
       <p:nvGrpSpPr>
@@ -4519,9 +4262,9 @@
           <a:bodyPr/>
           <a:lstStyle/>
           <a:p>
-            <a:fld id="{B677B049-81B3-8345-B0F3-B6AA5B0D9F95}" type="datetimeFigureOut">
+            <a:fld id="{240741C6-D791-D748-A99C-993732643591}" type="datetime1">
               <a:rPr lang="en-US" smtClean="0"/>
-              <a:t>9/15/18</a:t>
+              <a:t>9/16/18</a:t>
             </a:fld>
             <a:endParaRPr lang="en-US"/>
           </a:p>
@@ -4548,7 +4291,10 @@
           <a:bodyPr/>
           <a:lstStyle/>
           <a:p>
-            <a:endParaRPr lang="en-US"/>
+            <a:r>
+              <a:rPr lang="en-US"/>
+              <a:t>@julielerman</a:t>
+            </a:r>
           </a:p>
         </p:txBody>
       </p:sp>
@@ -4591,11 +4337,767 @@
   <p:clrMapOvr>
     <a:masterClrMapping/>
   </p:clrMapOvr>
-  <p:hf hdr="0" ftr="0" dt="0"/>
+</p:sldLayout>
+</file>
+
+<file path=ppt/slideLayouts/slideLayout10.xml><?xml version="1.0" encoding="utf-8"?>
+<p:sldLayout xmlns:a="http://schemas.openxmlformats.org/drawingml/2006/main" xmlns:r="http://schemas.openxmlformats.org/officeDocument/2006/relationships" xmlns:p="http://schemas.openxmlformats.org/presentationml/2006/main" type="vertTx" preserve="1">
+  <p:cSld name="Title and Vertical Text">
+    <p:spTree>
+      <p:nvGrpSpPr>
+        <p:cNvPr id="1" name=""/>
+        <p:cNvGrpSpPr/>
+        <p:nvPr/>
+      </p:nvGrpSpPr>
+      <p:grpSpPr>
+        <a:xfrm>
+          <a:off x="0" y="0"/>
+          <a:ext cx="0" cy="0"/>
+          <a:chOff x="0" y="0"/>
+          <a:chExt cx="0" cy="0"/>
+        </a:xfrm>
+      </p:grpSpPr>
+      <p:sp>
+        <p:nvSpPr>
+          <p:cNvPr id="2" name="Title 1">
+            <a:extLst>
+              <a:ext uri="{FF2B5EF4-FFF2-40B4-BE49-F238E27FC236}">
+                <a16:creationId xmlns:a16="http://schemas.microsoft.com/office/drawing/2014/main" id="{8953A7D5-EF46-CA47-844C-792B42BF22D4}"/>
+              </a:ext>
+            </a:extLst>
+          </p:cNvPr>
+          <p:cNvSpPr>
+            <a:spLocks noGrp="1"/>
+          </p:cNvSpPr>
+          <p:nvPr>
+            <p:ph type="title"/>
+          </p:nvPr>
+        </p:nvSpPr>
+        <p:spPr/>
+        <p:txBody>
+          <a:bodyPr/>
+          <a:lstStyle/>
+          <a:p>
+            <a:r>
+              <a:rPr lang="en-US"/>
+              <a:t>Click to edit Master title style</a:t>
+            </a:r>
+          </a:p>
+        </p:txBody>
+      </p:sp>
+      <p:sp>
+        <p:nvSpPr>
+          <p:cNvPr id="3" name="Vertical Text Placeholder 2">
+            <a:extLst>
+              <a:ext uri="{FF2B5EF4-FFF2-40B4-BE49-F238E27FC236}">
+                <a16:creationId xmlns:a16="http://schemas.microsoft.com/office/drawing/2014/main" id="{359E3A9A-CA88-674D-8501-3B3674014ECD}"/>
+              </a:ext>
+            </a:extLst>
+          </p:cNvPr>
+          <p:cNvSpPr>
+            <a:spLocks noGrp="1"/>
+          </p:cNvSpPr>
+          <p:nvPr>
+            <p:ph type="body" orient="vert" idx="1"/>
+          </p:nvPr>
+        </p:nvSpPr>
+        <p:spPr/>
+        <p:txBody>
+          <a:bodyPr vert="eaVert"/>
+          <a:lstStyle/>
+          <a:p>
+            <a:pPr lvl="0"/>
+            <a:r>
+              <a:rPr lang="en-US"/>
+              <a:t>Edit Master text styles</a:t>
+            </a:r>
+          </a:p>
+          <a:p>
+            <a:pPr lvl="1"/>
+            <a:r>
+              <a:rPr lang="en-US"/>
+              <a:t>Second level</a:t>
+            </a:r>
+          </a:p>
+          <a:p>
+            <a:pPr lvl="2"/>
+            <a:r>
+              <a:rPr lang="en-US"/>
+              <a:t>Third level</a:t>
+            </a:r>
+          </a:p>
+          <a:p>
+            <a:pPr lvl="3"/>
+            <a:r>
+              <a:rPr lang="en-US"/>
+              <a:t>Fourth level</a:t>
+            </a:r>
+          </a:p>
+          <a:p>
+            <a:pPr lvl="4"/>
+            <a:r>
+              <a:rPr lang="en-US"/>
+              <a:t>Fifth level</a:t>
+            </a:r>
+          </a:p>
+        </p:txBody>
+      </p:sp>
+      <p:sp>
+        <p:nvSpPr>
+          <p:cNvPr id="4" name="Date Placeholder 3">
+            <a:extLst>
+              <a:ext uri="{FF2B5EF4-FFF2-40B4-BE49-F238E27FC236}">
+                <a16:creationId xmlns:a16="http://schemas.microsoft.com/office/drawing/2014/main" id="{3D045E7A-4D88-AB4D-9038-566F2D2C3FF5}"/>
+              </a:ext>
+            </a:extLst>
+          </p:cNvPr>
+          <p:cNvSpPr>
+            <a:spLocks noGrp="1"/>
+          </p:cNvSpPr>
+          <p:nvPr>
+            <p:ph type="dt" sz="half" idx="10"/>
+          </p:nvPr>
+        </p:nvSpPr>
+        <p:spPr/>
+        <p:txBody>
+          <a:bodyPr/>
+          <a:lstStyle/>
+          <a:p>
+            <a:fld id="{CBB1B748-6F8F-3A40-8DC8-7F2E00A0C454}" type="datetime1">
+              <a:rPr lang="en-US" smtClean="0"/>
+              <a:t>9/16/18</a:t>
+            </a:fld>
+            <a:endParaRPr lang="en-US"/>
+          </a:p>
+        </p:txBody>
+      </p:sp>
+      <p:sp>
+        <p:nvSpPr>
+          <p:cNvPr id="5" name="Footer Placeholder 4">
+            <a:extLst>
+              <a:ext uri="{FF2B5EF4-FFF2-40B4-BE49-F238E27FC236}">
+                <a16:creationId xmlns:a16="http://schemas.microsoft.com/office/drawing/2014/main" id="{619B4CCE-E1AD-7644-950B-0259F010935A}"/>
+              </a:ext>
+            </a:extLst>
+          </p:cNvPr>
+          <p:cNvSpPr>
+            <a:spLocks noGrp="1"/>
+          </p:cNvSpPr>
+          <p:nvPr>
+            <p:ph type="ftr" sz="quarter" idx="11"/>
+          </p:nvPr>
+        </p:nvSpPr>
+        <p:spPr/>
+        <p:txBody>
+          <a:bodyPr/>
+          <a:lstStyle/>
+          <a:p>
+            <a:r>
+              <a:rPr lang="en-US"/>
+              <a:t>@julielerman</a:t>
+            </a:r>
+          </a:p>
+        </p:txBody>
+      </p:sp>
+      <p:sp>
+        <p:nvSpPr>
+          <p:cNvPr id="6" name="Slide Number Placeholder 5">
+            <a:extLst>
+              <a:ext uri="{FF2B5EF4-FFF2-40B4-BE49-F238E27FC236}">
+                <a16:creationId xmlns:a16="http://schemas.microsoft.com/office/drawing/2014/main" id="{FD52DEF8-D411-9641-BBB7-B39A25E4C0D6}"/>
+              </a:ext>
+            </a:extLst>
+          </p:cNvPr>
+          <p:cNvSpPr>
+            <a:spLocks noGrp="1"/>
+          </p:cNvSpPr>
+          <p:nvPr>
+            <p:ph type="sldNum" sz="quarter" idx="12"/>
+          </p:nvPr>
+        </p:nvSpPr>
+        <p:spPr/>
+        <p:txBody>
+          <a:bodyPr/>
+          <a:lstStyle/>
+          <a:p>
+            <a:fld id="{C974B151-4683-DF4D-9DBD-22235BEE5E71}" type="slidenum">
+              <a:rPr lang="en-US" smtClean="0"/>
+              <a:t>‹#›</a:t>
+            </a:fld>
+            <a:endParaRPr lang="en-US"/>
+          </a:p>
+        </p:txBody>
+      </p:sp>
+    </p:spTree>
+    <p:extLst>
+      <p:ext uri="{BB962C8B-B14F-4D97-AF65-F5344CB8AC3E}">
+        <p14:creationId xmlns:p14="http://schemas.microsoft.com/office/powerpoint/2010/main" val="278636646"/>
+      </p:ext>
+    </p:extLst>
+  </p:cSld>
+  <p:clrMapOvr>
+    <a:masterClrMapping/>
+  </p:clrMapOvr>
+</p:sldLayout>
+</file>
+
+<file path=ppt/slideLayouts/slideLayout11.xml><?xml version="1.0" encoding="utf-8"?>
+<p:sldLayout xmlns:a="http://schemas.openxmlformats.org/drawingml/2006/main" xmlns:r="http://schemas.openxmlformats.org/officeDocument/2006/relationships" xmlns:p="http://schemas.openxmlformats.org/presentationml/2006/main" type="vertTitleAndTx" preserve="1">
+  <p:cSld name="Vertical Title and Text">
+    <p:spTree>
+      <p:nvGrpSpPr>
+        <p:cNvPr id="1" name=""/>
+        <p:cNvGrpSpPr/>
+        <p:nvPr/>
+      </p:nvGrpSpPr>
+      <p:grpSpPr>
+        <a:xfrm>
+          <a:off x="0" y="0"/>
+          <a:ext cx="0" cy="0"/>
+          <a:chOff x="0" y="0"/>
+          <a:chExt cx="0" cy="0"/>
+        </a:xfrm>
+      </p:grpSpPr>
+      <p:sp>
+        <p:nvSpPr>
+          <p:cNvPr id="2" name="Vertical Title 1">
+            <a:extLst>
+              <a:ext uri="{FF2B5EF4-FFF2-40B4-BE49-F238E27FC236}">
+                <a16:creationId xmlns:a16="http://schemas.microsoft.com/office/drawing/2014/main" id="{23670E80-70DC-4345-B474-42FE03CB1C6D}"/>
+              </a:ext>
+            </a:extLst>
+          </p:cNvPr>
+          <p:cNvSpPr>
+            <a:spLocks noGrp="1"/>
+          </p:cNvSpPr>
+          <p:nvPr>
+            <p:ph type="title" orient="vert"/>
+          </p:nvPr>
+        </p:nvSpPr>
+        <p:spPr>
+          <a:xfrm>
+            <a:off x="6543675" y="273844"/>
+            <a:ext cx="1971675" cy="4358879"/>
+          </a:xfrm>
+        </p:spPr>
+        <p:txBody>
+          <a:bodyPr vert="eaVert"/>
+          <a:lstStyle/>
+          <a:p>
+            <a:r>
+              <a:rPr lang="en-US"/>
+              <a:t>Click to edit Master title style</a:t>
+            </a:r>
+          </a:p>
+        </p:txBody>
+      </p:sp>
+      <p:sp>
+        <p:nvSpPr>
+          <p:cNvPr id="3" name="Vertical Text Placeholder 2">
+            <a:extLst>
+              <a:ext uri="{FF2B5EF4-FFF2-40B4-BE49-F238E27FC236}">
+                <a16:creationId xmlns:a16="http://schemas.microsoft.com/office/drawing/2014/main" id="{345FF735-7D6C-7C47-BACC-EA35A5033103}"/>
+              </a:ext>
+            </a:extLst>
+          </p:cNvPr>
+          <p:cNvSpPr>
+            <a:spLocks noGrp="1"/>
+          </p:cNvSpPr>
+          <p:nvPr>
+            <p:ph type="body" orient="vert" idx="1"/>
+          </p:nvPr>
+        </p:nvSpPr>
+        <p:spPr>
+          <a:xfrm>
+            <a:off x="628650" y="273844"/>
+            <a:ext cx="5800725" cy="4358879"/>
+          </a:xfrm>
+        </p:spPr>
+        <p:txBody>
+          <a:bodyPr vert="eaVert"/>
+          <a:lstStyle/>
+          <a:p>
+            <a:pPr lvl="0"/>
+            <a:r>
+              <a:rPr lang="en-US"/>
+              <a:t>Edit Master text styles</a:t>
+            </a:r>
+          </a:p>
+          <a:p>
+            <a:pPr lvl="1"/>
+            <a:r>
+              <a:rPr lang="en-US"/>
+              <a:t>Second level</a:t>
+            </a:r>
+          </a:p>
+          <a:p>
+            <a:pPr lvl="2"/>
+            <a:r>
+              <a:rPr lang="en-US"/>
+              <a:t>Third level</a:t>
+            </a:r>
+          </a:p>
+          <a:p>
+            <a:pPr lvl="3"/>
+            <a:r>
+              <a:rPr lang="en-US"/>
+              <a:t>Fourth level</a:t>
+            </a:r>
+          </a:p>
+          <a:p>
+            <a:pPr lvl="4"/>
+            <a:r>
+              <a:rPr lang="en-US"/>
+              <a:t>Fifth level</a:t>
+            </a:r>
+          </a:p>
+        </p:txBody>
+      </p:sp>
+      <p:sp>
+        <p:nvSpPr>
+          <p:cNvPr id="4" name="Date Placeholder 3">
+            <a:extLst>
+              <a:ext uri="{FF2B5EF4-FFF2-40B4-BE49-F238E27FC236}">
+                <a16:creationId xmlns:a16="http://schemas.microsoft.com/office/drawing/2014/main" id="{A978E119-2AC6-764F-A1C0-F592FA99844B}"/>
+              </a:ext>
+            </a:extLst>
+          </p:cNvPr>
+          <p:cNvSpPr>
+            <a:spLocks noGrp="1"/>
+          </p:cNvSpPr>
+          <p:nvPr>
+            <p:ph type="dt" sz="half" idx="10"/>
+          </p:nvPr>
+        </p:nvSpPr>
+        <p:spPr/>
+        <p:txBody>
+          <a:bodyPr/>
+          <a:lstStyle/>
+          <a:p>
+            <a:fld id="{29CCF607-879C-4F40-8D5D-A296E3D02063}" type="datetime1">
+              <a:rPr lang="en-US" smtClean="0"/>
+              <a:t>9/16/18</a:t>
+            </a:fld>
+            <a:endParaRPr lang="en-US"/>
+          </a:p>
+        </p:txBody>
+      </p:sp>
+      <p:sp>
+        <p:nvSpPr>
+          <p:cNvPr id="5" name="Footer Placeholder 4">
+            <a:extLst>
+              <a:ext uri="{FF2B5EF4-FFF2-40B4-BE49-F238E27FC236}">
+                <a16:creationId xmlns:a16="http://schemas.microsoft.com/office/drawing/2014/main" id="{F09A14B4-30D4-2D44-8737-505981228C71}"/>
+              </a:ext>
+            </a:extLst>
+          </p:cNvPr>
+          <p:cNvSpPr>
+            <a:spLocks noGrp="1"/>
+          </p:cNvSpPr>
+          <p:nvPr>
+            <p:ph type="ftr" sz="quarter" idx="11"/>
+          </p:nvPr>
+        </p:nvSpPr>
+        <p:spPr/>
+        <p:txBody>
+          <a:bodyPr/>
+          <a:lstStyle/>
+          <a:p>
+            <a:r>
+              <a:rPr lang="en-US"/>
+              <a:t>@julielerman</a:t>
+            </a:r>
+          </a:p>
+        </p:txBody>
+      </p:sp>
+      <p:sp>
+        <p:nvSpPr>
+          <p:cNvPr id="6" name="Slide Number Placeholder 5">
+            <a:extLst>
+              <a:ext uri="{FF2B5EF4-FFF2-40B4-BE49-F238E27FC236}">
+                <a16:creationId xmlns:a16="http://schemas.microsoft.com/office/drawing/2014/main" id="{31A90FFE-0CEA-C74C-920A-8CC42FED77F3}"/>
+              </a:ext>
+            </a:extLst>
+          </p:cNvPr>
+          <p:cNvSpPr>
+            <a:spLocks noGrp="1"/>
+          </p:cNvSpPr>
+          <p:nvPr>
+            <p:ph type="sldNum" sz="quarter" idx="12"/>
+          </p:nvPr>
+        </p:nvSpPr>
+        <p:spPr/>
+        <p:txBody>
+          <a:bodyPr/>
+          <a:lstStyle/>
+          <a:p>
+            <a:fld id="{C974B151-4683-DF4D-9DBD-22235BEE5E71}" type="slidenum">
+              <a:rPr lang="en-US" smtClean="0"/>
+              <a:t>‹#›</a:t>
+            </a:fld>
+            <a:endParaRPr lang="en-US"/>
+          </a:p>
+        </p:txBody>
+      </p:sp>
+    </p:spTree>
+    <p:extLst>
+      <p:ext uri="{BB962C8B-B14F-4D97-AF65-F5344CB8AC3E}">
+        <p14:creationId xmlns:p14="http://schemas.microsoft.com/office/powerpoint/2010/main" val="3044657321"/>
+      </p:ext>
+    </p:extLst>
+  </p:cSld>
+  <p:clrMapOvr>
+    <a:masterClrMapping/>
+  </p:clrMapOvr>
 </p:sldLayout>
 </file>
 
 <file path=ppt/slideLayouts/slideLayout12.xml><?xml version="1.0" encoding="utf-8"?>
+<p:sldLayout xmlns:a="http://schemas.openxmlformats.org/drawingml/2006/main" xmlns:r="http://schemas.openxmlformats.org/officeDocument/2006/relationships" xmlns:p="http://schemas.openxmlformats.org/presentationml/2006/main" type="tx">
+  <p:cSld name="Title and Text">
+    <p:spTree>
+      <p:nvGrpSpPr>
+        <p:cNvPr id="1" name=""/>
+        <p:cNvGrpSpPr/>
+        <p:nvPr/>
+      </p:nvGrpSpPr>
+      <p:grpSpPr>
+        <a:xfrm>
+          <a:off x="0" y="0"/>
+          <a:ext cx="0" cy="0"/>
+          <a:chOff x="0" y="0"/>
+          <a:chExt cx="0" cy="0"/>
+        </a:xfrm>
+      </p:grpSpPr>
+      <p:sp>
+        <p:nvSpPr>
+          <p:cNvPr id="2" name="Title 1"/>
+          <p:cNvSpPr>
+            <a:spLocks noGrp="1"/>
+          </p:cNvSpPr>
+          <p:nvPr>
+            <p:ph type="title"/>
+          </p:nvPr>
+        </p:nvSpPr>
+        <p:spPr>
+          <a:noFill/>
+        </p:spPr>
+        <p:txBody>
+          <a:bodyPr rtlCol="0"/>
+          <a:lstStyle>
+            <a:lvl1pPr marL="0" indent="0" algn="ctr" defTabSz="-13873163" rtl="0" eaLnBrk="1" fontAlgn="base" hangingPunct="1">
+              <a:spcBef>
+                <a:spcPct val="0"/>
+              </a:spcBef>
+              <a:spcAft>
+                <a:spcPct val="0"/>
+              </a:spcAft>
+              <a:defRPr lang="en-US" sz="2900" b="1" dirty="0">
+                <a:solidFill>
+                  <a:schemeClr val="tx2"/>
+                </a:solidFill>
+                <a:latin typeface="Calibri"/>
+                <a:ea typeface="+mj-ea"/>
+                <a:cs typeface="Segoe UI" pitchFamily="34" charset="0"/>
+              </a:defRPr>
+            </a:lvl1pPr>
+          </a:lstStyle>
+          <a:p>
+            <a:r>
+              <a:rPr lang="en-US"/>
+              <a:t>Click to edit Master title style</a:t>
+            </a:r>
+            <a:endParaRPr lang="en-US" dirty="0"/>
+          </a:p>
+        </p:txBody>
+      </p:sp>
+      <p:sp>
+        <p:nvSpPr>
+          <p:cNvPr id="3" name="Text Placeholder 2"/>
+          <p:cNvSpPr>
+            <a:spLocks noGrp="1"/>
+          </p:cNvSpPr>
+          <p:nvPr>
+            <p:ph type="body" idx="1"/>
+          </p:nvPr>
+        </p:nvSpPr>
+        <p:spPr>
+          <a:xfrm>
+            <a:off x="457200" y="1028700"/>
+            <a:ext cx="8229600" cy="3200400"/>
+          </a:xfrm>
+        </p:spPr>
+        <p:txBody>
+          <a:bodyPr rtlCol="0"/>
+          <a:lstStyle>
+            <a:lvl1pPr>
+              <a:buClrTx/>
+              <a:buFont typeface="Wingdings" pitchFamily="2" charset="2"/>
+              <a:buChar char="§"/>
+              <a:defRPr sz="2100" b="1">
+                <a:latin typeface="Calibri" pitchFamily="34" charset="0"/>
+              </a:defRPr>
+            </a:lvl1pPr>
+            <a:lvl2pPr>
+              <a:buClrTx/>
+              <a:buFont typeface="Wingdings" pitchFamily="2" charset="2"/>
+              <a:buChar char="o"/>
+              <a:defRPr sz="1900" b="0">
+                <a:latin typeface="Calibri Light" pitchFamily="34" charset="0"/>
+              </a:defRPr>
+            </a:lvl2pPr>
+            <a:lvl3pPr>
+              <a:buClrTx/>
+              <a:buFont typeface="Wingdings" pitchFamily="2" charset="2"/>
+              <a:buChar char="o"/>
+              <a:defRPr sz="1700" b="0">
+                <a:latin typeface="Calibri Light" pitchFamily="34" charset="0"/>
+              </a:defRPr>
+            </a:lvl3pPr>
+            <a:lvl4pPr>
+              <a:buClrTx/>
+              <a:buFont typeface="Wingdings" pitchFamily="2" charset="2"/>
+              <a:buChar char="o"/>
+              <a:defRPr sz="1500" b="0">
+                <a:latin typeface="Calibri Light" pitchFamily="34" charset="0"/>
+              </a:defRPr>
+            </a:lvl4pPr>
+            <a:lvl5pPr>
+              <a:buClrTx/>
+              <a:buFont typeface="Wingdings" pitchFamily="2" charset="2"/>
+              <a:buChar char="o"/>
+              <a:defRPr sz="1300" b="0">
+                <a:latin typeface="Calibri Light" pitchFamily="34" charset="0"/>
+              </a:defRPr>
+            </a:lvl5pPr>
+          </a:lstStyle>
+          <a:p>
+            <a:pPr lvl="0"/>
+            <a:r>
+              <a:rPr lang="en-US"/>
+              <a:t>Click to edit Master text styles</a:t>
+            </a:r>
+          </a:p>
+          <a:p>
+            <a:pPr lvl="1"/>
+            <a:r>
+              <a:rPr lang="en-US"/>
+              <a:t>Second level</a:t>
+            </a:r>
+          </a:p>
+          <a:p>
+            <a:pPr lvl="2"/>
+            <a:r>
+              <a:rPr lang="en-US"/>
+              <a:t>Third level</a:t>
+            </a:r>
+          </a:p>
+          <a:p>
+            <a:pPr lvl="3"/>
+            <a:r>
+              <a:rPr lang="en-US"/>
+              <a:t>Fourth level</a:t>
+            </a:r>
+          </a:p>
+          <a:p>
+            <a:pPr lvl="4"/>
+            <a:r>
+              <a:rPr lang="en-US"/>
+              <a:t>Fifth level</a:t>
+            </a:r>
+            <a:endParaRPr lang="en-US" dirty="0"/>
+          </a:p>
+        </p:txBody>
+      </p:sp>
+    </p:spTree>
+    <p:extLst>
+      <p:ext uri="{BB962C8B-B14F-4D97-AF65-F5344CB8AC3E}">
+        <p14:creationId xmlns:p14="http://schemas.microsoft.com/office/powerpoint/2010/main" val="4078168883"/>
+      </p:ext>
+    </p:extLst>
+  </p:cSld>
+  <p:clrMapOvr>
+    <a:masterClrMapping/>
+  </p:clrMapOvr>
+  <p:transition>
+    <p:fade/>
+  </p:transition>
+</p:sldLayout>
+</file>
+
+<file path=ppt/slideLayouts/slideLayout13.xml><?xml version="1.0" encoding="utf-8"?>
+<p:sldLayout xmlns:a="http://schemas.openxmlformats.org/drawingml/2006/main" xmlns:r="http://schemas.openxmlformats.org/officeDocument/2006/relationships" xmlns:p="http://schemas.openxmlformats.org/presentationml/2006/main">
+  <p:cSld name="References">
+    <p:spTree>
+      <p:nvGrpSpPr>
+        <p:cNvPr id="1" name=""/>
+        <p:cNvGrpSpPr/>
+        <p:nvPr/>
+      </p:nvGrpSpPr>
+      <p:grpSpPr>
+        <a:xfrm>
+          <a:off x="0" y="0"/>
+          <a:ext cx="0" cy="0"/>
+          <a:chOff x="0" y="0"/>
+          <a:chExt cx="0" cy="0"/>
+        </a:xfrm>
+      </p:grpSpPr>
+      <p:sp>
+        <p:nvSpPr>
+          <p:cNvPr id="2" name="Title 1"/>
+          <p:cNvSpPr>
+            <a:spLocks noGrp="1"/>
+          </p:cNvSpPr>
+          <p:nvPr>
+            <p:ph type="title" hasCustomPrompt="1"/>
+          </p:nvPr>
+        </p:nvSpPr>
+        <p:spPr>
+          <a:noFill/>
+        </p:spPr>
+        <p:txBody>
+          <a:bodyPr rtlCol="0"/>
+          <a:lstStyle>
+            <a:lvl1pPr marL="0" indent="0" algn="ctr" defTabSz="-13873163" rtl="0" eaLnBrk="1" fontAlgn="base" hangingPunct="1">
+              <a:spcBef>
+                <a:spcPct val="0"/>
+              </a:spcBef>
+              <a:spcAft>
+                <a:spcPct val="0"/>
+              </a:spcAft>
+              <a:defRPr lang="en-US" sz="2900" b="1" dirty="0">
+                <a:solidFill>
+                  <a:schemeClr val="tx2"/>
+                </a:solidFill>
+                <a:latin typeface="+mj-lt"/>
+                <a:ea typeface="+mj-ea"/>
+                <a:cs typeface="Segoe UI" pitchFamily="34" charset="0"/>
+              </a:defRPr>
+            </a:lvl1pPr>
+          </a:lstStyle>
+          <a:p>
+            <a:r>
+              <a:rPr lang="en-US" dirty="0"/>
+              <a:t>References</a:t>
+            </a:r>
+          </a:p>
+        </p:txBody>
+      </p:sp>
+      <p:sp>
+        <p:nvSpPr>
+          <p:cNvPr id="8" name="Text Placeholder 2"/>
+          <p:cNvSpPr>
+            <a:spLocks noGrp="1"/>
+          </p:cNvSpPr>
+          <p:nvPr>
+            <p:ph type="body" idx="1"/>
+          </p:nvPr>
+        </p:nvSpPr>
+        <p:spPr>
+          <a:xfrm>
+            <a:off x="457200" y="1028700"/>
+            <a:ext cx="8229600" cy="3200400"/>
+          </a:xfrm>
+        </p:spPr>
+        <p:txBody>
+          <a:bodyPr rtlCol="0"/>
+          <a:lstStyle>
+            <a:lvl1pPr>
+              <a:buClrTx/>
+              <a:buFont typeface="Wingdings" pitchFamily="2" charset="2"/>
+              <a:buChar char="§"/>
+              <a:defRPr sz="2100" b="1">
+                <a:latin typeface="Calibri" pitchFamily="34" charset="0"/>
+              </a:defRPr>
+            </a:lvl1pPr>
+            <a:lvl2pPr>
+              <a:buClrTx/>
+              <a:buFont typeface="Wingdings" pitchFamily="2" charset="2"/>
+              <a:buChar char="o"/>
+              <a:defRPr sz="1900" b="0">
+                <a:latin typeface="Calibri Light" pitchFamily="34" charset="0"/>
+              </a:defRPr>
+            </a:lvl2pPr>
+            <a:lvl3pPr>
+              <a:buClrTx/>
+              <a:buFont typeface="Wingdings" pitchFamily="2" charset="2"/>
+              <a:buChar char="o"/>
+              <a:defRPr sz="1700" b="0">
+                <a:latin typeface="Calibri Light" pitchFamily="34" charset="0"/>
+              </a:defRPr>
+            </a:lvl3pPr>
+            <a:lvl4pPr>
+              <a:buClrTx/>
+              <a:buFont typeface="Wingdings" pitchFamily="2" charset="2"/>
+              <a:buChar char="o"/>
+              <a:defRPr sz="1500" b="0">
+                <a:latin typeface="Calibri Light" pitchFamily="34" charset="0"/>
+              </a:defRPr>
+            </a:lvl4pPr>
+            <a:lvl5pPr>
+              <a:buClrTx/>
+              <a:buFont typeface="Wingdings" pitchFamily="2" charset="2"/>
+              <a:buChar char="o"/>
+              <a:defRPr sz="1300" b="0">
+                <a:latin typeface="Calibri Light" pitchFamily="34" charset="0"/>
+              </a:defRPr>
+            </a:lvl5pPr>
+          </a:lstStyle>
+          <a:p>
+            <a:pPr lvl="0"/>
+            <a:r>
+              <a:rPr lang="en-US"/>
+              <a:t>Click to edit Master text styles</a:t>
+            </a:r>
+          </a:p>
+          <a:p>
+            <a:pPr lvl="1"/>
+            <a:r>
+              <a:rPr lang="en-US"/>
+              <a:t>Second level</a:t>
+            </a:r>
+          </a:p>
+          <a:p>
+            <a:pPr lvl="2"/>
+            <a:r>
+              <a:rPr lang="en-US"/>
+              <a:t>Third level</a:t>
+            </a:r>
+          </a:p>
+          <a:p>
+            <a:pPr lvl="3"/>
+            <a:r>
+              <a:rPr lang="en-US"/>
+              <a:t>Fourth level</a:t>
+            </a:r>
+          </a:p>
+          <a:p>
+            <a:pPr lvl="4"/>
+            <a:r>
+              <a:rPr lang="en-US"/>
+              <a:t>Fifth level</a:t>
+            </a:r>
+            <a:endParaRPr lang="en-US" dirty="0"/>
+          </a:p>
+        </p:txBody>
+      </p:sp>
+    </p:spTree>
+    <p:extLst>
+      <p:ext uri="{BB962C8B-B14F-4D97-AF65-F5344CB8AC3E}">
+        <p14:creationId xmlns:p14="http://schemas.microsoft.com/office/powerpoint/2010/main" val="4058225884"/>
+      </p:ext>
+    </p:extLst>
+  </p:cSld>
+  <p:clrMapOvr>
+    <a:masterClrMapping/>
+  </p:clrMapOvr>
+  <p:transition>
+    <p:fade/>
+  </p:transition>
+</p:sldLayout>
+</file>
+
+<file path=ppt/slideLayouts/slideLayout2.xml><?xml version="1.0" encoding="utf-8"?>
 <p:sldLayout xmlns:a="http://schemas.openxmlformats.org/drawingml/2006/main" xmlns:r="http://schemas.openxmlformats.org/officeDocument/2006/relationships" xmlns:p="http://schemas.openxmlformats.org/presentationml/2006/main" type="obj" preserve="1">
   <p:cSld name="Title and Content">
     <p:spTree>
@@ -4718,9 +5220,9 @@
           <a:bodyPr/>
           <a:lstStyle/>
           <a:p>
-            <a:fld id="{B677B049-81B3-8345-B0F3-B6AA5B0D9F95}" type="datetimeFigureOut">
+            <a:fld id="{6783197C-F48B-F945-9D74-54EC84226D1A}" type="datetime1">
               <a:rPr lang="en-US" smtClean="0"/>
-              <a:t>9/15/18</a:t>
+              <a:t>9/16/18</a:t>
             </a:fld>
             <a:endParaRPr lang="en-US"/>
           </a:p>
@@ -4747,7 +5249,10 @@
           <a:bodyPr/>
           <a:lstStyle/>
           <a:p>
-            <a:endParaRPr lang="en-US"/>
+            <a:r>
+              <a:rPr lang="en-US"/>
+              <a:t>@julielerman</a:t>
+            </a:r>
           </a:p>
         </p:txBody>
       </p:sp>
@@ -4790,11 +5295,10 @@
   <p:clrMapOvr>
     <a:masterClrMapping/>
   </p:clrMapOvr>
-  <p:hf hdr="0" ftr="0" dt="0"/>
 </p:sldLayout>
 </file>
 
-<file path=ppt/slideLayouts/slideLayout13.xml><?xml version="1.0" encoding="utf-8"?>
+<file path=ppt/slideLayouts/slideLayout3.xml><?xml version="1.0" encoding="utf-8"?>
 <p:sldLayout xmlns:a="http://schemas.openxmlformats.org/drawingml/2006/main" xmlns:r="http://schemas.openxmlformats.org/officeDocument/2006/relationships" xmlns:p="http://schemas.openxmlformats.org/presentationml/2006/main" type="secHead" preserve="1">
   <p:cSld name="Section Header">
     <p:spTree>
@@ -4994,9 +5498,9 @@
           <a:bodyPr/>
           <a:lstStyle/>
           <a:p>
-            <a:fld id="{B677B049-81B3-8345-B0F3-B6AA5B0D9F95}" type="datetimeFigureOut">
+            <a:fld id="{71DB4854-5E7F-B749-A967-7662774DCFF8}" type="datetime1">
               <a:rPr lang="en-US" smtClean="0"/>
-              <a:t>9/15/18</a:t>
+              <a:t>9/16/18</a:t>
             </a:fld>
             <a:endParaRPr lang="en-US"/>
           </a:p>
@@ -5023,7 +5527,10 @@
           <a:bodyPr/>
           <a:lstStyle/>
           <a:p>
-            <a:endParaRPr lang="en-US"/>
+            <a:r>
+              <a:rPr lang="en-US"/>
+              <a:t>@julielerman</a:t>
+            </a:r>
           </a:p>
         </p:txBody>
       </p:sp>
@@ -5066,11 +5573,10 @@
   <p:clrMapOvr>
     <a:masterClrMapping/>
   </p:clrMapOvr>
-  <p:hf hdr="0" ftr="0" dt="0"/>
 </p:sldLayout>
 </file>
 
-<file path=ppt/slideLayouts/slideLayout14.xml><?xml version="1.0" encoding="utf-8"?>
+<file path=ppt/slideLayouts/slideLayout4.xml><?xml version="1.0" encoding="utf-8"?>
 <p:sldLayout xmlns:a="http://schemas.openxmlformats.org/drawingml/2006/main" xmlns:r="http://schemas.openxmlformats.org/officeDocument/2006/relationships" xmlns:p="http://schemas.openxmlformats.org/presentationml/2006/main" type="twoObj" preserve="1">
   <p:cSld name="Two Content">
     <p:spTree>
@@ -5260,9 +5766,9 @@
           <a:bodyPr/>
           <a:lstStyle/>
           <a:p>
-            <a:fld id="{B677B049-81B3-8345-B0F3-B6AA5B0D9F95}" type="datetimeFigureOut">
+            <a:fld id="{9423DF66-4EB1-1E40-BA9E-02FAA056F626}" type="datetime1">
               <a:rPr lang="en-US" smtClean="0"/>
-              <a:t>9/15/18</a:t>
+              <a:t>9/16/18</a:t>
             </a:fld>
             <a:endParaRPr lang="en-US"/>
           </a:p>
@@ -5289,7 +5795,10 @@
           <a:bodyPr/>
           <a:lstStyle/>
           <a:p>
-            <a:endParaRPr lang="en-US"/>
+            <a:r>
+              <a:rPr lang="en-US"/>
+              <a:t>@julielerman</a:t>
+            </a:r>
           </a:p>
         </p:txBody>
       </p:sp>
@@ -5332,11 +5841,10 @@
   <p:clrMapOvr>
     <a:masterClrMapping/>
   </p:clrMapOvr>
-  <p:hf hdr="0" ftr="0" dt="0"/>
 </p:sldLayout>
 </file>
 
-<file path=ppt/slideLayouts/slideLayout15.xml><?xml version="1.0" encoding="utf-8"?>
+<file path=ppt/slideLayouts/slideLayout5.xml><?xml version="1.0" encoding="utf-8"?>
 <p:sldLayout xmlns:a="http://schemas.openxmlformats.org/drawingml/2006/main" xmlns:r="http://schemas.openxmlformats.org/officeDocument/2006/relationships" xmlns:p="http://schemas.openxmlformats.org/presentationml/2006/main" type="twoTxTwoObj" preserve="1">
   <p:cSld name="Comparison">
     <p:spTree>
@@ -5673,9 +6181,9 @@
           <a:bodyPr/>
           <a:lstStyle/>
           <a:p>
-            <a:fld id="{B677B049-81B3-8345-B0F3-B6AA5B0D9F95}" type="datetimeFigureOut">
+            <a:fld id="{66D6FDA8-F698-3243-87EE-BA5448F5E8BF}" type="datetime1">
               <a:rPr lang="en-US" smtClean="0"/>
-              <a:t>9/15/18</a:t>
+              <a:t>9/16/18</a:t>
             </a:fld>
             <a:endParaRPr lang="en-US"/>
           </a:p>
@@ -5702,7 +6210,10 @@
           <a:bodyPr/>
           <a:lstStyle/>
           <a:p>
-            <a:endParaRPr lang="en-US"/>
+            <a:r>
+              <a:rPr lang="en-US"/>
+              <a:t>@julielerman</a:t>
+            </a:r>
           </a:p>
         </p:txBody>
       </p:sp>
@@ -5745,11 +6256,10 @@
   <p:clrMapOvr>
     <a:masterClrMapping/>
   </p:clrMapOvr>
-  <p:hf hdr="0" ftr="0" dt="0"/>
 </p:sldLayout>
 </file>
 
-<file path=ppt/slideLayouts/slideLayout16.xml><?xml version="1.0" encoding="utf-8"?>
+<file path=ppt/slideLayouts/slideLayout6.xml><?xml version="1.0" encoding="utf-8"?>
 <p:sldLayout xmlns:a="http://schemas.openxmlformats.org/drawingml/2006/main" xmlns:r="http://schemas.openxmlformats.org/officeDocument/2006/relationships" xmlns:p="http://schemas.openxmlformats.org/presentationml/2006/main" type="titleOnly" preserve="1">
   <p:cSld name="Title Only">
     <p:spTree>
@@ -5815,9 +6325,9 @@
           <a:bodyPr/>
           <a:lstStyle/>
           <a:p>
-            <a:fld id="{B677B049-81B3-8345-B0F3-B6AA5B0D9F95}" type="datetimeFigureOut">
+            <a:fld id="{9EC8C74F-520B-DD4F-87A2-493AB172B9A6}" type="datetime1">
               <a:rPr lang="en-US" smtClean="0"/>
-              <a:t>9/15/18</a:t>
+              <a:t>9/16/18</a:t>
             </a:fld>
             <a:endParaRPr lang="en-US"/>
           </a:p>
@@ -5844,7 +6354,10 @@
           <a:bodyPr/>
           <a:lstStyle/>
           <a:p>
-            <a:endParaRPr lang="en-US"/>
+            <a:r>
+              <a:rPr lang="en-US"/>
+              <a:t>@julielerman</a:t>
+            </a:r>
           </a:p>
         </p:txBody>
       </p:sp>
@@ -5887,11 +6400,10 @@
   <p:clrMapOvr>
     <a:masterClrMapping/>
   </p:clrMapOvr>
-  <p:hf hdr="0" ftr="0" dt="0"/>
 </p:sldLayout>
 </file>
 
-<file path=ppt/slideLayouts/slideLayout17.xml><?xml version="1.0" encoding="utf-8"?>
+<file path=ppt/slideLayouts/slideLayout7.xml><?xml version="1.0" encoding="utf-8"?>
 <p:sldLayout xmlns:a="http://schemas.openxmlformats.org/drawingml/2006/main" xmlns:r="http://schemas.openxmlformats.org/officeDocument/2006/relationships" xmlns:p="http://schemas.openxmlformats.org/presentationml/2006/main" type="blank" preserve="1">
   <p:cSld name="Blank">
     <p:spTree>
@@ -5929,9 +6441,9 @@
           <a:bodyPr/>
           <a:lstStyle/>
           <a:p>
-            <a:fld id="{B677B049-81B3-8345-B0F3-B6AA5B0D9F95}" type="datetimeFigureOut">
+            <a:fld id="{8630D504-7B0B-C945-8960-D35FC8A54978}" type="datetime1">
               <a:rPr lang="en-US" smtClean="0"/>
-              <a:t>9/15/18</a:t>
+              <a:t>9/16/18</a:t>
             </a:fld>
             <a:endParaRPr lang="en-US"/>
           </a:p>
@@ -5958,7 +6470,10 @@
           <a:bodyPr/>
           <a:lstStyle/>
           <a:p>
-            <a:endParaRPr lang="en-US"/>
+            <a:r>
+              <a:rPr lang="en-US"/>
+              <a:t>@julielerman</a:t>
+            </a:r>
           </a:p>
         </p:txBody>
       </p:sp>
@@ -6001,11 +6516,10 @@
   <p:clrMapOvr>
     <a:masterClrMapping/>
   </p:clrMapOvr>
-  <p:hf hdr="0" ftr="0" dt="0"/>
 </p:sldLayout>
 </file>
 
-<file path=ppt/slideLayouts/slideLayout18.xml><?xml version="1.0" encoding="utf-8"?>
+<file path=ppt/slideLayouts/slideLayout8.xml><?xml version="1.0" encoding="utf-8"?>
 <p:sldLayout xmlns:a="http://schemas.openxmlformats.org/drawingml/2006/main" xmlns:r="http://schemas.openxmlformats.org/officeDocument/2006/relationships" xmlns:p="http://schemas.openxmlformats.org/presentationml/2006/main" type="objTx" preserve="1">
   <p:cSld name="Content with Caption">
     <p:spTree>
@@ -6241,9 +6755,9 @@
           <a:bodyPr/>
           <a:lstStyle/>
           <a:p>
-            <a:fld id="{B677B049-81B3-8345-B0F3-B6AA5B0D9F95}" type="datetimeFigureOut">
+            <a:fld id="{4758A7DB-EFE1-6747-B81D-995C0B645DD9}" type="datetime1">
               <a:rPr lang="en-US" smtClean="0"/>
-              <a:t>9/15/18</a:t>
+              <a:t>9/16/18</a:t>
             </a:fld>
             <a:endParaRPr lang="en-US"/>
           </a:p>
@@ -6270,7 +6784,10 @@
           <a:bodyPr/>
           <a:lstStyle/>
           <a:p>
-            <a:endParaRPr lang="en-US"/>
+            <a:r>
+              <a:rPr lang="en-US"/>
+              <a:t>@julielerman</a:t>
+            </a:r>
           </a:p>
         </p:txBody>
       </p:sp>
@@ -6313,11 +6830,10 @@
   <p:clrMapOvr>
     <a:masterClrMapping/>
   </p:clrMapOvr>
-  <p:hf hdr="0" ftr="0" dt="0"/>
 </p:sldLayout>
 </file>
 
-<file path=ppt/slideLayouts/slideLayout19.xml><?xml version="1.0" encoding="utf-8"?>
+<file path=ppt/slideLayouts/slideLayout9.xml><?xml version="1.0" encoding="utf-8"?>
 <p:sldLayout xmlns:a="http://schemas.openxmlformats.org/drawingml/2006/main" xmlns:r="http://schemas.openxmlformats.org/officeDocument/2006/relationships" xmlns:p="http://schemas.openxmlformats.org/presentationml/2006/main" type="picTx" preserve="1">
   <p:cSld name="Picture with Caption">
     <p:spTree>
@@ -6530,9 +7046,9 @@
           <a:bodyPr/>
           <a:lstStyle/>
           <a:p>
-            <a:fld id="{B677B049-81B3-8345-B0F3-B6AA5B0D9F95}" type="datetimeFigureOut">
+            <a:fld id="{F55A75D8-BF6C-4945-8A70-10C670990100}" type="datetime1">
               <a:rPr lang="en-US" smtClean="0"/>
-              <a:t>9/15/18</a:t>
+              <a:t>9/16/18</a:t>
             </a:fld>
             <a:endParaRPr lang="en-US"/>
           </a:p>
@@ -6559,7 +7075,10 @@
           <a:bodyPr/>
           <a:lstStyle/>
           <a:p>
-            <a:endParaRPr lang="en-US"/>
+            <a:r>
+              <a:rPr lang="en-US"/>
+              <a:t>@julielerman</a:t>
+            </a:r>
           </a:p>
         </p:txBody>
       </p:sp>
@@ -6602,3669 +7121,10 @@
   <p:clrMapOvr>
     <a:masterClrMapping/>
   </p:clrMapOvr>
-  <p:hf hdr="0" ftr="0" dt="0"/>
-</p:sldLayout>
-</file>
-
-<file path=ppt/slideLayouts/slideLayout2.xml><?xml version="1.0" encoding="utf-8"?>
-<p:sldLayout xmlns:a="http://schemas.openxmlformats.org/drawingml/2006/main" xmlns:r="http://schemas.openxmlformats.org/officeDocument/2006/relationships" xmlns:p="http://schemas.openxmlformats.org/presentationml/2006/main" type="tx" preserve="1">
-  <p:cSld name="Title and Text">
-    <p:spTree>
-      <p:nvGrpSpPr>
-        <p:cNvPr id="1" name=""/>
-        <p:cNvGrpSpPr/>
-        <p:nvPr/>
-      </p:nvGrpSpPr>
-      <p:grpSpPr>
-        <a:xfrm>
-          <a:off x="0" y="0"/>
-          <a:ext cx="0" cy="0"/>
-          <a:chOff x="0" y="0"/>
-          <a:chExt cx="0" cy="0"/>
-        </a:xfrm>
-      </p:grpSpPr>
-      <p:sp>
-        <p:nvSpPr>
-          <p:cNvPr id="2" name="Title 1"/>
-          <p:cNvSpPr>
-            <a:spLocks noGrp="1"/>
-          </p:cNvSpPr>
-          <p:nvPr>
-            <p:ph type="title"/>
-          </p:nvPr>
-        </p:nvSpPr>
-        <p:spPr>
-          <a:noFill/>
-        </p:spPr>
-        <p:txBody>
-          <a:bodyPr rtlCol="0"/>
-          <a:lstStyle>
-            <a:lvl1pPr marL="0" indent="0" algn="ctr" defTabSz="-13873163" rtl="0" eaLnBrk="1" fontAlgn="base" hangingPunct="1">
-              <a:spcBef>
-                <a:spcPct val="0"/>
-              </a:spcBef>
-              <a:spcAft>
-                <a:spcPct val="0"/>
-              </a:spcAft>
-              <a:defRPr lang="en-US" sz="2900" b="1" dirty="0">
-                <a:solidFill>
-                  <a:schemeClr val="tx2"/>
-                </a:solidFill>
-                <a:latin typeface="Calibri"/>
-                <a:ea typeface="+mj-ea"/>
-                <a:cs typeface="Segoe UI" pitchFamily="34" charset="0"/>
-              </a:defRPr>
-            </a:lvl1pPr>
-          </a:lstStyle>
-          <a:p>
-            <a:r>
-              <a:rPr lang="en-US"/>
-              <a:t>Click to edit Master title style</a:t>
-            </a:r>
-            <a:endParaRPr lang="en-US" dirty="0"/>
-          </a:p>
-        </p:txBody>
-      </p:sp>
-      <p:sp>
-        <p:nvSpPr>
-          <p:cNvPr id="3" name="Text Placeholder 2"/>
-          <p:cNvSpPr>
-            <a:spLocks noGrp="1"/>
-          </p:cNvSpPr>
-          <p:nvPr>
-            <p:ph type="body" idx="1"/>
-          </p:nvPr>
-        </p:nvSpPr>
-        <p:spPr>
-          <a:xfrm>
-            <a:off x="457200" y="1028700"/>
-            <a:ext cx="8229600" cy="3200400"/>
-          </a:xfrm>
-        </p:spPr>
-        <p:txBody>
-          <a:bodyPr rtlCol="0"/>
-          <a:lstStyle>
-            <a:lvl1pPr>
-              <a:buClrTx/>
-              <a:buFont typeface="Wingdings" pitchFamily="2" charset="2"/>
-              <a:buChar char="§"/>
-              <a:defRPr sz="2100" b="1">
-                <a:latin typeface="Calibri" pitchFamily="34" charset="0"/>
-              </a:defRPr>
-            </a:lvl1pPr>
-            <a:lvl2pPr>
-              <a:buClrTx/>
-              <a:buFont typeface="Wingdings" pitchFamily="2" charset="2"/>
-              <a:buChar char="o"/>
-              <a:defRPr sz="1900" b="0">
-                <a:latin typeface="Calibri Light" pitchFamily="34" charset="0"/>
-              </a:defRPr>
-            </a:lvl2pPr>
-            <a:lvl3pPr>
-              <a:buClrTx/>
-              <a:buFont typeface="Wingdings" pitchFamily="2" charset="2"/>
-              <a:buChar char="o"/>
-              <a:defRPr sz="1700" b="0">
-                <a:latin typeface="Calibri Light" pitchFamily="34" charset="0"/>
-              </a:defRPr>
-            </a:lvl3pPr>
-            <a:lvl4pPr>
-              <a:buClrTx/>
-              <a:buFont typeface="Wingdings" pitchFamily="2" charset="2"/>
-              <a:buChar char="o"/>
-              <a:defRPr sz="1500" b="0">
-                <a:latin typeface="Calibri Light" pitchFamily="34" charset="0"/>
-              </a:defRPr>
-            </a:lvl4pPr>
-            <a:lvl5pPr>
-              <a:buClrTx/>
-              <a:buFont typeface="Wingdings" pitchFamily="2" charset="2"/>
-              <a:buChar char="o"/>
-              <a:defRPr sz="1300" b="0">
-                <a:latin typeface="Calibri Light" pitchFamily="34" charset="0"/>
-              </a:defRPr>
-            </a:lvl5pPr>
-          </a:lstStyle>
-          <a:p>
-            <a:pPr lvl="0"/>
-            <a:r>
-              <a:rPr lang="en-US"/>
-              <a:t>Click to edit Master text styles</a:t>
-            </a:r>
-          </a:p>
-          <a:p>
-            <a:pPr lvl="1"/>
-            <a:r>
-              <a:rPr lang="en-US"/>
-              <a:t>Second level</a:t>
-            </a:r>
-          </a:p>
-          <a:p>
-            <a:pPr lvl="2"/>
-            <a:r>
-              <a:rPr lang="en-US"/>
-              <a:t>Third level</a:t>
-            </a:r>
-          </a:p>
-          <a:p>
-            <a:pPr lvl="3"/>
-            <a:r>
-              <a:rPr lang="en-US"/>
-              <a:t>Fourth level</a:t>
-            </a:r>
-          </a:p>
-          <a:p>
-            <a:pPr lvl="4"/>
-            <a:r>
-              <a:rPr lang="en-US"/>
-              <a:t>Fifth level</a:t>
-            </a:r>
-            <a:endParaRPr lang="en-US" dirty="0"/>
-          </a:p>
-        </p:txBody>
-      </p:sp>
-      <p:pic>
-        <p:nvPicPr>
-          <p:cNvPr id="6" name="Picture 5" descr="DEV F2014_hybrid.eps"/>
-          <p:cNvPicPr>
-            <a:picLocks noChangeAspect="1"/>
-          </p:cNvPicPr>
-          <p:nvPr/>
-        </p:nvPicPr>
-        <p:blipFill>
-          <a:blip r:embed="rId2">
-            <a:extLst>
-              <a:ext uri="{28A0092B-C50C-407E-A947-70E740481C1C}">
-                <a14:useLocalDpi xmlns:a14="http://schemas.microsoft.com/office/drawing/2010/main" val="0"/>
-              </a:ext>
-            </a:extLst>
-          </a:blip>
-          <a:stretch>
-            <a:fillRect/>
-          </a:stretch>
-        </p:blipFill>
-        <p:spPr>
-          <a:xfrm>
-            <a:off x="609600" y="4740727"/>
-            <a:ext cx="990600" cy="334851"/>
-          </a:xfrm>
-          <a:prstGeom prst="rect">
-            <a:avLst/>
-          </a:prstGeom>
-        </p:spPr>
-      </p:pic>
-      <p:sp>
-        <p:nvSpPr>
-          <p:cNvPr id="7" name="TextBox 6"/>
-          <p:cNvSpPr txBox="1"/>
-          <p:nvPr/>
-        </p:nvSpPr>
-        <p:spPr bwMode="auto">
-          <a:xfrm>
-            <a:off x="6477000" y="4774168"/>
-            <a:ext cx="2667000" cy="369332"/>
-          </a:xfrm>
-          <a:prstGeom prst="rect">
-            <a:avLst/>
-          </a:prstGeom>
-          <a:noFill/>
-          <a:ln w="9525">
-            <a:noFill/>
-            <a:miter lim="800000"/>
-            <a:headEnd/>
-            <a:tailEnd/>
-          </a:ln>
-        </p:spPr>
-        <p:txBody>
-          <a:bodyPr wrap="square" rtlCol="0">
-            <a:spAutoFit/>
-          </a:bodyPr>
-          <a:lstStyle/>
-          <a:p>
-            <a:pPr algn="r"/>
-            <a:r>
-              <a:rPr lang="en-US" sz="900" b="0" u="none" dirty="0">
-                <a:solidFill>
-                  <a:srgbClr val="000000"/>
-                </a:solidFill>
-                <a:latin typeface="Calibri"/>
-                <a:cs typeface="Mangal" pitchFamily="18" charset="0"/>
-              </a:rPr>
-              <a:t>© </a:t>
-            </a:r>
-            <a:r>
-              <a:rPr lang="en-US" sz="900" b="0" u="none" dirty="0" err="1">
-                <a:solidFill>
-                  <a:srgbClr val="000000"/>
-                </a:solidFill>
-                <a:latin typeface="Calibri"/>
-                <a:cs typeface="Mangal" pitchFamily="18" charset="0"/>
-              </a:rPr>
-              <a:t>DEVintersection</a:t>
-            </a:r>
-            <a:r>
-              <a:rPr lang="en-US" sz="900" b="0" u="none" dirty="0">
-                <a:solidFill>
-                  <a:srgbClr val="000000"/>
-                </a:solidFill>
-                <a:latin typeface="Calibri"/>
-                <a:cs typeface="Mangal" pitchFamily="18" charset="0"/>
-              </a:rPr>
-              <a:t> 2017. All rights reserved.</a:t>
-            </a:r>
-          </a:p>
-          <a:p>
-            <a:pPr algn="r"/>
-            <a:r>
-              <a:rPr lang="en-US" sz="900" b="0" u="none">
-                <a:solidFill>
-                  <a:srgbClr val="000000"/>
-                </a:solidFill>
-                <a:latin typeface="Calibri"/>
-                <a:cs typeface="Mangal" pitchFamily="18" charset="0"/>
-              </a:rPr>
-              <a:t>https://</a:t>
-            </a:r>
-            <a:r>
-              <a:rPr lang="en-US" sz="900" b="0" u="none" dirty="0" err="1">
-                <a:solidFill>
-                  <a:srgbClr val="000000"/>
-                </a:solidFill>
-                <a:latin typeface="Calibri"/>
-                <a:cs typeface="Mangal" pitchFamily="18" charset="0"/>
-              </a:rPr>
-              <a:t>www.DEVintersection.com</a:t>
-            </a:r>
-            <a:r>
-              <a:rPr lang="en-US" sz="900" b="0" u="none" dirty="0">
-                <a:solidFill>
-                  <a:srgbClr val="000000"/>
-                </a:solidFill>
-                <a:latin typeface="Calibri"/>
-                <a:cs typeface="Mangal" pitchFamily="18" charset="0"/>
-              </a:rPr>
-              <a:t> </a:t>
-            </a:r>
-          </a:p>
-        </p:txBody>
-      </p:sp>
-    </p:spTree>
-    <p:extLst/>
-  </p:cSld>
-  <p:clrMapOvr>
-    <a:masterClrMapping/>
-  </p:clrMapOvr>
-  <p:transition>
-    <p:fade/>
-  </p:transition>
-  <p:hf sldNum="0" hdr="0" ftr="0" dt="0"/>
-</p:sldLayout>
-</file>
-
-<file path=ppt/slideLayouts/slideLayout20.xml><?xml version="1.0" encoding="utf-8"?>
-<p:sldLayout xmlns:a="http://schemas.openxmlformats.org/drawingml/2006/main" xmlns:r="http://schemas.openxmlformats.org/officeDocument/2006/relationships" xmlns:p="http://schemas.openxmlformats.org/presentationml/2006/main" type="vertTx" preserve="1">
-  <p:cSld name="Title and Vertical Text">
-    <p:spTree>
-      <p:nvGrpSpPr>
-        <p:cNvPr id="1" name=""/>
-        <p:cNvGrpSpPr/>
-        <p:nvPr/>
-      </p:nvGrpSpPr>
-      <p:grpSpPr>
-        <a:xfrm>
-          <a:off x="0" y="0"/>
-          <a:ext cx="0" cy="0"/>
-          <a:chOff x="0" y="0"/>
-          <a:chExt cx="0" cy="0"/>
-        </a:xfrm>
-      </p:grpSpPr>
-      <p:sp>
-        <p:nvSpPr>
-          <p:cNvPr id="2" name="Title 1">
-            <a:extLst>
-              <a:ext uri="{FF2B5EF4-FFF2-40B4-BE49-F238E27FC236}">
-                <a16:creationId xmlns:a16="http://schemas.microsoft.com/office/drawing/2014/main" id="{8953A7D5-EF46-CA47-844C-792B42BF22D4}"/>
-              </a:ext>
-            </a:extLst>
-          </p:cNvPr>
-          <p:cNvSpPr>
-            <a:spLocks noGrp="1"/>
-          </p:cNvSpPr>
-          <p:nvPr>
-            <p:ph type="title"/>
-          </p:nvPr>
-        </p:nvSpPr>
-        <p:spPr/>
-        <p:txBody>
-          <a:bodyPr/>
-          <a:lstStyle/>
-          <a:p>
-            <a:r>
-              <a:rPr lang="en-US"/>
-              <a:t>Click to edit Master title style</a:t>
-            </a:r>
-          </a:p>
-        </p:txBody>
-      </p:sp>
-      <p:sp>
-        <p:nvSpPr>
-          <p:cNvPr id="3" name="Vertical Text Placeholder 2">
-            <a:extLst>
-              <a:ext uri="{FF2B5EF4-FFF2-40B4-BE49-F238E27FC236}">
-                <a16:creationId xmlns:a16="http://schemas.microsoft.com/office/drawing/2014/main" id="{359E3A9A-CA88-674D-8501-3B3674014ECD}"/>
-              </a:ext>
-            </a:extLst>
-          </p:cNvPr>
-          <p:cNvSpPr>
-            <a:spLocks noGrp="1"/>
-          </p:cNvSpPr>
-          <p:nvPr>
-            <p:ph type="body" orient="vert" idx="1"/>
-          </p:nvPr>
-        </p:nvSpPr>
-        <p:spPr/>
-        <p:txBody>
-          <a:bodyPr vert="eaVert"/>
-          <a:lstStyle/>
-          <a:p>
-            <a:pPr lvl="0"/>
-            <a:r>
-              <a:rPr lang="en-US"/>
-              <a:t>Edit Master text styles</a:t>
-            </a:r>
-          </a:p>
-          <a:p>
-            <a:pPr lvl="1"/>
-            <a:r>
-              <a:rPr lang="en-US"/>
-              <a:t>Second level</a:t>
-            </a:r>
-          </a:p>
-          <a:p>
-            <a:pPr lvl="2"/>
-            <a:r>
-              <a:rPr lang="en-US"/>
-              <a:t>Third level</a:t>
-            </a:r>
-          </a:p>
-          <a:p>
-            <a:pPr lvl="3"/>
-            <a:r>
-              <a:rPr lang="en-US"/>
-              <a:t>Fourth level</a:t>
-            </a:r>
-          </a:p>
-          <a:p>
-            <a:pPr lvl="4"/>
-            <a:r>
-              <a:rPr lang="en-US"/>
-              <a:t>Fifth level</a:t>
-            </a:r>
-          </a:p>
-        </p:txBody>
-      </p:sp>
-      <p:sp>
-        <p:nvSpPr>
-          <p:cNvPr id="4" name="Date Placeholder 3">
-            <a:extLst>
-              <a:ext uri="{FF2B5EF4-FFF2-40B4-BE49-F238E27FC236}">
-                <a16:creationId xmlns:a16="http://schemas.microsoft.com/office/drawing/2014/main" id="{3D045E7A-4D88-AB4D-9038-566F2D2C3FF5}"/>
-              </a:ext>
-            </a:extLst>
-          </p:cNvPr>
-          <p:cNvSpPr>
-            <a:spLocks noGrp="1"/>
-          </p:cNvSpPr>
-          <p:nvPr>
-            <p:ph type="dt" sz="half" idx="10"/>
-          </p:nvPr>
-        </p:nvSpPr>
-        <p:spPr/>
-        <p:txBody>
-          <a:bodyPr/>
-          <a:lstStyle/>
-          <a:p>
-            <a:fld id="{B677B049-81B3-8345-B0F3-B6AA5B0D9F95}" type="datetimeFigureOut">
-              <a:rPr lang="en-US" smtClean="0"/>
-              <a:t>9/15/18</a:t>
-            </a:fld>
-            <a:endParaRPr lang="en-US"/>
-          </a:p>
-        </p:txBody>
-      </p:sp>
-      <p:sp>
-        <p:nvSpPr>
-          <p:cNvPr id="5" name="Footer Placeholder 4">
-            <a:extLst>
-              <a:ext uri="{FF2B5EF4-FFF2-40B4-BE49-F238E27FC236}">
-                <a16:creationId xmlns:a16="http://schemas.microsoft.com/office/drawing/2014/main" id="{619B4CCE-E1AD-7644-950B-0259F010935A}"/>
-              </a:ext>
-            </a:extLst>
-          </p:cNvPr>
-          <p:cNvSpPr>
-            <a:spLocks noGrp="1"/>
-          </p:cNvSpPr>
-          <p:nvPr>
-            <p:ph type="ftr" sz="quarter" idx="11"/>
-          </p:nvPr>
-        </p:nvSpPr>
-        <p:spPr/>
-        <p:txBody>
-          <a:bodyPr/>
-          <a:lstStyle/>
-          <a:p>
-            <a:endParaRPr lang="en-US"/>
-          </a:p>
-        </p:txBody>
-      </p:sp>
-      <p:sp>
-        <p:nvSpPr>
-          <p:cNvPr id="6" name="Slide Number Placeholder 5">
-            <a:extLst>
-              <a:ext uri="{FF2B5EF4-FFF2-40B4-BE49-F238E27FC236}">
-                <a16:creationId xmlns:a16="http://schemas.microsoft.com/office/drawing/2014/main" id="{FD52DEF8-D411-9641-BBB7-B39A25E4C0D6}"/>
-              </a:ext>
-            </a:extLst>
-          </p:cNvPr>
-          <p:cNvSpPr>
-            <a:spLocks noGrp="1"/>
-          </p:cNvSpPr>
-          <p:nvPr>
-            <p:ph type="sldNum" sz="quarter" idx="12"/>
-          </p:nvPr>
-        </p:nvSpPr>
-        <p:spPr/>
-        <p:txBody>
-          <a:bodyPr/>
-          <a:lstStyle/>
-          <a:p>
-            <a:fld id="{C974B151-4683-DF4D-9DBD-22235BEE5E71}" type="slidenum">
-              <a:rPr lang="en-US" smtClean="0"/>
-              <a:t>‹#›</a:t>
-            </a:fld>
-            <a:endParaRPr lang="en-US"/>
-          </a:p>
-        </p:txBody>
-      </p:sp>
-    </p:spTree>
-    <p:extLst>
-      <p:ext uri="{BB962C8B-B14F-4D97-AF65-F5344CB8AC3E}">
-        <p14:creationId xmlns:p14="http://schemas.microsoft.com/office/powerpoint/2010/main" val="278636646"/>
-      </p:ext>
-    </p:extLst>
-  </p:cSld>
-  <p:clrMapOvr>
-    <a:masterClrMapping/>
-  </p:clrMapOvr>
-  <p:hf hdr="0" ftr="0" dt="0"/>
-</p:sldLayout>
-</file>
-
-<file path=ppt/slideLayouts/slideLayout21.xml><?xml version="1.0" encoding="utf-8"?>
-<p:sldLayout xmlns:a="http://schemas.openxmlformats.org/drawingml/2006/main" xmlns:r="http://schemas.openxmlformats.org/officeDocument/2006/relationships" xmlns:p="http://schemas.openxmlformats.org/presentationml/2006/main" type="vertTitleAndTx" preserve="1">
-  <p:cSld name="Vertical Title and Text">
-    <p:spTree>
-      <p:nvGrpSpPr>
-        <p:cNvPr id="1" name=""/>
-        <p:cNvGrpSpPr/>
-        <p:nvPr/>
-      </p:nvGrpSpPr>
-      <p:grpSpPr>
-        <a:xfrm>
-          <a:off x="0" y="0"/>
-          <a:ext cx="0" cy="0"/>
-          <a:chOff x="0" y="0"/>
-          <a:chExt cx="0" cy="0"/>
-        </a:xfrm>
-      </p:grpSpPr>
-      <p:sp>
-        <p:nvSpPr>
-          <p:cNvPr id="2" name="Vertical Title 1">
-            <a:extLst>
-              <a:ext uri="{FF2B5EF4-FFF2-40B4-BE49-F238E27FC236}">
-                <a16:creationId xmlns:a16="http://schemas.microsoft.com/office/drawing/2014/main" id="{23670E80-70DC-4345-B474-42FE03CB1C6D}"/>
-              </a:ext>
-            </a:extLst>
-          </p:cNvPr>
-          <p:cNvSpPr>
-            <a:spLocks noGrp="1"/>
-          </p:cNvSpPr>
-          <p:nvPr>
-            <p:ph type="title" orient="vert"/>
-          </p:nvPr>
-        </p:nvSpPr>
-        <p:spPr>
-          <a:xfrm>
-            <a:off x="6543675" y="273844"/>
-            <a:ext cx="1971675" cy="4358879"/>
-          </a:xfrm>
-        </p:spPr>
-        <p:txBody>
-          <a:bodyPr vert="eaVert"/>
-          <a:lstStyle/>
-          <a:p>
-            <a:r>
-              <a:rPr lang="en-US"/>
-              <a:t>Click to edit Master title style</a:t>
-            </a:r>
-          </a:p>
-        </p:txBody>
-      </p:sp>
-      <p:sp>
-        <p:nvSpPr>
-          <p:cNvPr id="3" name="Vertical Text Placeholder 2">
-            <a:extLst>
-              <a:ext uri="{FF2B5EF4-FFF2-40B4-BE49-F238E27FC236}">
-                <a16:creationId xmlns:a16="http://schemas.microsoft.com/office/drawing/2014/main" id="{345FF735-7D6C-7C47-BACC-EA35A5033103}"/>
-              </a:ext>
-            </a:extLst>
-          </p:cNvPr>
-          <p:cNvSpPr>
-            <a:spLocks noGrp="1"/>
-          </p:cNvSpPr>
-          <p:nvPr>
-            <p:ph type="body" orient="vert" idx="1"/>
-          </p:nvPr>
-        </p:nvSpPr>
-        <p:spPr>
-          <a:xfrm>
-            <a:off x="628650" y="273844"/>
-            <a:ext cx="5800725" cy="4358879"/>
-          </a:xfrm>
-        </p:spPr>
-        <p:txBody>
-          <a:bodyPr vert="eaVert"/>
-          <a:lstStyle/>
-          <a:p>
-            <a:pPr lvl="0"/>
-            <a:r>
-              <a:rPr lang="en-US"/>
-              <a:t>Edit Master text styles</a:t>
-            </a:r>
-          </a:p>
-          <a:p>
-            <a:pPr lvl="1"/>
-            <a:r>
-              <a:rPr lang="en-US"/>
-              <a:t>Second level</a:t>
-            </a:r>
-          </a:p>
-          <a:p>
-            <a:pPr lvl="2"/>
-            <a:r>
-              <a:rPr lang="en-US"/>
-              <a:t>Third level</a:t>
-            </a:r>
-          </a:p>
-          <a:p>
-            <a:pPr lvl="3"/>
-            <a:r>
-              <a:rPr lang="en-US"/>
-              <a:t>Fourth level</a:t>
-            </a:r>
-          </a:p>
-          <a:p>
-            <a:pPr lvl="4"/>
-            <a:r>
-              <a:rPr lang="en-US"/>
-              <a:t>Fifth level</a:t>
-            </a:r>
-          </a:p>
-        </p:txBody>
-      </p:sp>
-      <p:sp>
-        <p:nvSpPr>
-          <p:cNvPr id="4" name="Date Placeholder 3">
-            <a:extLst>
-              <a:ext uri="{FF2B5EF4-FFF2-40B4-BE49-F238E27FC236}">
-                <a16:creationId xmlns:a16="http://schemas.microsoft.com/office/drawing/2014/main" id="{A978E119-2AC6-764F-A1C0-F592FA99844B}"/>
-              </a:ext>
-            </a:extLst>
-          </p:cNvPr>
-          <p:cNvSpPr>
-            <a:spLocks noGrp="1"/>
-          </p:cNvSpPr>
-          <p:nvPr>
-            <p:ph type="dt" sz="half" idx="10"/>
-          </p:nvPr>
-        </p:nvSpPr>
-        <p:spPr/>
-        <p:txBody>
-          <a:bodyPr/>
-          <a:lstStyle/>
-          <a:p>
-            <a:fld id="{B677B049-81B3-8345-B0F3-B6AA5B0D9F95}" type="datetimeFigureOut">
-              <a:rPr lang="en-US" smtClean="0"/>
-              <a:t>9/15/18</a:t>
-            </a:fld>
-            <a:endParaRPr lang="en-US"/>
-          </a:p>
-        </p:txBody>
-      </p:sp>
-      <p:sp>
-        <p:nvSpPr>
-          <p:cNvPr id="5" name="Footer Placeholder 4">
-            <a:extLst>
-              <a:ext uri="{FF2B5EF4-FFF2-40B4-BE49-F238E27FC236}">
-                <a16:creationId xmlns:a16="http://schemas.microsoft.com/office/drawing/2014/main" id="{F09A14B4-30D4-2D44-8737-505981228C71}"/>
-              </a:ext>
-            </a:extLst>
-          </p:cNvPr>
-          <p:cNvSpPr>
-            <a:spLocks noGrp="1"/>
-          </p:cNvSpPr>
-          <p:nvPr>
-            <p:ph type="ftr" sz="quarter" idx="11"/>
-          </p:nvPr>
-        </p:nvSpPr>
-        <p:spPr/>
-        <p:txBody>
-          <a:bodyPr/>
-          <a:lstStyle/>
-          <a:p>
-            <a:endParaRPr lang="en-US"/>
-          </a:p>
-        </p:txBody>
-      </p:sp>
-      <p:sp>
-        <p:nvSpPr>
-          <p:cNvPr id="6" name="Slide Number Placeholder 5">
-            <a:extLst>
-              <a:ext uri="{FF2B5EF4-FFF2-40B4-BE49-F238E27FC236}">
-                <a16:creationId xmlns:a16="http://schemas.microsoft.com/office/drawing/2014/main" id="{31A90FFE-0CEA-C74C-920A-8CC42FED77F3}"/>
-              </a:ext>
-            </a:extLst>
-          </p:cNvPr>
-          <p:cNvSpPr>
-            <a:spLocks noGrp="1"/>
-          </p:cNvSpPr>
-          <p:nvPr>
-            <p:ph type="sldNum" sz="quarter" idx="12"/>
-          </p:nvPr>
-        </p:nvSpPr>
-        <p:spPr/>
-        <p:txBody>
-          <a:bodyPr/>
-          <a:lstStyle/>
-          <a:p>
-            <a:fld id="{C974B151-4683-DF4D-9DBD-22235BEE5E71}" type="slidenum">
-              <a:rPr lang="en-US" smtClean="0"/>
-              <a:t>‹#›</a:t>
-            </a:fld>
-            <a:endParaRPr lang="en-US"/>
-          </a:p>
-        </p:txBody>
-      </p:sp>
-    </p:spTree>
-    <p:extLst>
-      <p:ext uri="{BB962C8B-B14F-4D97-AF65-F5344CB8AC3E}">
-        <p14:creationId xmlns:p14="http://schemas.microsoft.com/office/powerpoint/2010/main" val="3044657321"/>
-      </p:ext>
-    </p:extLst>
-  </p:cSld>
-  <p:clrMapOvr>
-    <a:masterClrMapping/>
-  </p:clrMapOvr>
-  <p:hf hdr="0" ftr="0" dt="0"/>
-</p:sldLayout>
-</file>
-
-<file path=ppt/slideLayouts/slideLayout22.xml><?xml version="1.0" encoding="utf-8"?>
-<p:sldLayout xmlns:a="http://schemas.openxmlformats.org/drawingml/2006/main" xmlns:r="http://schemas.openxmlformats.org/officeDocument/2006/relationships" xmlns:p="http://schemas.openxmlformats.org/presentationml/2006/main" type="tx">
-  <p:cSld name="Title and Text">
-    <p:spTree>
-      <p:nvGrpSpPr>
-        <p:cNvPr id="1" name=""/>
-        <p:cNvGrpSpPr/>
-        <p:nvPr/>
-      </p:nvGrpSpPr>
-      <p:grpSpPr>
-        <a:xfrm>
-          <a:off x="0" y="0"/>
-          <a:ext cx="0" cy="0"/>
-          <a:chOff x="0" y="0"/>
-          <a:chExt cx="0" cy="0"/>
-        </a:xfrm>
-      </p:grpSpPr>
-      <p:sp>
-        <p:nvSpPr>
-          <p:cNvPr id="2" name="Title 1"/>
-          <p:cNvSpPr>
-            <a:spLocks noGrp="1"/>
-          </p:cNvSpPr>
-          <p:nvPr>
-            <p:ph type="title"/>
-          </p:nvPr>
-        </p:nvSpPr>
-        <p:spPr>
-          <a:noFill/>
-        </p:spPr>
-        <p:txBody>
-          <a:bodyPr rtlCol="0"/>
-          <a:lstStyle>
-            <a:lvl1pPr marL="0" indent="0" algn="ctr" defTabSz="-13873163" rtl="0" eaLnBrk="1" fontAlgn="base" hangingPunct="1">
-              <a:spcBef>
-                <a:spcPct val="0"/>
-              </a:spcBef>
-              <a:spcAft>
-                <a:spcPct val="0"/>
-              </a:spcAft>
-              <a:defRPr lang="en-US" sz="2900" b="1" dirty="0">
-                <a:solidFill>
-                  <a:schemeClr val="tx2"/>
-                </a:solidFill>
-                <a:latin typeface="Calibri"/>
-                <a:ea typeface="+mj-ea"/>
-                <a:cs typeface="Segoe UI" pitchFamily="34" charset="0"/>
-              </a:defRPr>
-            </a:lvl1pPr>
-          </a:lstStyle>
-          <a:p>
-            <a:r>
-              <a:rPr lang="en-US"/>
-              <a:t>Click to edit Master title style</a:t>
-            </a:r>
-            <a:endParaRPr lang="en-US" dirty="0"/>
-          </a:p>
-        </p:txBody>
-      </p:sp>
-      <p:sp>
-        <p:nvSpPr>
-          <p:cNvPr id="3" name="Text Placeholder 2"/>
-          <p:cNvSpPr>
-            <a:spLocks noGrp="1"/>
-          </p:cNvSpPr>
-          <p:nvPr>
-            <p:ph type="body" idx="1"/>
-          </p:nvPr>
-        </p:nvSpPr>
-        <p:spPr>
-          <a:xfrm>
-            <a:off x="457200" y="1028700"/>
-            <a:ext cx="8229600" cy="3200400"/>
-          </a:xfrm>
-        </p:spPr>
-        <p:txBody>
-          <a:bodyPr rtlCol="0"/>
-          <a:lstStyle>
-            <a:lvl1pPr>
-              <a:buClrTx/>
-              <a:buFont typeface="Wingdings" pitchFamily="2" charset="2"/>
-              <a:buChar char="§"/>
-              <a:defRPr sz="2100" b="1">
-                <a:latin typeface="Calibri" pitchFamily="34" charset="0"/>
-              </a:defRPr>
-            </a:lvl1pPr>
-            <a:lvl2pPr>
-              <a:buClrTx/>
-              <a:buFont typeface="Wingdings" pitchFamily="2" charset="2"/>
-              <a:buChar char="o"/>
-              <a:defRPr sz="1900" b="0">
-                <a:latin typeface="Calibri Light" pitchFamily="34" charset="0"/>
-              </a:defRPr>
-            </a:lvl2pPr>
-            <a:lvl3pPr>
-              <a:buClrTx/>
-              <a:buFont typeface="Wingdings" pitchFamily="2" charset="2"/>
-              <a:buChar char="o"/>
-              <a:defRPr sz="1700" b="0">
-                <a:latin typeface="Calibri Light" pitchFamily="34" charset="0"/>
-              </a:defRPr>
-            </a:lvl3pPr>
-            <a:lvl4pPr>
-              <a:buClrTx/>
-              <a:buFont typeface="Wingdings" pitchFamily="2" charset="2"/>
-              <a:buChar char="o"/>
-              <a:defRPr sz="1500" b="0">
-                <a:latin typeface="Calibri Light" pitchFamily="34" charset="0"/>
-              </a:defRPr>
-            </a:lvl4pPr>
-            <a:lvl5pPr>
-              <a:buClrTx/>
-              <a:buFont typeface="Wingdings" pitchFamily="2" charset="2"/>
-              <a:buChar char="o"/>
-              <a:defRPr sz="1300" b="0">
-                <a:latin typeface="Calibri Light" pitchFamily="34" charset="0"/>
-              </a:defRPr>
-            </a:lvl5pPr>
-          </a:lstStyle>
-          <a:p>
-            <a:pPr lvl="0"/>
-            <a:r>
-              <a:rPr lang="en-US"/>
-              <a:t>Click to edit Master text styles</a:t>
-            </a:r>
-          </a:p>
-          <a:p>
-            <a:pPr lvl="1"/>
-            <a:r>
-              <a:rPr lang="en-US"/>
-              <a:t>Second level</a:t>
-            </a:r>
-          </a:p>
-          <a:p>
-            <a:pPr lvl="2"/>
-            <a:r>
-              <a:rPr lang="en-US"/>
-              <a:t>Third level</a:t>
-            </a:r>
-          </a:p>
-          <a:p>
-            <a:pPr lvl="3"/>
-            <a:r>
-              <a:rPr lang="en-US"/>
-              <a:t>Fourth level</a:t>
-            </a:r>
-          </a:p>
-          <a:p>
-            <a:pPr lvl="4"/>
-            <a:r>
-              <a:rPr lang="en-US"/>
-              <a:t>Fifth level</a:t>
-            </a:r>
-            <a:endParaRPr lang="en-US" dirty="0"/>
-          </a:p>
-        </p:txBody>
-      </p:sp>
-    </p:spTree>
-    <p:extLst>
-      <p:ext uri="{BB962C8B-B14F-4D97-AF65-F5344CB8AC3E}">
-        <p14:creationId xmlns:p14="http://schemas.microsoft.com/office/powerpoint/2010/main" val="4078168883"/>
-      </p:ext>
-    </p:extLst>
-  </p:cSld>
-  <p:clrMapOvr>
-    <a:masterClrMapping/>
-  </p:clrMapOvr>
-  <p:transition>
-    <p:fade/>
-  </p:transition>
-  <p:hf sldNum="0" hdr="0" ftr="0" dt="0"/>
-</p:sldLayout>
-</file>
-
-<file path=ppt/slideLayouts/slideLayout23.xml><?xml version="1.0" encoding="utf-8"?>
-<p:sldLayout xmlns:a="http://schemas.openxmlformats.org/drawingml/2006/main" xmlns:r="http://schemas.openxmlformats.org/officeDocument/2006/relationships" xmlns:p="http://schemas.openxmlformats.org/presentationml/2006/main">
-  <p:cSld name="References">
-    <p:spTree>
-      <p:nvGrpSpPr>
-        <p:cNvPr id="1" name=""/>
-        <p:cNvGrpSpPr/>
-        <p:nvPr/>
-      </p:nvGrpSpPr>
-      <p:grpSpPr>
-        <a:xfrm>
-          <a:off x="0" y="0"/>
-          <a:ext cx="0" cy="0"/>
-          <a:chOff x="0" y="0"/>
-          <a:chExt cx="0" cy="0"/>
-        </a:xfrm>
-      </p:grpSpPr>
-      <p:sp>
-        <p:nvSpPr>
-          <p:cNvPr id="2" name="Title 1"/>
-          <p:cNvSpPr>
-            <a:spLocks noGrp="1"/>
-          </p:cNvSpPr>
-          <p:nvPr>
-            <p:ph type="title" hasCustomPrompt="1"/>
-          </p:nvPr>
-        </p:nvSpPr>
-        <p:spPr>
-          <a:noFill/>
-        </p:spPr>
-        <p:txBody>
-          <a:bodyPr rtlCol="0"/>
-          <a:lstStyle>
-            <a:lvl1pPr marL="0" indent="0" algn="ctr" defTabSz="-13873163" rtl="0" eaLnBrk="1" fontAlgn="base" hangingPunct="1">
-              <a:spcBef>
-                <a:spcPct val="0"/>
-              </a:spcBef>
-              <a:spcAft>
-                <a:spcPct val="0"/>
-              </a:spcAft>
-              <a:defRPr lang="en-US" sz="2900" b="1" dirty="0">
-                <a:solidFill>
-                  <a:schemeClr val="tx2"/>
-                </a:solidFill>
-                <a:latin typeface="+mj-lt"/>
-                <a:ea typeface="+mj-ea"/>
-                <a:cs typeface="Segoe UI" pitchFamily="34" charset="0"/>
-              </a:defRPr>
-            </a:lvl1pPr>
-          </a:lstStyle>
-          <a:p>
-            <a:r>
-              <a:rPr lang="en-US" dirty="0"/>
-              <a:t>References</a:t>
-            </a:r>
-          </a:p>
-        </p:txBody>
-      </p:sp>
-      <p:sp>
-        <p:nvSpPr>
-          <p:cNvPr id="8" name="Text Placeholder 2"/>
-          <p:cNvSpPr>
-            <a:spLocks noGrp="1"/>
-          </p:cNvSpPr>
-          <p:nvPr>
-            <p:ph type="body" idx="1"/>
-          </p:nvPr>
-        </p:nvSpPr>
-        <p:spPr>
-          <a:xfrm>
-            <a:off x="457200" y="1028700"/>
-            <a:ext cx="8229600" cy="3200400"/>
-          </a:xfrm>
-        </p:spPr>
-        <p:txBody>
-          <a:bodyPr rtlCol="0"/>
-          <a:lstStyle>
-            <a:lvl1pPr>
-              <a:buClrTx/>
-              <a:buFont typeface="Wingdings" pitchFamily="2" charset="2"/>
-              <a:buChar char="§"/>
-              <a:defRPr sz="2100" b="1">
-                <a:latin typeface="Calibri" pitchFamily="34" charset="0"/>
-              </a:defRPr>
-            </a:lvl1pPr>
-            <a:lvl2pPr>
-              <a:buClrTx/>
-              <a:buFont typeface="Wingdings" pitchFamily="2" charset="2"/>
-              <a:buChar char="o"/>
-              <a:defRPr sz="1900" b="0">
-                <a:latin typeface="Calibri Light" pitchFamily="34" charset="0"/>
-              </a:defRPr>
-            </a:lvl2pPr>
-            <a:lvl3pPr>
-              <a:buClrTx/>
-              <a:buFont typeface="Wingdings" pitchFamily="2" charset="2"/>
-              <a:buChar char="o"/>
-              <a:defRPr sz="1700" b="0">
-                <a:latin typeface="Calibri Light" pitchFamily="34" charset="0"/>
-              </a:defRPr>
-            </a:lvl3pPr>
-            <a:lvl4pPr>
-              <a:buClrTx/>
-              <a:buFont typeface="Wingdings" pitchFamily="2" charset="2"/>
-              <a:buChar char="o"/>
-              <a:defRPr sz="1500" b="0">
-                <a:latin typeface="Calibri Light" pitchFamily="34" charset="0"/>
-              </a:defRPr>
-            </a:lvl4pPr>
-            <a:lvl5pPr>
-              <a:buClrTx/>
-              <a:buFont typeface="Wingdings" pitchFamily="2" charset="2"/>
-              <a:buChar char="o"/>
-              <a:defRPr sz="1300" b="0">
-                <a:latin typeface="Calibri Light" pitchFamily="34" charset="0"/>
-              </a:defRPr>
-            </a:lvl5pPr>
-          </a:lstStyle>
-          <a:p>
-            <a:pPr lvl="0"/>
-            <a:r>
-              <a:rPr lang="en-US"/>
-              <a:t>Click to edit Master text styles</a:t>
-            </a:r>
-          </a:p>
-          <a:p>
-            <a:pPr lvl="1"/>
-            <a:r>
-              <a:rPr lang="en-US"/>
-              <a:t>Second level</a:t>
-            </a:r>
-          </a:p>
-          <a:p>
-            <a:pPr lvl="2"/>
-            <a:r>
-              <a:rPr lang="en-US"/>
-              <a:t>Third level</a:t>
-            </a:r>
-          </a:p>
-          <a:p>
-            <a:pPr lvl="3"/>
-            <a:r>
-              <a:rPr lang="en-US"/>
-              <a:t>Fourth level</a:t>
-            </a:r>
-          </a:p>
-          <a:p>
-            <a:pPr lvl="4"/>
-            <a:r>
-              <a:rPr lang="en-US"/>
-              <a:t>Fifth level</a:t>
-            </a:r>
-            <a:endParaRPr lang="en-US" dirty="0"/>
-          </a:p>
-        </p:txBody>
-      </p:sp>
-    </p:spTree>
-    <p:extLst>
-      <p:ext uri="{BB962C8B-B14F-4D97-AF65-F5344CB8AC3E}">
-        <p14:creationId xmlns:p14="http://schemas.microsoft.com/office/powerpoint/2010/main" val="4058225884"/>
-      </p:ext>
-    </p:extLst>
-  </p:cSld>
-  <p:clrMapOvr>
-    <a:masterClrMapping/>
-  </p:clrMapOvr>
-  <p:transition>
-    <p:fade/>
-  </p:transition>
-</p:sldLayout>
-</file>
-
-<file path=ppt/slideLayouts/slideLayout3.xml><?xml version="1.0" encoding="utf-8"?>
-<p:sldLayout xmlns:a="http://schemas.openxmlformats.org/drawingml/2006/main" xmlns:r="http://schemas.openxmlformats.org/officeDocument/2006/relationships" xmlns:p="http://schemas.openxmlformats.org/presentationml/2006/main" preserve="1">
-  <p:cSld name="References">
-    <p:spTree>
-      <p:nvGrpSpPr>
-        <p:cNvPr id="1" name=""/>
-        <p:cNvGrpSpPr/>
-        <p:nvPr/>
-      </p:nvGrpSpPr>
-      <p:grpSpPr>
-        <a:xfrm>
-          <a:off x="0" y="0"/>
-          <a:ext cx="0" cy="0"/>
-          <a:chOff x="0" y="0"/>
-          <a:chExt cx="0" cy="0"/>
-        </a:xfrm>
-      </p:grpSpPr>
-      <p:sp>
-        <p:nvSpPr>
-          <p:cNvPr id="2" name="Title 1"/>
-          <p:cNvSpPr>
-            <a:spLocks noGrp="1"/>
-          </p:cNvSpPr>
-          <p:nvPr>
-            <p:ph type="title" hasCustomPrompt="1"/>
-          </p:nvPr>
-        </p:nvSpPr>
-        <p:spPr>
-          <a:noFill/>
-        </p:spPr>
-        <p:txBody>
-          <a:bodyPr rtlCol="0"/>
-          <a:lstStyle>
-            <a:lvl1pPr marL="0" indent="0" algn="ctr" defTabSz="-13873163" rtl="0" eaLnBrk="1" fontAlgn="base" hangingPunct="1">
-              <a:spcBef>
-                <a:spcPct val="0"/>
-              </a:spcBef>
-              <a:spcAft>
-                <a:spcPct val="0"/>
-              </a:spcAft>
-              <a:defRPr lang="en-US" sz="2900" b="1" dirty="0">
-                <a:solidFill>
-                  <a:schemeClr val="tx2"/>
-                </a:solidFill>
-                <a:latin typeface="+mj-lt"/>
-                <a:ea typeface="+mj-ea"/>
-                <a:cs typeface="Segoe UI" pitchFamily="34" charset="0"/>
-              </a:defRPr>
-            </a:lvl1pPr>
-          </a:lstStyle>
-          <a:p>
-            <a:r>
-              <a:rPr lang="en-US" dirty="0"/>
-              <a:t>References</a:t>
-            </a:r>
-          </a:p>
-        </p:txBody>
-      </p:sp>
-      <p:sp>
-        <p:nvSpPr>
-          <p:cNvPr id="8" name="Text Placeholder 2"/>
-          <p:cNvSpPr>
-            <a:spLocks noGrp="1"/>
-          </p:cNvSpPr>
-          <p:nvPr>
-            <p:ph type="body" idx="1"/>
-          </p:nvPr>
-        </p:nvSpPr>
-        <p:spPr>
-          <a:xfrm>
-            <a:off x="457200" y="1028700"/>
-            <a:ext cx="8229600" cy="3200400"/>
-          </a:xfrm>
-        </p:spPr>
-        <p:txBody>
-          <a:bodyPr rtlCol="0"/>
-          <a:lstStyle>
-            <a:lvl1pPr>
-              <a:buClrTx/>
-              <a:buFont typeface="Wingdings" pitchFamily="2" charset="2"/>
-              <a:buChar char="§"/>
-              <a:defRPr sz="2100" b="1">
-                <a:latin typeface="Calibri" pitchFamily="34" charset="0"/>
-              </a:defRPr>
-            </a:lvl1pPr>
-            <a:lvl2pPr>
-              <a:buClrTx/>
-              <a:buFont typeface="Wingdings" pitchFamily="2" charset="2"/>
-              <a:buChar char="o"/>
-              <a:defRPr sz="1900" b="0">
-                <a:latin typeface="Calibri Light" pitchFamily="34" charset="0"/>
-              </a:defRPr>
-            </a:lvl2pPr>
-            <a:lvl3pPr>
-              <a:buClrTx/>
-              <a:buFont typeface="Wingdings" pitchFamily="2" charset="2"/>
-              <a:buChar char="o"/>
-              <a:defRPr sz="1700" b="0">
-                <a:latin typeface="Calibri Light" pitchFamily="34" charset="0"/>
-              </a:defRPr>
-            </a:lvl3pPr>
-            <a:lvl4pPr>
-              <a:buClrTx/>
-              <a:buFont typeface="Wingdings" pitchFamily="2" charset="2"/>
-              <a:buChar char="o"/>
-              <a:defRPr sz="1500" b="0">
-                <a:latin typeface="Calibri Light" pitchFamily="34" charset="0"/>
-              </a:defRPr>
-            </a:lvl4pPr>
-            <a:lvl5pPr>
-              <a:buClrTx/>
-              <a:buFont typeface="Wingdings" pitchFamily="2" charset="2"/>
-              <a:buChar char="o"/>
-              <a:defRPr sz="1300" b="0">
-                <a:latin typeface="Calibri Light" pitchFamily="34" charset="0"/>
-              </a:defRPr>
-            </a:lvl5pPr>
-          </a:lstStyle>
-          <a:p>
-            <a:pPr lvl="0"/>
-            <a:r>
-              <a:rPr lang="en-US"/>
-              <a:t>Click to edit Master text styles</a:t>
-            </a:r>
-          </a:p>
-          <a:p>
-            <a:pPr lvl="1"/>
-            <a:r>
-              <a:rPr lang="en-US"/>
-              <a:t>Second level</a:t>
-            </a:r>
-          </a:p>
-          <a:p>
-            <a:pPr lvl="2"/>
-            <a:r>
-              <a:rPr lang="en-US"/>
-              <a:t>Third level</a:t>
-            </a:r>
-          </a:p>
-          <a:p>
-            <a:pPr lvl="3"/>
-            <a:r>
-              <a:rPr lang="en-US"/>
-              <a:t>Fourth level</a:t>
-            </a:r>
-          </a:p>
-          <a:p>
-            <a:pPr lvl="4"/>
-            <a:r>
-              <a:rPr lang="en-US"/>
-              <a:t>Fifth level</a:t>
-            </a:r>
-            <a:endParaRPr lang="en-US" dirty="0"/>
-          </a:p>
-        </p:txBody>
-      </p:sp>
-      <p:pic>
-        <p:nvPicPr>
-          <p:cNvPr id="6" name="Picture 5" descr="DEV F2014_hybrid.eps"/>
-          <p:cNvPicPr>
-            <a:picLocks noChangeAspect="1"/>
-          </p:cNvPicPr>
-          <p:nvPr/>
-        </p:nvPicPr>
-        <p:blipFill>
-          <a:blip r:embed="rId2">
-            <a:extLst>
-              <a:ext uri="{28A0092B-C50C-407E-A947-70E740481C1C}">
-                <a14:useLocalDpi xmlns:a14="http://schemas.microsoft.com/office/drawing/2010/main" val="0"/>
-              </a:ext>
-            </a:extLst>
-          </a:blip>
-          <a:stretch>
-            <a:fillRect/>
-          </a:stretch>
-        </p:blipFill>
-        <p:spPr>
-          <a:xfrm>
-            <a:off x="609600" y="4740727"/>
-            <a:ext cx="990600" cy="334851"/>
-          </a:xfrm>
-          <a:prstGeom prst="rect">
-            <a:avLst/>
-          </a:prstGeom>
-        </p:spPr>
-      </p:pic>
-      <p:sp>
-        <p:nvSpPr>
-          <p:cNvPr id="9" name="TextBox 8"/>
-          <p:cNvSpPr txBox="1"/>
-          <p:nvPr/>
-        </p:nvSpPr>
-        <p:spPr bwMode="auto">
-          <a:xfrm>
-            <a:off x="6477000" y="4774168"/>
-            <a:ext cx="2667000" cy="369332"/>
-          </a:xfrm>
-          <a:prstGeom prst="rect">
-            <a:avLst/>
-          </a:prstGeom>
-          <a:noFill/>
-          <a:ln w="9525">
-            <a:noFill/>
-            <a:miter lim="800000"/>
-            <a:headEnd/>
-            <a:tailEnd/>
-          </a:ln>
-        </p:spPr>
-        <p:txBody>
-          <a:bodyPr wrap="square" rtlCol="0">
-            <a:spAutoFit/>
-          </a:bodyPr>
-          <a:lstStyle/>
-          <a:p>
-            <a:pPr algn="r"/>
-            <a:r>
-              <a:rPr lang="en-US" sz="900" b="0" u="none" dirty="0">
-                <a:solidFill>
-                  <a:srgbClr val="000000"/>
-                </a:solidFill>
-                <a:latin typeface="Calibri"/>
-                <a:cs typeface="Mangal" pitchFamily="18" charset="0"/>
-              </a:rPr>
-              <a:t>© </a:t>
-            </a:r>
-            <a:r>
-              <a:rPr lang="en-US" sz="900" b="0" u="none" dirty="0" err="1">
-                <a:solidFill>
-                  <a:srgbClr val="000000"/>
-                </a:solidFill>
-                <a:latin typeface="Calibri"/>
-                <a:cs typeface="Mangal" pitchFamily="18" charset="0"/>
-              </a:rPr>
-              <a:t>DEVintersection</a:t>
-            </a:r>
-            <a:r>
-              <a:rPr lang="en-US" sz="900" b="0" u="none" dirty="0">
-                <a:solidFill>
-                  <a:srgbClr val="000000"/>
-                </a:solidFill>
-                <a:latin typeface="Calibri"/>
-                <a:cs typeface="Mangal" pitchFamily="18" charset="0"/>
-              </a:rPr>
-              <a:t> 2017. All rights reserved.</a:t>
-            </a:r>
-          </a:p>
-          <a:p>
-            <a:pPr algn="r"/>
-            <a:r>
-              <a:rPr lang="en-US" sz="900" b="0" u="none">
-                <a:solidFill>
-                  <a:srgbClr val="000000"/>
-                </a:solidFill>
-                <a:latin typeface="Calibri"/>
-                <a:cs typeface="Mangal" pitchFamily="18" charset="0"/>
-              </a:rPr>
-              <a:t>https://</a:t>
-            </a:r>
-            <a:r>
-              <a:rPr lang="en-US" sz="900" b="0" u="none" dirty="0" err="1">
-                <a:solidFill>
-                  <a:srgbClr val="000000"/>
-                </a:solidFill>
-                <a:latin typeface="Calibri"/>
-                <a:cs typeface="Mangal" pitchFamily="18" charset="0"/>
-              </a:rPr>
-              <a:t>www.DEVintersection.com</a:t>
-            </a:r>
-            <a:r>
-              <a:rPr lang="en-US" sz="900" b="0" u="none" dirty="0">
-                <a:solidFill>
-                  <a:srgbClr val="000000"/>
-                </a:solidFill>
-                <a:latin typeface="Calibri"/>
-                <a:cs typeface="Mangal" pitchFamily="18" charset="0"/>
-              </a:rPr>
-              <a:t> </a:t>
-            </a:r>
-          </a:p>
-        </p:txBody>
-      </p:sp>
-    </p:spTree>
-    <p:extLst/>
-  </p:cSld>
-  <p:clrMapOvr>
-    <a:masterClrMapping/>
-  </p:clrMapOvr>
-  <p:transition>
-    <p:fade/>
-  </p:transition>
-</p:sldLayout>
-</file>
-
-<file path=ppt/slideLayouts/slideLayout4.xml><?xml version="1.0" encoding="utf-8"?>
-<p:sldLayout xmlns:a="http://schemas.openxmlformats.org/drawingml/2006/main" xmlns:r="http://schemas.openxmlformats.org/officeDocument/2006/relationships" xmlns:p="http://schemas.openxmlformats.org/presentationml/2006/main" preserve="1">
-  <p:cSld name="Code Sample">
-    <p:spTree>
-      <p:nvGrpSpPr>
-        <p:cNvPr id="1" name=""/>
-        <p:cNvGrpSpPr/>
-        <p:nvPr/>
-      </p:nvGrpSpPr>
-      <p:grpSpPr>
-        <a:xfrm>
-          <a:off x="0" y="0"/>
-          <a:ext cx="0" cy="0"/>
-          <a:chOff x="0" y="0"/>
-          <a:chExt cx="0" cy="0"/>
-        </a:xfrm>
-      </p:grpSpPr>
-      <p:sp>
-        <p:nvSpPr>
-          <p:cNvPr id="2" name="Title 1"/>
-          <p:cNvSpPr>
-            <a:spLocks noGrp="1"/>
-          </p:cNvSpPr>
-          <p:nvPr>
-            <p:ph type="title"/>
-          </p:nvPr>
-        </p:nvSpPr>
-        <p:spPr/>
-        <p:txBody>
-          <a:bodyPr/>
-          <a:lstStyle/>
-          <a:p>
-            <a:r>
-              <a:rPr lang="en-US"/>
-              <a:t>Click to edit Master title style</a:t>
-            </a:r>
-            <a:endParaRPr lang="en-US" dirty="0"/>
-          </a:p>
-        </p:txBody>
-      </p:sp>
-      <p:sp>
-        <p:nvSpPr>
-          <p:cNvPr id="5" name="Text Placeholder 4"/>
-          <p:cNvSpPr>
-            <a:spLocks noGrp="1"/>
-          </p:cNvSpPr>
-          <p:nvPr>
-            <p:ph type="body" sz="quarter" idx="10"/>
-          </p:nvPr>
-        </p:nvSpPr>
-        <p:spPr>
-          <a:xfrm>
-            <a:off x="1485900" y="1200150"/>
-            <a:ext cx="6172200" cy="2971800"/>
-          </a:xfrm>
-          <a:solidFill>
-            <a:schemeClr val="accent1">
-              <a:lumMod val="20000"/>
-              <a:lumOff val="80000"/>
-            </a:schemeClr>
-          </a:solidFill>
-          <a:ln w="9525">
-            <a:noFill/>
-          </a:ln>
-        </p:spPr>
-        <p:txBody>
-          <a:bodyPr/>
-          <a:lstStyle>
-            <a:lvl1pPr>
-              <a:buNone/>
-              <a:defRPr sz="1900" b="0">
-                <a:latin typeface="Calibri"/>
-              </a:defRPr>
-            </a:lvl1pPr>
-          </a:lstStyle>
-          <a:p>
-            <a:pPr lvl="0"/>
-            <a:r>
-              <a:rPr lang="en-US"/>
-              <a:t>Click to edit Master text styles</a:t>
-            </a:r>
-          </a:p>
-        </p:txBody>
-      </p:sp>
-      <p:pic>
-        <p:nvPicPr>
-          <p:cNvPr id="6" name="Picture 5" descr="DEV F2014_hybrid.eps"/>
-          <p:cNvPicPr>
-            <a:picLocks noChangeAspect="1"/>
-          </p:cNvPicPr>
-          <p:nvPr/>
-        </p:nvPicPr>
-        <p:blipFill>
-          <a:blip r:embed="rId2">
-            <a:extLst>
-              <a:ext uri="{28A0092B-C50C-407E-A947-70E740481C1C}">
-                <a14:useLocalDpi xmlns:a14="http://schemas.microsoft.com/office/drawing/2010/main" val="0"/>
-              </a:ext>
-            </a:extLst>
-          </a:blip>
-          <a:stretch>
-            <a:fillRect/>
-          </a:stretch>
-        </p:blipFill>
-        <p:spPr>
-          <a:xfrm>
-            <a:off x="609600" y="4740727"/>
-            <a:ext cx="990600" cy="334851"/>
-          </a:xfrm>
-          <a:prstGeom prst="rect">
-            <a:avLst/>
-          </a:prstGeom>
-        </p:spPr>
-      </p:pic>
-      <p:sp>
-        <p:nvSpPr>
-          <p:cNvPr id="8" name="TextBox 7"/>
-          <p:cNvSpPr txBox="1"/>
-          <p:nvPr/>
-        </p:nvSpPr>
-        <p:spPr bwMode="auto">
-          <a:xfrm>
-            <a:off x="6477000" y="4774168"/>
-            <a:ext cx="2667000" cy="369332"/>
-          </a:xfrm>
-          <a:prstGeom prst="rect">
-            <a:avLst/>
-          </a:prstGeom>
-          <a:noFill/>
-          <a:ln w="9525">
-            <a:noFill/>
-            <a:miter lim="800000"/>
-            <a:headEnd/>
-            <a:tailEnd/>
-          </a:ln>
-        </p:spPr>
-        <p:txBody>
-          <a:bodyPr wrap="square" rtlCol="0">
-            <a:spAutoFit/>
-          </a:bodyPr>
-          <a:lstStyle/>
-          <a:p>
-            <a:pPr algn="r"/>
-            <a:r>
-              <a:rPr lang="en-US" sz="900" b="0" u="none" dirty="0">
-                <a:solidFill>
-                  <a:srgbClr val="000000"/>
-                </a:solidFill>
-                <a:latin typeface="Calibri"/>
-                <a:cs typeface="Mangal" pitchFamily="18" charset="0"/>
-              </a:rPr>
-              <a:t>© </a:t>
-            </a:r>
-            <a:r>
-              <a:rPr lang="en-US" sz="900" b="0" u="none" dirty="0" err="1">
-                <a:solidFill>
-                  <a:srgbClr val="000000"/>
-                </a:solidFill>
-                <a:latin typeface="Calibri"/>
-                <a:cs typeface="Mangal" pitchFamily="18" charset="0"/>
-              </a:rPr>
-              <a:t>DEVintersection</a:t>
-            </a:r>
-            <a:r>
-              <a:rPr lang="en-US" sz="900" b="0" u="none" dirty="0">
-                <a:solidFill>
-                  <a:srgbClr val="000000"/>
-                </a:solidFill>
-                <a:latin typeface="Calibri"/>
-                <a:cs typeface="Mangal" pitchFamily="18" charset="0"/>
-              </a:rPr>
-              <a:t> 2017. All rights reserved.</a:t>
-            </a:r>
-          </a:p>
-          <a:p>
-            <a:pPr algn="r"/>
-            <a:r>
-              <a:rPr lang="en-US" sz="900" b="0" u="none">
-                <a:solidFill>
-                  <a:srgbClr val="000000"/>
-                </a:solidFill>
-                <a:latin typeface="Calibri"/>
-                <a:cs typeface="Mangal" pitchFamily="18" charset="0"/>
-              </a:rPr>
-              <a:t>https://</a:t>
-            </a:r>
-            <a:r>
-              <a:rPr lang="en-US" sz="900" b="0" u="none" dirty="0" err="1">
-                <a:solidFill>
-                  <a:srgbClr val="000000"/>
-                </a:solidFill>
-                <a:latin typeface="Calibri"/>
-                <a:cs typeface="Mangal" pitchFamily="18" charset="0"/>
-              </a:rPr>
-              <a:t>www.DEVintersection.com</a:t>
-            </a:r>
-            <a:r>
-              <a:rPr lang="en-US" sz="900" b="0" u="none" dirty="0">
-                <a:solidFill>
-                  <a:srgbClr val="000000"/>
-                </a:solidFill>
-                <a:latin typeface="Calibri"/>
-                <a:cs typeface="Mangal" pitchFamily="18" charset="0"/>
-              </a:rPr>
-              <a:t> </a:t>
-            </a:r>
-          </a:p>
-        </p:txBody>
-      </p:sp>
-    </p:spTree>
-    <p:extLst/>
-  </p:cSld>
-  <p:clrMapOvr>
-    <a:masterClrMapping/>
-  </p:clrMapOvr>
-  <p:transition>
-    <p:fade/>
-  </p:transition>
-  <p:hf hdr="0" ftr="0" dt="0"/>
-</p:sldLayout>
-</file>
-
-<file path=ppt/slideLayouts/slideLayout5.xml><?xml version="1.0" encoding="utf-8"?>
-<p:sldLayout xmlns:a="http://schemas.openxmlformats.org/drawingml/2006/main" xmlns:r="http://schemas.openxmlformats.org/officeDocument/2006/relationships" xmlns:p="http://schemas.openxmlformats.org/presentationml/2006/main" preserve="1">
-  <p:cSld name="Blank">
-    <p:spTree>
-      <p:nvGrpSpPr>
-        <p:cNvPr id="1" name=""/>
-        <p:cNvGrpSpPr/>
-        <p:nvPr/>
-      </p:nvGrpSpPr>
-      <p:grpSpPr>
-        <a:xfrm>
-          <a:off x="0" y="0"/>
-          <a:ext cx="0" cy="0"/>
-          <a:chOff x="0" y="0"/>
-          <a:chExt cx="0" cy="0"/>
-        </a:xfrm>
-      </p:grpSpPr>
-      <p:sp>
-        <p:nvSpPr>
-          <p:cNvPr id="2" name="Title 1"/>
-          <p:cNvSpPr>
-            <a:spLocks noGrp="1"/>
-          </p:cNvSpPr>
-          <p:nvPr>
-            <p:ph type="title"/>
-          </p:nvPr>
-        </p:nvSpPr>
-        <p:spPr/>
-        <p:txBody>
-          <a:bodyPr rtlCol="0"/>
-          <a:lstStyle/>
-          <a:p>
-            <a:r>
-              <a:rPr lang="en-US"/>
-              <a:t>Click to edit Master title style</a:t>
-            </a:r>
-            <a:endParaRPr lang="en-US" dirty="0"/>
-          </a:p>
-        </p:txBody>
-      </p:sp>
-      <p:pic>
-        <p:nvPicPr>
-          <p:cNvPr id="5" name="Picture 4" descr="DEV F2014_hybrid.eps"/>
-          <p:cNvPicPr>
-            <a:picLocks noChangeAspect="1"/>
-          </p:cNvPicPr>
-          <p:nvPr/>
-        </p:nvPicPr>
-        <p:blipFill>
-          <a:blip r:embed="rId2">
-            <a:extLst>
-              <a:ext uri="{28A0092B-C50C-407E-A947-70E740481C1C}">
-                <a14:useLocalDpi xmlns:a14="http://schemas.microsoft.com/office/drawing/2010/main" val="0"/>
-              </a:ext>
-            </a:extLst>
-          </a:blip>
-          <a:stretch>
-            <a:fillRect/>
-          </a:stretch>
-        </p:blipFill>
-        <p:spPr>
-          <a:xfrm>
-            <a:off x="609600" y="4740727"/>
-            <a:ext cx="990600" cy="334851"/>
-          </a:xfrm>
-          <a:prstGeom prst="rect">
-            <a:avLst/>
-          </a:prstGeom>
-        </p:spPr>
-      </p:pic>
-      <p:sp>
-        <p:nvSpPr>
-          <p:cNvPr id="7" name="TextBox 6"/>
-          <p:cNvSpPr txBox="1"/>
-          <p:nvPr/>
-        </p:nvSpPr>
-        <p:spPr bwMode="auto">
-          <a:xfrm>
-            <a:off x="6477000" y="4774168"/>
-            <a:ext cx="2667000" cy="369332"/>
-          </a:xfrm>
-          <a:prstGeom prst="rect">
-            <a:avLst/>
-          </a:prstGeom>
-          <a:noFill/>
-          <a:ln w="9525">
-            <a:noFill/>
-            <a:miter lim="800000"/>
-            <a:headEnd/>
-            <a:tailEnd/>
-          </a:ln>
-        </p:spPr>
-        <p:txBody>
-          <a:bodyPr wrap="square" rtlCol="0">
-            <a:spAutoFit/>
-          </a:bodyPr>
-          <a:lstStyle/>
-          <a:p>
-            <a:pPr algn="r"/>
-            <a:r>
-              <a:rPr lang="en-US" sz="900" b="0" u="none" dirty="0">
-                <a:solidFill>
-                  <a:srgbClr val="000000"/>
-                </a:solidFill>
-                <a:latin typeface="Calibri"/>
-                <a:cs typeface="Mangal" pitchFamily="18" charset="0"/>
-              </a:rPr>
-              <a:t>© </a:t>
-            </a:r>
-            <a:r>
-              <a:rPr lang="en-US" sz="900" b="0" u="none" dirty="0" err="1">
-                <a:solidFill>
-                  <a:srgbClr val="000000"/>
-                </a:solidFill>
-                <a:latin typeface="Calibri"/>
-                <a:cs typeface="Mangal" pitchFamily="18" charset="0"/>
-              </a:rPr>
-              <a:t>DEVintersection</a:t>
-            </a:r>
-            <a:r>
-              <a:rPr lang="en-US" sz="900" b="0" u="none" dirty="0">
-                <a:solidFill>
-                  <a:srgbClr val="000000"/>
-                </a:solidFill>
-                <a:latin typeface="Calibri"/>
-                <a:cs typeface="Mangal" pitchFamily="18" charset="0"/>
-              </a:rPr>
-              <a:t> 2017. All rights reserved.</a:t>
-            </a:r>
-          </a:p>
-          <a:p>
-            <a:pPr algn="r"/>
-            <a:r>
-              <a:rPr lang="en-US" sz="900" b="0" u="none">
-                <a:solidFill>
-                  <a:srgbClr val="000000"/>
-                </a:solidFill>
-                <a:latin typeface="Calibri"/>
-                <a:cs typeface="Mangal" pitchFamily="18" charset="0"/>
-              </a:rPr>
-              <a:t>https://</a:t>
-            </a:r>
-            <a:r>
-              <a:rPr lang="en-US" sz="900" b="0" u="none" dirty="0" err="1">
-                <a:solidFill>
-                  <a:srgbClr val="000000"/>
-                </a:solidFill>
-                <a:latin typeface="Calibri"/>
-                <a:cs typeface="Mangal" pitchFamily="18" charset="0"/>
-              </a:rPr>
-              <a:t>www.DEVintersection.com</a:t>
-            </a:r>
-            <a:r>
-              <a:rPr lang="en-US" sz="900" b="0" u="none" dirty="0">
-                <a:solidFill>
-                  <a:srgbClr val="000000"/>
-                </a:solidFill>
-                <a:latin typeface="Calibri"/>
-                <a:cs typeface="Mangal" pitchFamily="18" charset="0"/>
-              </a:rPr>
-              <a:t> </a:t>
-            </a:r>
-          </a:p>
-        </p:txBody>
-      </p:sp>
-    </p:spTree>
-    <p:extLst/>
-  </p:cSld>
-  <p:clrMapOvr>
-    <a:masterClrMapping/>
-  </p:clrMapOvr>
-  <p:transition>
-    <p:fade/>
-  </p:transition>
-</p:sldLayout>
-</file>
-
-<file path=ppt/slideLayouts/slideLayout6.xml><?xml version="1.0" encoding="utf-8"?>
-<p:sldLayout xmlns:a="http://schemas.openxmlformats.org/drawingml/2006/main" xmlns:r="http://schemas.openxmlformats.org/officeDocument/2006/relationships" xmlns:p="http://schemas.openxmlformats.org/presentationml/2006/main" preserve="1">
-  <p:cSld name="Section Header">
-    <p:spTree>
-      <p:nvGrpSpPr>
-        <p:cNvPr id="1" name=""/>
-        <p:cNvGrpSpPr/>
-        <p:nvPr/>
-      </p:nvGrpSpPr>
-      <p:grpSpPr>
-        <a:xfrm>
-          <a:off x="0" y="0"/>
-          <a:ext cx="0" cy="0"/>
-          <a:chOff x="0" y="0"/>
-          <a:chExt cx="0" cy="0"/>
-        </a:xfrm>
-      </p:grpSpPr>
-      <p:sp>
-        <p:nvSpPr>
-          <p:cNvPr id="3" name="Text Placeholder 2"/>
-          <p:cNvSpPr>
-            <a:spLocks noGrp="1"/>
-          </p:cNvSpPr>
-          <p:nvPr>
-            <p:ph type="body" idx="1"/>
-          </p:nvPr>
-        </p:nvSpPr>
-        <p:spPr>
-          <a:xfrm>
-            <a:off x="685800" y="2180035"/>
-            <a:ext cx="7772400" cy="1125140"/>
-          </a:xfrm>
-        </p:spPr>
-        <p:txBody>
-          <a:bodyPr anchor="b"/>
-          <a:lstStyle>
-            <a:lvl1pPr marL="0" indent="0">
-              <a:buNone/>
-              <a:defRPr sz="2100" i="0">
-                <a:solidFill>
-                  <a:schemeClr val="tx1"/>
-                </a:solidFill>
-              </a:defRPr>
-            </a:lvl1pPr>
-            <a:lvl2pPr marL="457200" indent="0">
-              <a:buNone/>
-              <a:defRPr sz="1800">
-                <a:solidFill>
-                  <a:schemeClr val="tx1">
-                    <a:tint val="75000"/>
-                  </a:schemeClr>
-                </a:solidFill>
-              </a:defRPr>
-            </a:lvl2pPr>
-            <a:lvl3pPr marL="914400" indent="0">
-              <a:buNone/>
-              <a:defRPr sz="1600">
-                <a:solidFill>
-                  <a:schemeClr val="tx1">
-                    <a:tint val="75000"/>
-                  </a:schemeClr>
-                </a:solidFill>
-              </a:defRPr>
-            </a:lvl3pPr>
-            <a:lvl4pPr marL="1371600" indent="0">
-              <a:buNone/>
-              <a:defRPr sz="1400">
-                <a:solidFill>
-                  <a:schemeClr val="tx1">
-                    <a:tint val="75000"/>
-                  </a:schemeClr>
-                </a:solidFill>
-              </a:defRPr>
-            </a:lvl4pPr>
-            <a:lvl5pPr marL="1828800" indent="0">
-              <a:buNone/>
-              <a:defRPr sz="1400">
-                <a:solidFill>
-                  <a:schemeClr val="tx1">
-                    <a:tint val="75000"/>
-                  </a:schemeClr>
-                </a:solidFill>
-              </a:defRPr>
-            </a:lvl5pPr>
-            <a:lvl6pPr marL="2286000" indent="0">
-              <a:buNone/>
-              <a:defRPr sz="1400">
-                <a:solidFill>
-                  <a:schemeClr val="tx1">
-                    <a:tint val="75000"/>
-                  </a:schemeClr>
-                </a:solidFill>
-              </a:defRPr>
-            </a:lvl6pPr>
-            <a:lvl7pPr marL="2743200" indent="0">
-              <a:buNone/>
-              <a:defRPr sz="1400">
-                <a:solidFill>
-                  <a:schemeClr val="tx1">
-                    <a:tint val="75000"/>
-                  </a:schemeClr>
-                </a:solidFill>
-              </a:defRPr>
-            </a:lvl7pPr>
-            <a:lvl8pPr marL="3200400" indent="0">
-              <a:buNone/>
-              <a:defRPr sz="1400">
-                <a:solidFill>
-                  <a:schemeClr val="tx1">
-                    <a:tint val="75000"/>
-                  </a:schemeClr>
-                </a:solidFill>
-              </a:defRPr>
-            </a:lvl8pPr>
-            <a:lvl9pPr marL="3657600" indent="0">
-              <a:buNone/>
-              <a:defRPr sz="1400">
-                <a:solidFill>
-                  <a:schemeClr val="tx1">
-                    <a:tint val="75000"/>
-                  </a:schemeClr>
-                </a:solidFill>
-              </a:defRPr>
-            </a:lvl9pPr>
-          </a:lstStyle>
-          <a:p>
-            <a:pPr lvl="0"/>
-            <a:r>
-              <a:rPr lang="en-US"/>
-              <a:t>Click to edit Master text styles</a:t>
-            </a:r>
-          </a:p>
-        </p:txBody>
-      </p:sp>
-      <p:sp>
-        <p:nvSpPr>
-          <p:cNvPr id="4" name="Title 3"/>
-          <p:cNvSpPr>
-            <a:spLocks noGrp="1"/>
-          </p:cNvSpPr>
-          <p:nvPr>
-            <p:ph type="title"/>
-          </p:nvPr>
-        </p:nvSpPr>
-        <p:spPr>
-          <a:xfrm>
-            <a:off x="685800" y="3371850"/>
-            <a:ext cx="7772400" cy="571500"/>
-          </a:xfrm>
-        </p:spPr>
-        <p:txBody>
-          <a:bodyPr/>
-          <a:lstStyle>
-            <a:lvl1pPr algn="l">
-              <a:defRPr>
-                <a:solidFill>
-                  <a:schemeClr val="tx1"/>
-                </a:solidFill>
-              </a:defRPr>
-            </a:lvl1pPr>
-          </a:lstStyle>
-          <a:p>
-            <a:r>
-              <a:rPr lang="en-US"/>
-              <a:t>Click to edit Master title style</a:t>
-            </a:r>
-            <a:endParaRPr lang="en-US" dirty="0"/>
-          </a:p>
-        </p:txBody>
-      </p:sp>
-      <p:pic>
-        <p:nvPicPr>
-          <p:cNvPr id="7" name="Picture 6" descr="DEV F2014_hybrid.eps"/>
-          <p:cNvPicPr>
-            <a:picLocks noChangeAspect="1"/>
-          </p:cNvPicPr>
-          <p:nvPr/>
-        </p:nvPicPr>
-        <p:blipFill>
-          <a:blip r:embed="rId2">
-            <a:extLst>
-              <a:ext uri="{28A0092B-C50C-407E-A947-70E740481C1C}">
-                <a14:useLocalDpi xmlns:a14="http://schemas.microsoft.com/office/drawing/2010/main" val="0"/>
-              </a:ext>
-            </a:extLst>
-          </a:blip>
-          <a:stretch>
-            <a:fillRect/>
-          </a:stretch>
-        </p:blipFill>
-        <p:spPr>
-          <a:xfrm>
-            <a:off x="609600" y="4740727"/>
-            <a:ext cx="990600" cy="334851"/>
-          </a:xfrm>
-          <a:prstGeom prst="rect">
-            <a:avLst/>
-          </a:prstGeom>
-        </p:spPr>
-      </p:pic>
-      <p:sp>
-        <p:nvSpPr>
-          <p:cNvPr id="8" name="TextBox 7"/>
-          <p:cNvSpPr txBox="1"/>
-          <p:nvPr/>
-        </p:nvSpPr>
-        <p:spPr bwMode="auto">
-          <a:xfrm>
-            <a:off x="6477000" y="4774168"/>
-            <a:ext cx="2667000" cy="369332"/>
-          </a:xfrm>
-          <a:prstGeom prst="rect">
-            <a:avLst/>
-          </a:prstGeom>
-          <a:noFill/>
-          <a:ln w="9525">
-            <a:noFill/>
-            <a:miter lim="800000"/>
-            <a:headEnd/>
-            <a:tailEnd/>
-          </a:ln>
-        </p:spPr>
-        <p:txBody>
-          <a:bodyPr wrap="square" rtlCol="0">
-            <a:spAutoFit/>
-          </a:bodyPr>
-          <a:lstStyle/>
-          <a:p>
-            <a:pPr algn="r"/>
-            <a:r>
-              <a:rPr lang="en-US" sz="900" b="0" u="none" dirty="0">
-                <a:solidFill>
-                  <a:srgbClr val="000000"/>
-                </a:solidFill>
-                <a:latin typeface="Calibri"/>
-                <a:cs typeface="Mangal" pitchFamily="18" charset="0"/>
-              </a:rPr>
-              <a:t>© </a:t>
-            </a:r>
-            <a:r>
-              <a:rPr lang="en-US" sz="900" b="0" u="none" dirty="0" err="1">
-                <a:solidFill>
-                  <a:srgbClr val="000000"/>
-                </a:solidFill>
-                <a:latin typeface="Calibri"/>
-                <a:cs typeface="Mangal" pitchFamily="18" charset="0"/>
-              </a:rPr>
-              <a:t>DEVintersection</a:t>
-            </a:r>
-            <a:r>
-              <a:rPr lang="en-US" sz="900" b="0" u="none" dirty="0">
-                <a:solidFill>
-                  <a:srgbClr val="000000"/>
-                </a:solidFill>
-                <a:latin typeface="Calibri"/>
-                <a:cs typeface="Mangal" pitchFamily="18" charset="0"/>
-              </a:rPr>
-              <a:t> 2017. All rights reserved.</a:t>
-            </a:r>
-          </a:p>
-          <a:p>
-            <a:pPr algn="r"/>
-            <a:r>
-              <a:rPr lang="en-US" sz="900" b="0" u="none">
-                <a:solidFill>
-                  <a:srgbClr val="000000"/>
-                </a:solidFill>
-                <a:latin typeface="Calibri"/>
-                <a:cs typeface="Mangal" pitchFamily="18" charset="0"/>
-              </a:rPr>
-              <a:t>https://</a:t>
-            </a:r>
-            <a:r>
-              <a:rPr lang="en-US" sz="900" b="0" u="none" dirty="0" err="1">
-                <a:solidFill>
-                  <a:srgbClr val="000000"/>
-                </a:solidFill>
-                <a:latin typeface="Calibri"/>
-                <a:cs typeface="Mangal" pitchFamily="18" charset="0"/>
-              </a:rPr>
-              <a:t>www.DEVintersection.com</a:t>
-            </a:r>
-            <a:r>
-              <a:rPr lang="en-US" sz="900" b="0" u="none" dirty="0">
-                <a:solidFill>
-                  <a:srgbClr val="000000"/>
-                </a:solidFill>
-                <a:latin typeface="Calibri"/>
-                <a:cs typeface="Mangal" pitchFamily="18" charset="0"/>
-              </a:rPr>
-              <a:t> </a:t>
-            </a:r>
-          </a:p>
-        </p:txBody>
-      </p:sp>
-    </p:spTree>
-    <p:extLst/>
-  </p:cSld>
-  <p:clrMapOvr>
-    <a:masterClrMapping/>
-  </p:clrMapOvr>
-  <p:transition>
-    <p:fade/>
-  </p:transition>
-  <p:hf hdr="0" ftr="0" dt="0"/>
-</p:sldLayout>
-</file>
-
-<file path=ppt/slideLayouts/slideLayout7.xml><?xml version="1.0" encoding="utf-8"?>
-<p:sldLayout xmlns:a="http://schemas.openxmlformats.org/drawingml/2006/main" xmlns:r="http://schemas.openxmlformats.org/officeDocument/2006/relationships" xmlns:p="http://schemas.openxmlformats.org/presentationml/2006/main" preserve="1">
-  <p:cSld name="1_Section Header">
-    <p:spTree>
-      <p:nvGrpSpPr>
-        <p:cNvPr id="1" name=""/>
-        <p:cNvGrpSpPr/>
-        <p:nvPr/>
-      </p:nvGrpSpPr>
-      <p:grpSpPr>
-        <a:xfrm>
-          <a:off x="0" y="0"/>
-          <a:ext cx="0" cy="0"/>
-          <a:chOff x="0" y="0"/>
-          <a:chExt cx="0" cy="0"/>
-        </a:xfrm>
-      </p:grpSpPr>
-      <p:sp>
-        <p:nvSpPr>
-          <p:cNvPr id="3" name="Text Placeholder 2"/>
-          <p:cNvSpPr>
-            <a:spLocks noGrp="1"/>
-          </p:cNvSpPr>
-          <p:nvPr>
-            <p:ph type="body" idx="1"/>
-          </p:nvPr>
-        </p:nvSpPr>
-        <p:spPr>
-          <a:xfrm>
-            <a:off x="685800" y="2180035"/>
-            <a:ext cx="7772400" cy="1125140"/>
-          </a:xfrm>
-        </p:spPr>
-        <p:txBody>
-          <a:bodyPr anchor="b"/>
-          <a:lstStyle>
-            <a:lvl1pPr marL="0" indent="0">
-              <a:buNone/>
-              <a:defRPr sz="2100" i="0">
-                <a:solidFill>
-                  <a:schemeClr val="tx1"/>
-                </a:solidFill>
-              </a:defRPr>
-            </a:lvl1pPr>
-            <a:lvl2pPr marL="457200" indent="0">
-              <a:buNone/>
-              <a:defRPr sz="1800">
-                <a:solidFill>
-                  <a:schemeClr val="tx1">
-                    <a:tint val="75000"/>
-                  </a:schemeClr>
-                </a:solidFill>
-              </a:defRPr>
-            </a:lvl2pPr>
-            <a:lvl3pPr marL="914400" indent="0">
-              <a:buNone/>
-              <a:defRPr sz="1600">
-                <a:solidFill>
-                  <a:schemeClr val="tx1">
-                    <a:tint val="75000"/>
-                  </a:schemeClr>
-                </a:solidFill>
-              </a:defRPr>
-            </a:lvl3pPr>
-            <a:lvl4pPr marL="1371600" indent="0">
-              <a:buNone/>
-              <a:defRPr sz="1400">
-                <a:solidFill>
-                  <a:schemeClr val="tx1">
-                    <a:tint val="75000"/>
-                  </a:schemeClr>
-                </a:solidFill>
-              </a:defRPr>
-            </a:lvl4pPr>
-            <a:lvl5pPr marL="1828800" indent="0">
-              <a:buNone/>
-              <a:defRPr sz="1400">
-                <a:solidFill>
-                  <a:schemeClr val="tx1">
-                    <a:tint val="75000"/>
-                  </a:schemeClr>
-                </a:solidFill>
-              </a:defRPr>
-            </a:lvl5pPr>
-            <a:lvl6pPr marL="2286000" indent="0">
-              <a:buNone/>
-              <a:defRPr sz="1400">
-                <a:solidFill>
-                  <a:schemeClr val="tx1">
-                    <a:tint val="75000"/>
-                  </a:schemeClr>
-                </a:solidFill>
-              </a:defRPr>
-            </a:lvl6pPr>
-            <a:lvl7pPr marL="2743200" indent="0">
-              <a:buNone/>
-              <a:defRPr sz="1400">
-                <a:solidFill>
-                  <a:schemeClr val="tx1">
-                    <a:tint val="75000"/>
-                  </a:schemeClr>
-                </a:solidFill>
-              </a:defRPr>
-            </a:lvl7pPr>
-            <a:lvl8pPr marL="3200400" indent="0">
-              <a:buNone/>
-              <a:defRPr sz="1400">
-                <a:solidFill>
-                  <a:schemeClr val="tx1">
-                    <a:tint val="75000"/>
-                  </a:schemeClr>
-                </a:solidFill>
-              </a:defRPr>
-            </a:lvl8pPr>
-            <a:lvl9pPr marL="3657600" indent="0">
-              <a:buNone/>
-              <a:defRPr sz="1400">
-                <a:solidFill>
-                  <a:schemeClr val="tx1">
-                    <a:tint val="75000"/>
-                  </a:schemeClr>
-                </a:solidFill>
-              </a:defRPr>
-            </a:lvl9pPr>
-          </a:lstStyle>
-          <a:p>
-            <a:pPr lvl="0"/>
-            <a:r>
-              <a:rPr lang="en-US"/>
-              <a:t>Click to edit Master text styles</a:t>
-            </a:r>
-          </a:p>
-        </p:txBody>
-      </p:sp>
-      <p:sp>
-        <p:nvSpPr>
-          <p:cNvPr id="4" name="Title 3"/>
-          <p:cNvSpPr>
-            <a:spLocks noGrp="1"/>
-          </p:cNvSpPr>
-          <p:nvPr>
-            <p:ph type="title"/>
-          </p:nvPr>
-        </p:nvSpPr>
-        <p:spPr>
-          <a:xfrm>
-            <a:off x="685800" y="3371850"/>
-            <a:ext cx="7772400" cy="571500"/>
-          </a:xfrm>
-        </p:spPr>
-        <p:txBody>
-          <a:bodyPr/>
-          <a:lstStyle>
-            <a:lvl1pPr algn="l">
-              <a:defRPr>
-                <a:solidFill>
-                  <a:schemeClr val="tx1"/>
-                </a:solidFill>
-              </a:defRPr>
-            </a:lvl1pPr>
-          </a:lstStyle>
-          <a:p>
-            <a:r>
-              <a:rPr lang="en-US"/>
-              <a:t>Click to edit Master title style</a:t>
-            </a:r>
-            <a:endParaRPr lang="en-US" dirty="0"/>
-          </a:p>
-        </p:txBody>
-      </p:sp>
-      <p:sp>
-        <p:nvSpPr>
-          <p:cNvPr id="6" name="TextBox 5"/>
-          <p:cNvSpPr txBox="1"/>
-          <p:nvPr/>
-        </p:nvSpPr>
-        <p:spPr bwMode="auto">
-          <a:xfrm>
-            <a:off x="6477000" y="4774168"/>
-            <a:ext cx="2667000" cy="369332"/>
-          </a:xfrm>
-          <a:prstGeom prst="rect">
-            <a:avLst/>
-          </a:prstGeom>
-          <a:noFill/>
-          <a:ln w="9525">
-            <a:noFill/>
-            <a:miter lim="800000"/>
-            <a:headEnd/>
-            <a:tailEnd/>
-          </a:ln>
-        </p:spPr>
-        <p:txBody>
-          <a:bodyPr wrap="square" rtlCol="0">
-            <a:spAutoFit/>
-          </a:bodyPr>
-          <a:lstStyle/>
-          <a:p>
-            <a:pPr algn="r"/>
-            <a:r>
-              <a:rPr lang="en-US" sz="900" b="0" u="none" dirty="0">
-                <a:solidFill>
-                  <a:srgbClr val="000000"/>
-                </a:solidFill>
-                <a:latin typeface="Calibri"/>
-                <a:cs typeface="Mangal" pitchFamily="18" charset="0"/>
-              </a:rPr>
-              <a:t>© </a:t>
-            </a:r>
-            <a:r>
-              <a:rPr lang="en-US" sz="900" b="0" u="none" dirty="0" err="1">
-                <a:solidFill>
-                  <a:srgbClr val="000000"/>
-                </a:solidFill>
-                <a:latin typeface="Calibri"/>
-                <a:cs typeface="Mangal" pitchFamily="18" charset="0"/>
-              </a:rPr>
-              <a:t>DEVintersection</a:t>
-            </a:r>
-            <a:r>
-              <a:rPr lang="en-US" sz="900" b="0" u="none" dirty="0">
-                <a:solidFill>
-                  <a:srgbClr val="000000"/>
-                </a:solidFill>
-                <a:latin typeface="Calibri"/>
-                <a:cs typeface="Mangal" pitchFamily="18" charset="0"/>
-              </a:rPr>
-              <a:t> 2017. All rights reserved.</a:t>
-            </a:r>
-          </a:p>
-          <a:p>
-            <a:pPr algn="r"/>
-            <a:r>
-              <a:rPr lang="en-US" sz="900" b="0" u="none" dirty="0">
-                <a:solidFill>
-                  <a:srgbClr val="000000"/>
-                </a:solidFill>
-                <a:latin typeface="Calibri"/>
-                <a:cs typeface="Mangal" pitchFamily="18" charset="0"/>
-              </a:rPr>
-              <a:t>https://</a:t>
-            </a:r>
-            <a:r>
-              <a:rPr lang="en-US" sz="900" b="0" u="none" dirty="0" err="1">
-                <a:solidFill>
-                  <a:srgbClr val="000000"/>
-                </a:solidFill>
-                <a:latin typeface="Calibri"/>
-                <a:cs typeface="Mangal" pitchFamily="18" charset="0"/>
-              </a:rPr>
-              <a:t>www.DEVintersection.com</a:t>
-            </a:r>
-            <a:r>
-              <a:rPr lang="en-US" sz="900" b="0" u="none" dirty="0">
-                <a:solidFill>
-                  <a:srgbClr val="000000"/>
-                </a:solidFill>
-                <a:latin typeface="Calibri"/>
-                <a:cs typeface="Mangal" pitchFamily="18" charset="0"/>
-              </a:rPr>
-              <a:t> </a:t>
-            </a:r>
-          </a:p>
-        </p:txBody>
-      </p:sp>
-      <p:pic>
-        <p:nvPicPr>
-          <p:cNvPr id="7" name="Picture 6" descr="DEV F2014_hybrid.eps"/>
-          <p:cNvPicPr>
-            <a:picLocks noChangeAspect="1"/>
-          </p:cNvPicPr>
-          <p:nvPr/>
-        </p:nvPicPr>
-        <p:blipFill>
-          <a:blip r:embed="rId2">
-            <a:extLst>
-              <a:ext uri="{28A0092B-C50C-407E-A947-70E740481C1C}">
-                <a14:useLocalDpi xmlns:a14="http://schemas.microsoft.com/office/drawing/2010/main" val="0"/>
-              </a:ext>
-            </a:extLst>
-          </a:blip>
-          <a:stretch>
-            <a:fillRect/>
-          </a:stretch>
-        </p:blipFill>
-        <p:spPr>
-          <a:xfrm>
-            <a:off x="609600" y="4740727"/>
-            <a:ext cx="990600" cy="334851"/>
-          </a:xfrm>
-          <a:prstGeom prst="rect">
-            <a:avLst/>
-          </a:prstGeom>
-        </p:spPr>
-      </p:pic>
-    </p:spTree>
-    <p:extLst/>
-  </p:cSld>
-  <p:clrMapOvr>
-    <a:masterClrMapping/>
-  </p:clrMapOvr>
-  <p:transition>
-    <p:fade/>
-  </p:transition>
-  <p:hf hdr="0" ftr="0" dt="0"/>
-</p:sldLayout>
-</file>
-
-<file path=ppt/slideLayouts/slideLayout8.xml><?xml version="1.0" encoding="utf-8"?>
-<p:sldLayout xmlns:a="http://schemas.openxmlformats.org/drawingml/2006/main" xmlns:r="http://schemas.openxmlformats.org/officeDocument/2006/relationships" xmlns:p="http://schemas.openxmlformats.org/presentationml/2006/main">
-  <p:cSld name="Title and Content">
-    <p:spTree>
-      <p:nvGrpSpPr>
-        <p:cNvPr id="1" name=""/>
-        <p:cNvGrpSpPr/>
-        <p:nvPr/>
-      </p:nvGrpSpPr>
-      <p:grpSpPr>
-        <a:xfrm>
-          <a:off x="0" y="0"/>
-          <a:ext cx="0" cy="0"/>
-          <a:chOff x="0" y="0"/>
-          <a:chExt cx="0" cy="0"/>
-        </a:xfrm>
-      </p:grpSpPr>
-      <p:sp>
-        <p:nvSpPr>
-          <p:cNvPr id="2" name="Title 1"/>
-          <p:cNvSpPr>
-            <a:spLocks noGrp="1"/>
-          </p:cNvSpPr>
-          <p:nvPr>
-            <p:ph type="title"/>
-          </p:nvPr>
-        </p:nvSpPr>
-        <p:spPr/>
-        <p:txBody>
-          <a:bodyPr/>
-          <a:lstStyle>
-            <a:lvl1pPr>
-              <a:defRPr lang="en-US" sz="2900" b="1" dirty="0">
-                <a:solidFill>
-                  <a:schemeClr val="tx2"/>
-                </a:solidFill>
-                <a:latin typeface="+mj-lt"/>
-                <a:ea typeface="+mj-ea"/>
-                <a:cs typeface="Segoe UI" pitchFamily="34" charset="0"/>
-              </a:defRPr>
-            </a:lvl1pPr>
-          </a:lstStyle>
-          <a:p>
-            <a:r>
-              <a:rPr lang="en-US"/>
-              <a:t>Click to edit Master title style</a:t>
-            </a:r>
-            <a:endParaRPr lang="en-US" dirty="0"/>
-          </a:p>
-        </p:txBody>
-      </p:sp>
-      <p:sp>
-        <p:nvSpPr>
-          <p:cNvPr id="8" name="Text Placeholder 2"/>
-          <p:cNvSpPr>
-            <a:spLocks noGrp="1"/>
-          </p:cNvSpPr>
-          <p:nvPr>
-            <p:ph type="body" idx="1"/>
-          </p:nvPr>
-        </p:nvSpPr>
-        <p:spPr>
-          <a:xfrm>
-            <a:off x="457200" y="1028700"/>
-            <a:ext cx="8229600" cy="3200400"/>
-          </a:xfrm>
-        </p:spPr>
-        <p:txBody>
-          <a:bodyPr rtlCol="0"/>
-          <a:lstStyle>
-            <a:lvl1pPr>
-              <a:buClrTx/>
-              <a:buFont typeface="Wingdings" pitchFamily="2" charset="2"/>
-              <a:buChar char="§"/>
-              <a:defRPr sz="2100" b="1">
-                <a:latin typeface="Calibri" pitchFamily="34" charset="0"/>
-              </a:defRPr>
-            </a:lvl1pPr>
-            <a:lvl2pPr>
-              <a:buClrTx/>
-              <a:buFont typeface="Wingdings" pitchFamily="2" charset="2"/>
-              <a:buChar char="o"/>
-              <a:defRPr sz="1900" b="0">
-                <a:latin typeface="Calibri Light" pitchFamily="34" charset="0"/>
-              </a:defRPr>
-            </a:lvl2pPr>
-            <a:lvl3pPr>
-              <a:buClrTx/>
-              <a:buFont typeface="Wingdings" pitchFamily="2" charset="2"/>
-              <a:buChar char="o"/>
-              <a:defRPr sz="1700" b="0">
-                <a:latin typeface="Calibri Light" pitchFamily="34" charset="0"/>
-              </a:defRPr>
-            </a:lvl3pPr>
-            <a:lvl4pPr>
-              <a:buClrTx/>
-              <a:buFont typeface="Wingdings" pitchFamily="2" charset="2"/>
-              <a:buChar char="o"/>
-              <a:defRPr sz="1500" b="0">
-                <a:latin typeface="Calibri Light" pitchFamily="34" charset="0"/>
-              </a:defRPr>
-            </a:lvl4pPr>
-            <a:lvl5pPr>
-              <a:buClrTx/>
-              <a:buFont typeface="Wingdings" pitchFamily="2" charset="2"/>
-              <a:buChar char="o"/>
-              <a:defRPr sz="1300" b="0">
-                <a:latin typeface="Calibri Light" pitchFamily="34" charset="0"/>
-              </a:defRPr>
-            </a:lvl5pPr>
-          </a:lstStyle>
-          <a:p>
-            <a:pPr lvl="0"/>
-            <a:r>
-              <a:rPr lang="en-US"/>
-              <a:t>Click to edit Master text styles</a:t>
-            </a:r>
-          </a:p>
-          <a:p>
-            <a:pPr lvl="1"/>
-            <a:r>
-              <a:rPr lang="en-US"/>
-              <a:t>Second level</a:t>
-            </a:r>
-          </a:p>
-          <a:p>
-            <a:pPr lvl="2"/>
-            <a:r>
-              <a:rPr lang="en-US"/>
-              <a:t>Third level</a:t>
-            </a:r>
-          </a:p>
-          <a:p>
-            <a:pPr lvl="3"/>
-            <a:r>
-              <a:rPr lang="en-US"/>
-              <a:t>Fourth level</a:t>
-            </a:r>
-          </a:p>
-          <a:p>
-            <a:pPr lvl="4"/>
-            <a:r>
-              <a:rPr lang="en-US"/>
-              <a:t>Fifth level</a:t>
-            </a:r>
-            <a:endParaRPr lang="en-US" dirty="0"/>
-          </a:p>
-        </p:txBody>
-      </p:sp>
-      <p:pic>
-        <p:nvPicPr>
-          <p:cNvPr id="6" name="Picture 5" descr="DEV F2014_hybrid.eps"/>
-          <p:cNvPicPr>
-            <a:picLocks noChangeAspect="1"/>
-          </p:cNvPicPr>
-          <p:nvPr/>
-        </p:nvPicPr>
-        <p:blipFill>
-          <a:blip r:embed="rId2">
-            <a:extLst>
-              <a:ext uri="{28A0092B-C50C-407E-A947-70E740481C1C}">
-                <a14:useLocalDpi xmlns:a14="http://schemas.microsoft.com/office/drawing/2010/main" val="0"/>
-              </a:ext>
-            </a:extLst>
-          </a:blip>
-          <a:stretch>
-            <a:fillRect/>
-          </a:stretch>
-        </p:blipFill>
-        <p:spPr>
-          <a:xfrm>
-            <a:off x="609600" y="4740727"/>
-            <a:ext cx="990600" cy="334851"/>
-          </a:xfrm>
-          <a:prstGeom prst="rect">
-            <a:avLst/>
-          </a:prstGeom>
-        </p:spPr>
-      </p:pic>
-      <p:sp>
-        <p:nvSpPr>
-          <p:cNvPr id="9" name="TextBox 8"/>
-          <p:cNvSpPr txBox="1"/>
-          <p:nvPr/>
-        </p:nvSpPr>
-        <p:spPr bwMode="auto">
-          <a:xfrm>
-            <a:off x="6477000" y="4774168"/>
-            <a:ext cx="2667000" cy="369332"/>
-          </a:xfrm>
-          <a:prstGeom prst="rect">
-            <a:avLst/>
-          </a:prstGeom>
-          <a:noFill/>
-          <a:ln w="9525">
-            <a:noFill/>
-            <a:miter lim="800000"/>
-            <a:headEnd/>
-            <a:tailEnd/>
-          </a:ln>
-        </p:spPr>
-        <p:txBody>
-          <a:bodyPr wrap="square" rtlCol="0">
-            <a:spAutoFit/>
-          </a:bodyPr>
-          <a:lstStyle/>
-          <a:p>
-            <a:pPr algn="r"/>
-            <a:r>
-              <a:rPr lang="en-US" sz="900" b="0" u="none" dirty="0">
-                <a:solidFill>
-                  <a:srgbClr val="000000"/>
-                </a:solidFill>
-                <a:latin typeface="Calibri"/>
-                <a:cs typeface="Mangal" pitchFamily="18" charset="0"/>
-              </a:rPr>
-              <a:t>© </a:t>
-            </a:r>
-            <a:r>
-              <a:rPr lang="en-US" sz="900" b="0" u="none" dirty="0" err="1">
-                <a:solidFill>
-                  <a:srgbClr val="000000"/>
-                </a:solidFill>
-                <a:latin typeface="Calibri"/>
-                <a:cs typeface="Mangal" pitchFamily="18" charset="0"/>
-              </a:rPr>
-              <a:t>DEVintersection</a:t>
-            </a:r>
-            <a:r>
-              <a:rPr lang="en-US" sz="900" b="0" u="none" dirty="0">
-                <a:solidFill>
-                  <a:srgbClr val="000000"/>
-                </a:solidFill>
-                <a:latin typeface="Calibri"/>
-                <a:cs typeface="Mangal" pitchFamily="18" charset="0"/>
-              </a:rPr>
-              <a:t> 2017. All rights reserved.</a:t>
-            </a:r>
-          </a:p>
-          <a:p>
-            <a:pPr algn="r"/>
-            <a:r>
-              <a:rPr lang="en-US" sz="900" b="0" u="none">
-                <a:solidFill>
-                  <a:srgbClr val="000000"/>
-                </a:solidFill>
-                <a:latin typeface="Calibri"/>
-                <a:cs typeface="Mangal" pitchFamily="18" charset="0"/>
-              </a:rPr>
-              <a:t>https://</a:t>
-            </a:r>
-            <a:r>
-              <a:rPr lang="en-US" sz="900" b="0" u="none" dirty="0" err="1">
-                <a:solidFill>
-                  <a:srgbClr val="000000"/>
-                </a:solidFill>
-                <a:latin typeface="Calibri"/>
-                <a:cs typeface="Mangal" pitchFamily="18" charset="0"/>
-              </a:rPr>
-              <a:t>www.DEVintersection.com</a:t>
-            </a:r>
-            <a:r>
-              <a:rPr lang="en-US" sz="900" b="0" u="none" dirty="0">
-                <a:solidFill>
-                  <a:srgbClr val="000000"/>
-                </a:solidFill>
-                <a:latin typeface="Calibri"/>
-                <a:cs typeface="Mangal" pitchFamily="18" charset="0"/>
-              </a:rPr>
-              <a:t> </a:t>
-            </a:r>
-          </a:p>
-        </p:txBody>
-      </p:sp>
-    </p:spTree>
-    <p:extLst/>
-  </p:cSld>
-  <p:clrMapOvr>
-    <a:masterClrMapping/>
-  </p:clrMapOvr>
-  <p:transition/>
-  <p:hf hdr="0" ftr="0" dt="0"/>
-</p:sldLayout>
-</file>
-
-<file path=ppt/slideLayouts/slideLayout9.xml><?xml version="1.0" encoding="utf-8"?>
-<p:sldLayout xmlns:a="http://schemas.openxmlformats.org/drawingml/2006/main" xmlns:r="http://schemas.openxmlformats.org/officeDocument/2006/relationships" xmlns:p="http://schemas.openxmlformats.org/presentationml/2006/main" preserve="1">
-  <p:cSld name="Custom Layout">
-    <p:spTree>
-      <p:nvGrpSpPr>
-        <p:cNvPr id="1" name=""/>
-        <p:cNvGrpSpPr/>
-        <p:nvPr/>
-      </p:nvGrpSpPr>
-      <p:grpSpPr>
-        <a:xfrm>
-          <a:off x="0" y="0"/>
-          <a:ext cx="0" cy="0"/>
-          <a:chOff x="0" y="0"/>
-          <a:chExt cx="0" cy="0"/>
-        </a:xfrm>
-      </p:grpSpPr>
-      <p:sp>
-        <p:nvSpPr>
-          <p:cNvPr id="2" name="Title 1"/>
-          <p:cNvSpPr>
-            <a:spLocks noGrp="1"/>
-          </p:cNvSpPr>
-          <p:nvPr>
-            <p:ph type="title" hasCustomPrompt="1"/>
-          </p:nvPr>
-        </p:nvSpPr>
-        <p:spPr bwMode="white">
-          <a:xfrm>
-            <a:off x="457200" y="292894"/>
-            <a:ext cx="8229600" cy="571500"/>
-          </a:xfrm>
-        </p:spPr>
-        <p:txBody>
-          <a:bodyPr/>
-          <a:lstStyle>
-            <a:lvl1pPr algn="ctr">
-              <a:defRPr>
-                <a:solidFill>
-                  <a:schemeClr val="tx1"/>
-                </a:solidFill>
-              </a:defRPr>
-            </a:lvl1pPr>
-          </a:lstStyle>
-          <a:p>
-            <a:r>
-              <a:rPr lang="en-US" dirty="0"/>
-              <a:t>Demo</a:t>
-            </a:r>
-          </a:p>
-        </p:txBody>
-      </p:sp>
-      <p:sp>
-        <p:nvSpPr>
-          <p:cNvPr id="11" name="Text Placeholder 2"/>
-          <p:cNvSpPr>
-            <a:spLocks noGrp="1"/>
-          </p:cNvSpPr>
-          <p:nvPr>
-            <p:ph type="body" idx="1"/>
-          </p:nvPr>
-        </p:nvSpPr>
-        <p:spPr>
-          <a:xfrm>
-            <a:off x="457200" y="1028700"/>
-            <a:ext cx="8229600" cy="3200400"/>
-          </a:xfrm>
-        </p:spPr>
-        <p:txBody>
-          <a:bodyPr rtlCol="0"/>
-          <a:lstStyle>
-            <a:lvl1pPr>
-              <a:buClrTx/>
-              <a:buFont typeface="Wingdings" pitchFamily="2" charset="2"/>
-              <a:buChar char="§"/>
-              <a:defRPr sz="2100" b="1">
-                <a:latin typeface="Calibri" pitchFamily="34" charset="0"/>
-              </a:defRPr>
-            </a:lvl1pPr>
-            <a:lvl2pPr>
-              <a:buClrTx/>
-              <a:buFont typeface="Wingdings" pitchFamily="2" charset="2"/>
-              <a:buChar char="o"/>
-              <a:defRPr sz="1900" b="0">
-                <a:latin typeface="Calibri Light" pitchFamily="34" charset="0"/>
-              </a:defRPr>
-            </a:lvl2pPr>
-            <a:lvl3pPr>
-              <a:buClrTx/>
-              <a:buFont typeface="Wingdings" pitchFamily="2" charset="2"/>
-              <a:buChar char="o"/>
-              <a:defRPr sz="1700" b="0">
-                <a:latin typeface="Calibri Light" pitchFamily="34" charset="0"/>
-              </a:defRPr>
-            </a:lvl3pPr>
-            <a:lvl4pPr>
-              <a:buClrTx/>
-              <a:buFont typeface="Wingdings" pitchFamily="2" charset="2"/>
-              <a:buChar char="o"/>
-              <a:defRPr sz="1500" b="0">
-                <a:latin typeface="Calibri Light" pitchFamily="34" charset="0"/>
-              </a:defRPr>
-            </a:lvl4pPr>
-            <a:lvl5pPr>
-              <a:buClrTx/>
-              <a:buFont typeface="Wingdings" pitchFamily="2" charset="2"/>
-              <a:buChar char="o"/>
-              <a:defRPr sz="1300" b="0">
-                <a:latin typeface="Calibri Light" pitchFamily="34" charset="0"/>
-              </a:defRPr>
-            </a:lvl5pPr>
-          </a:lstStyle>
-          <a:p>
-            <a:pPr lvl="0"/>
-            <a:r>
-              <a:rPr lang="en-US"/>
-              <a:t>Click to edit Master text styles</a:t>
-            </a:r>
-          </a:p>
-          <a:p>
-            <a:pPr lvl="1"/>
-            <a:r>
-              <a:rPr lang="en-US"/>
-              <a:t>Second level</a:t>
-            </a:r>
-          </a:p>
-          <a:p>
-            <a:pPr lvl="2"/>
-            <a:r>
-              <a:rPr lang="en-US"/>
-              <a:t>Third level</a:t>
-            </a:r>
-          </a:p>
-          <a:p>
-            <a:pPr lvl="3"/>
-            <a:r>
-              <a:rPr lang="en-US"/>
-              <a:t>Fourth level</a:t>
-            </a:r>
-          </a:p>
-          <a:p>
-            <a:pPr lvl="4"/>
-            <a:r>
-              <a:rPr lang="en-US"/>
-              <a:t>Fifth level</a:t>
-            </a:r>
-            <a:endParaRPr lang="en-US" dirty="0"/>
-          </a:p>
-        </p:txBody>
-      </p:sp>
-      <p:pic>
-        <p:nvPicPr>
-          <p:cNvPr id="6" name="Picture 5" descr="DEV F2014_hybrid.eps"/>
-          <p:cNvPicPr>
-            <a:picLocks noChangeAspect="1"/>
-          </p:cNvPicPr>
-          <p:nvPr/>
-        </p:nvPicPr>
-        <p:blipFill>
-          <a:blip r:embed="rId2">
-            <a:extLst>
-              <a:ext uri="{28A0092B-C50C-407E-A947-70E740481C1C}">
-                <a14:useLocalDpi xmlns:a14="http://schemas.microsoft.com/office/drawing/2010/main" val="0"/>
-              </a:ext>
-            </a:extLst>
-          </a:blip>
-          <a:stretch>
-            <a:fillRect/>
-          </a:stretch>
-        </p:blipFill>
-        <p:spPr>
-          <a:xfrm>
-            <a:off x="609600" y="4740727"/>
-            <a:ext cx="990600" cy="334851"/>
-          </a:xfrm>
-          <a:prstGeom prst="rect">
-            <a:avLst/>
-          </a:prstGeom>
-        </p:spPr>
-      </p:pic>
-      <p:sp>
-        <p:nvSpPr>
-          <p:cNvPr id="8" name="TextBox 7"/>
-          <p:cNvSpPr txBox="1"/>
-          <p:nvPr/>
-        </p:nvSpPr>
-        <p:spPr bwMode="auto">
-          <a:xfrm>
-            <a:off x="6477000" y="4774168"/>
-            <a:ext cx="2667000" cy="369332"/>
-          </a:xfrm>
-          <a:prstGeom prst="rect">
-            <a:avLst/>
-          </a:prstGeom>
-          <a:noFill/>
-          <a:ln w="9525">
-            <a:noFill/>
-            <a:miter lim="800000"/>
-            <a:headEnd/>
-            <a:tailEnd/>
-          </a:ln>
-        </p:spPr>
-        <p:txBody>
-          <a:bodyPr wrap="square" rtlCol="0">
-            <a:spAutoFit/>
-          </a:bodyPr>
-          <a:lstStyle/>
-          <a:p>
-            <a:pPr algn="r"/>
-            <a:r>
-              <a:rPr lang="en-US" sz="900" b="0" u="none" dirty="0">
-                <a:solidFill>
-                  <a:srgbClr val="000000"/>
-                </a:solidFill>
-                <a:latin typeface="Calibri"/>
-                <a:cs typeface="Mangal" pitchFamily="18" charset="0"/>
-              </a:rPr>
-              <a:t>© </a:t>
-            </a:r>
-            <a:r>
-              <a:rPr lang="en-US" sz="900" b="0" u="none" dirty="0" err="1">
-                <a:solidFill>
-                  <a:srgbClr val="000000"/>
-                </a:solidFill>
-                <a:latin typeface="Calibri"/>
-                <a:cs typeface="Mangal" pitchFamily="18" charset="0"/>
-              </a:rPr>
-              <a:t>DEVintersection</a:t>
-            </a:r>
-            <a:r>
-              <a:rPr lang="en-US" sz="900" b="0" u="none" dirty="0">
-                <a:solidFill>
-                  <a:srgbClr val="000000"/>
-                </a:solidFill>
-                <a:latin typeface="Calibri"/>
-                <a:cs typeface="Mangal" pitchFamily="18" charset="0"/>
-              </a:rPr>
-              <a:t> 2017. All rights reserved.</a:t>
-            </a:r>
-          </a:p>
-          <a:p>
-            <a:pPr algn="r"/>
-            <a:r>
-              <a:rPr lang="en-US" sz="900" b="0" u="none">
-                <a:solidFill>
-                  <a:srgbClr val="000000"/>
-                </a:solidFill>
-                <a:latin typeface="Calibri"/>
-                <a:cs typeface="Mangal" pitchFamily="18" charset="0"/>
-              </a:rPr>
-              <a:t>https://</a:t>
-            </a:r>
-            <a:r>
-              <a:rPr lang="en-US" sz="900" b="0" u="none" dirty="0" err="1">
-                <a:solidFill>
-                  <a:srgbClr val="000000"/>
-                </a:solidFill>
-                <a:latin typeface="Calibri"/>
-                <a:cs typeface="Mangal" pitchFamily="18" charset="0"/>
-              </a:rPr>
-              <a:t>www.DEVintersection.com</a:t>
-            </a:r>
-            <a:r>
-              <a:rPr lang="en-US" sz="900" b="0" u="none" dirty="0">
-                <a:solidFill>
-                  <a:srgbClr val="000000"/>
-                </a:solidFill>
-                <a:latin typeface="Calibri"/>
-                <a:cs typeface="Mangal" pitchFamily="18" charset="0"/>
-              </a:rPr>
-              <a:t> </a:t>
-            </a:r>
-          </a:p>
-        </p:txBody>
-      </p:sp>
-    </p:spTree>
-    <p:extLst/>
-  </p:cSld>
-  <p:clrMapOvr>
-    <a:masterClrMapping/>
-  </p:clrMapOvr>
-  <p:transition>
-    <p:fade/>
-  </p:transition>
-  <p:timing>
-    <p:tnLst>
-      <p:par>
-        <p:cTn id="1" dur="indefinite" restart="never" nodeType="tmRoot">
-          <p:childTnLst>
-            <p:seq concurrent="1" nextAc="seek">
-              <p:cTn id="2" dur="indefinite" nodeType="mainSeq">
-                <p:childTnLst>
-                  <p:par>
-                    <p:cTn id="3" fill="hold">
-                      <p:stCondLst>
-                        <p:cond delay="indefinite"/>
-                        <p:cond evt="onBegin" delay="0">
-                          <p:tn val="2"/>
-                        </p:cond>
-                      </p:stCondLst>
-                      <p:childTnLst>
-                        <p:par>
-                          <p:cTn id="4" fill="hold">
-                            <p:stCondLst>
-                              <p:cond delay="0"/>
-                            </p:stCondLst>
-                            <p:childTnLst>
-                              <p:par>
-                                <p:cTn id="5" presetID="22" presetClass="entr" presetSubtype="8" fill="hold" grpId="0" nodeType="withEffect">
-                                  <p:stCondLst>
-                                    <p:cond delay="500"/>
-                                  </p:stCondLst>
-                                  <p:childTnLst>
-                                    <p:set>
-                                      <p:cBhvr>
-                                        <p:cTn id="6" dur="1" fill="hold">
-                                          <p:stCondLst>
-                                            <p:cond delay="0"/>
-                                          </p:stCondLst>
-                                        </p:cTn>
-                                        <p:tgtEl>
-                                          <p:spTgt spid="2"/>
-                                        </p:tgtEl>
-                                        <p:attrNameLst>
-                                          <p:attrName>style.visibility</p:attrName>
-                                        </p:attrNameLst>
-                                      </p:cBhvr>
-                                      <p:to>
-                                        <p:strVal val="visible"/>
-                                      </p:to>
-                                    </p:set>
-                                    <p:animEffect transition="in" filter="wipe(left)">
-                                      <p:cBhvr>
-                                        <p:cTn id="7" dur="2000"/>
-                                        <p:tgtEl>
-                                          <p:spTgt spid="2"/>
-                                        </p:tgtEl>
-                                      </p:cBhvr>
-                                    </p:animEffect>
-                                  </p:childTnLst>
-                                </p:cTn>
-                              </p:par>
-                            </p:childTnLst>
-                          </p:cTn>
-                        </p:par>
-                      </p:childTnLst>
-                    </p:cTn>
-                  </p:par>
-                </p:childTnLst>
-              </p:cTn>
-              <p:prevCondLst>
-                <p:cond evt="onPrev" delay="0">
-                  <p:tgtEl>
-                    <p:sldTgt/>
-                  </p:tgtEl>
-                </p:cond>
-              </p:prevCondLst>
-              <p:nextCondLst>
-                <p:cond evt="onNext" delay="0">
-                  <p:tgtEl>
-                    <p:sldTgt/>
-                  </p:tgtEl>
-                </p:cond>
-              </p:nextCondLst>
-            </p:seq>
-          </p:childTnLst>
-        </p:cTn>
-      </p:par>
-    </p:tnLst>
-    <p:bldLst>
-      <p:bldP spid="2" grpId="0"/>
-    </p:bldLst>
-  </p:timing>
 </p:sldLayout>
 </file>
 
 <file path=ppt/slideMasters/slideMaster1.xml><?xml version="1.0" encoding="utf-8"?>
-<p:sldMaster xmlns:a="http://schemas.openxmlformats.org/drawingml/2006/main" xmlns:r="http://schemas.openxmlformats.org/officeDocument/2006/relationships" xmlns:p="http://schemas.openxmlformats.org/presentationml/2006/main" preserve="1">
-  <p:cSld>
-    <p:bg>
-      <p:bgPr>
-        <a:solidFill>
-          <a:schemeClr val="bg1"/>
-        </a:solidFill>
-        <a:effectLst/>
-      </p:bgPr>
-    </p:bg>
-    <p:spTree>
-      <p:nvGrpSpPr>
-        <p:cNvPr id="1" name=""/>
-        <p:cNvGrpSpPr/>
-        <p:nvPr/>
-      </p:nvGrpSpPr>
-      <p:grpSpPr>
-        <a:xfrm>
-          <a:off x="0" y="0"/>
-          <a:ext cx="0" cy="0"/>
-          <a:chOff x="0" y="0"/>
-          <a:chExt cx="0" cy="0"/>
-        </a:xfrm>
-      </p:grpSpPr>
-      <p:sp>
-        <p:nvSpPr>
-          <p:cNvPr id="1027" name="Rectangle 1025"/>
-          <p:cNvSpPr>
-            <a:spLocks noGrp="1" noChangeArrowheads="1"/>
-          </p:cNvSpPr>
-          <p:nvPr>
-            <p:ph type="body" idx="1"/>
-          </p:nvPr>
-        </p:nvSpPr>
-        <p:spPr bwMode="auto">
-          <a:xfrm>
-            <a:off x="457200" y="1028700"/>
-            <a:ext cx="8229600" cy="3371850"/>
-          </a:xfrm>
-          <a:prstGeom prst="rect">
-            <a:avLst/>
-          </a:prstGeom>
-          <a:noFill/>
-          <a:ln w="9525">
-            <a:noFill/>
-            <a:miter lim="800000"/>
-            <a:headEnd/>
-            <a:tailEnd/>
-          </a:ln>
-        </p:spPr>
-        <p:txBody>
-          <a:bodyPr vert="horz" wrap="square" lIns="91440" tIns="45720" rIns="91440" bIns="45720" numCol="1" anchor="t" anchorCtr="0" compatLnSpc="1">
-            <a:prstTxWarp prst="textNoShape">
-              <a:avLst/>
-            </a:prstTxWarp>
-          </a:bodyPr>
-          <a:lstStyle/>
-          <a:p>
-            <a:pPr lvl="0"/>
-            <a:r>
-              <a:rPr lang="en-US"/>
-              <a:t>Click to edit Master text styles</a:t>
-            </a:r>
-          </a:p>
-          <a:p>
-            <a:pPr lvl="1"/>
-            <a:r>
-              <a:rPr lang="en-US"/>
-              <a:t>Second level</a:t>
-            </a:r>
-          </a:p>
-          <a:p>
-            <a:pPr lvl="2"/>
-            <a:r>
-              <a:rPr lang="en-US"/>
-              <a:t>Third level</a:t>
-            </a:r>
-          </a:p>
-          <a:p>
-            <a:pPr lvl="3"/>
-            <a:r>
-              <a:rPr lang="en-US"/>
-              <a:t>Fourth level</a:t>
-            </a:r>
-          </a:p>
-          <a:p>
-            <a:pPr lvl="4"/>
-            <a:r>
-              <a:rPr lang="en-US"/>
-              <a:t>Fifth level</a:t>
-            </a:r>
-            <a:endParaRPr lang="en-US" dirty="0"/>
-          </a:p>
-        </p:txBody>
-      </p:sp>
-      <p:sp>
-        <p:nvSpPr>
-          <p:cNvPr id="1028" name="Rectangle 1026"/>
-          <p:cNvSpPr>
-            <a:spLocks noGrp="1" noChangeArrowheads="1"/>
-          </p:cNvSpPr>
-          <p:nvPr>
-            <p:ph type="title"/>
-          </p:nvPr>
-        </p:nvSpPr>
-        <p:spPr bwMode="auto">
-          <a:xfrm>
-            <a:off x="457200" y="228600"/>
-            <a:ext cx="8229600" cy="571500"/>
-          </a:xfrm>
-          <a:prstGeom prst="rect">
-            <a:avLst/>
-          </a:prstGeom>
-          <a:noFill/>
-          <a:ln w="9525">
-            <a:noFill/>
-            <a:miter lim="800000"/>
-            <a:headEnd/>
-            <a:tailEnd/>
-          </a:ln>
-        </p:spPr>
-        <p:txBody>
-          <a:bodyPr vert="horz" wrap="square" lIns="91440" tIns="45720" rIns="91440" bIns="45720" numCol="1" anchor="ctr" anchorCtr="0" compatLnSpc="1">
-            <a:prstTxWarp prst="textNoShape">
-              <a:avLst/>
-            </a:prstTxWarp>
-          </a:bodyPr>
-          <a:lstStyle/>
-          <a:p>
-            <a:pPr lvl="0"/>
-            <a:r>
-              <a:rPr lang="en-US"/>
-              <a:t>Click to edit Master title style</a:t>
-            </a:r>
-            <a:endParaRPr lang="en-US" dirty="0"/>
-          </a:p>
-        </p:txBody>
-      </p:sp>
-    </p:spTree>
-    <p:extLst>
-      <p:ext uri="{BB962C8B-B14F-4D97-AF65-F5344CB8AC3E}">
-        <p14:creationId xmlns:p14="http://schemas.microsoft.com/office/powerpoint/2010/main" val="1494443241"/>
-      </p:ext>
-    </p:extLst>
-  </p:cSld>
-  <p:clrMap bg1="lt1" tx1="dk1" bg2="lt2" tx2="dk2" accent1="accent1" accent2="accent2" accent3="accent3" accent4="accent4" accent5="accent5" accent6="accent6" hlink="hlink" folHlink="folHlink"/>
-  <p:sldLayoutIdLst>
-    <p:sldLayoutId id="2147483694" r:id="rId1"/>
-    <p:sldLayoutId id="2147483695" r:id="rId2"/>
-    <p:sldLayoutId id="2147483696" r:id="rId3"/>
-    <p:sldLayoutId id="2147483697" r:id="rId4"/>
-    <p:sldLayoutId id="2147483698" r:id="rId5"/>
-    <p:sldLayoutId id="2147483699" r:id="rId6"/>
-    <p:sldLayoutId id="2147483700" r:id="rId7"/>
-    <p:sldLayoutId id="2147483701" r:id="rId8"/>
-    <p:sldLayoutId id="2147483702" r:id="rId9"/>
-    <p:sldLayoutId id="2147483703" r:id="rId10"/>
-  </p:sldLayoutIdLst>
-  <p:transition>
-    <p:fade/>
-  </p:transition>
-  <p:hf hdr="0" ftr="0" dt="0"/>
-  <p:txStyles>
-    <p:titleStyle>
-      <a:lvl1pPr marL="0" indent="0" algn="ctr" defTabSz="-13873163" rtl="0" eaLnBrk="1" fontAlgn="base" hangingPunct="1">
-        <a:spcBef>
-          <a:spcPct val="0"/>
-        </a:spcBef>
-        <a:spcAft>
-          <a:spcPct val="0"/>
-        </a:spcAft>
-        <a:defRPr lang="en-US" sz="2900" b="1" dirty="0" smtClean="0">
-          <a:solidFill>
-            <a:schemeClr val="tx2"/>
-          </a:solidFill>
-          <a:latin typeface="Calibri"/>
-          <a:ea typeface="+mj-ea"/>
-          <a:cs typeface="Segoe UI" pitchFamily="34" charset="0"/>
-        </a:defRPr>
-      </a:lvl1pPr>
-      <a:lvl2pPr marL="342900" indent="-342900" algn="ctr" defTabSz="-13873163" rtl="0" eaLnBrk="1" fontAlgn="base" hangingPunct="1">
-        <a:spcBef>
-          <a:spcPct val="0"/>
-        </a:spcBef>
-        <a:spcAft>
-          <a:spcPct val="0"/>
-        </a:spcAft>
-        <a:defRPr sz="2800" b="1">
-          <a:solidFill>
-            <a:schemeClr val="tx2"/>
-          </a:solidFill>
-          <a:latin typeface="Myriad Pro" pitchFamily="34" charset="0"/>
-          <a:cs typeface="Segoe UI" pitchFamily="34" charset="0"/>
-        </a:defRPr>
-      </a:lvl2pPr>
-      <a:lvl3pPr marL="342900" indent="-342900" algn="ctr" defTabSz="-13873163" rtl="0" eaLnBrk="1" fontAlgn="base" hangingPunct="1">
-        <a:spcBef>
-          <a:spcPct val="0"/>
-        </a:spcBef>
-        <a:spcAft>
-          <a:spcPct val="0"/>
-        </a:spcAft>
-        <a:defRPr sz="2800" b="1">
-          <a:solidFill>
-            <a:schemeClr val="tx2"/>
-          </a:solidFill>
-          <a:latin typeface="Myriad Pro" pitchFamily="34" charset="0"/>
-          <a:cs typeface="Segoe UI" pitchFamily="34" charset="0"/>
-        </a:defRPr>
-      </a:lvl3pPr>
-      <a:lvl4pPr marL="342900" indent="-342900" algn="ctr" defTabSz="-13873163" rtl="0" eaLnBrk="1" fontAlgn="base" hangingPunct="1">
-        <a:spcBef>
-          <a:spcPct val="0"/>
-        </a:spcBef>
-        <a:spcAft>
-          <a:spcPct val="0"/>
-        </a:spcAft>
-        <a:defRPr sz="2800" b="1">
-          <a:solidFill>
-            <a:schemeClr val="tx2"/>
-          </a:solidFill>
-          <a:latin typeface="Myriad Pro" pitchFamily="34" charset="0"/>
-          <a:cs typeface="Segoe UI" pitchFamily="34" charset="0"/>
-        </a:defRPr>
-      </a:lvl4pPr>
-      <a:lvl5pPr marL="342900" indent="-342900" algn="ctr" defTabSz="-13873163" rtl="0" eaLnBrk="1" fontAlgn="base" hangingPunct="1">
-        <a:spcBef>
-          <a:spcPct val="0"/>
-        </a:spcBef>
-        <a:spcAft>
-          <a:spcPct val="0"/>
-        </a:spcAft>
-        <a:defRPr sz="2800" b="1">
-          <a:solidFill>
-            <a:schemeClr val="tx2"/>
-          </a:solidFill>
-          <a:latin typeface="Myriad Pro" pitchFamily="34" charset="0"/>
-          <a:cs typeface="Segoe UI" pitchFamily="34" charset="0"/>
-        </a:defRPr>
-      </a:lvl5pPr>
-      <a:lvl6pPr marL="457200" algn="l" eaLnBrk="1" fontAlgn="base" hangingPunct="1">
-        <a:spcBef>
-          <a:spcPct val="0"/>
-        </a:spcBef>
-        <a:spcAft>
-          <a:spcPct val="0"/>
-        </a:spcAft>
-        <a:defRPr sz="2800" b="1">
-          <a:solidFill>
-            <a:schemeClr val="tx2">
-              <a:alpha val="100000"/>
-            </a:schemeClr>
-          </a:solidFill>
-          <a:latin typeface="Verdana"/>
-        </a:defRPr>
-      </a:lvl6pPr>
-      <a:lvl7pPr marL="914400" algn="l" eaLnBrk="1" fontAlgn="base" hangingPunct="1">
-        <a:spcBef>
-          <a:spcPct val="0"/>
-        </a:spcBef>
-        <a:spcAft>
-          <a:spcPct val="0"/>
-        </a:spcAft>
-        <a:defRPr sz="2800" b="1">
-          <a:solidFill>
-            <a:schemeClr val="tx2">
-              <a:alpha val="100000"/>
-            </a:schemeClr>
-          </a:solidFill>
-          <a:latin typeface="Verdana"/>
-        </a:defRPr>
-      </a:lvl7pPr>
-      <a:lvl8pPr marL="1371600" algn="l" eaLnBrk="1" fontAlgn="base" hangingPunct="1">
-        <a:spcBef>
-          <a:spcPct val="0"/>
-        </a:spcBef>
-        <a:spcAft>
-          <a:spcPct val="0"/>
-        </a:spcAft>
-        <a:defRPr sz="2800" b="1">
-          <a:solidFill>
-            <a:schemeClr val="tx2">
-              <a:alpha val="100000"/>
-            </a:schemeClr>
-          </a:solidFill>
-          <a:latin typeface="Verdana"/>
-        </a:defRPr>
-      </a:lvl8pPr>
-      <a:lvl9pPr marL="1828800" algn="l" eaLnBrk="1" fontAlgn="base" hangingPunct="1">
-        <a:spcBef>
-          <a:spcPct val="0"/>
-        </a:spcBef>
-        <a:spcAft>
-          <a:spcPct val="0"/>
-        </a:spcAft>
-        <a:defRPr sz="2800" b="1">
-          <a:solidFill>
-            <a:schemeClr val="tx2">
-              <a:alpha val="100000"/>
-            </a:schemeClr>
-          </a:solidFill>
-          <a:latin typeface="Verdana"/>
-        </a:defRPr>
-      </a:lvl9pPr>
-    </p:titleStyle>
-    <p:bodyStyle>
-      <a:lvl1pPr marL="342900" indent="-342900" algn="l" defTabSz="-13873163" rtl="0" eaLnBrk="1" fontAlgn="base" hangingPunct="1">
-        <a:spcBef>
-          <a:spcPct val="20000"/>
-        </a:spcBef>
-        <a:spcAft>
-          <a:spcPct val="0"/>
-        </a:spcAft>
-        <a:buFont typeface="Wingdings" pitchFamily="2" charset="2"/>
-        <a:buChar char="§"/>
-        <a:defRPr sz="2100" b="1">
-          <a:solidFill>
-            <a:schemeClr val="tx1"/>
-          </a:solidFill>
-          <a:latin typeface="Calibri" pitchFamily="34" charset="0"/>
-          <a:ea typeface="+mn-ea"/>
-          <a:cs typeface="Segoe UI" pitchFamily="34" charset="0"/>
-        </a:defRPr>
-      </a:lvl1pPr>
-      <a:lvl2pPr marL="742950" indent="-285750" algn="l" defTabSz="-13873163" rtl="0" eaLnBrk="1" fontAlgn="base" hangingPunct="1">
-        <a:spcBef>
-          <a:spcPct val="20000"/>
-        </a:spcBef>
-        <a:spcAft>
-          <a:spcPct val="0"/>
-        </a:spcAft>
-        <a:buSzPct val="50000"/>
-        <a:buFont typeface="Wingdings" pitchFamily="2" charset="2"/>
-        <a:buChar char="o"/>
-        <a:defRPr sz="1900">
-          <a:solidFill>
-            <a:schemeClr val="tx1"/>
-          </a:solidFill>
-          <a:latin typeface="Calibri Light" pitchFamily="34" charset="0"/>
-          <a:cs typeface="Segoe UI" pitchFamily="34" charset="0"/>
-        </a:defRPr>
-      </a:lvl2pPr>
-      <a:lvl3pPr marL="1143000" indent="-228600" algn="l" defTabSz="-13873163" rtl="0" eaLnBrk="1" fontAlgn="base" hangingPunct="1">
-        <a:spcBef>
-          <a:spcPct val="20000"/>
-        </a:spcBef>
-        <a:spcAft>
-          <a:spcPct val="0"/>
-        </a:spcAft>
-        <a:buSzPct val="50000"/>
-        <a:buFont typeface="Wingdings" pitchFamily="2" charset="2"/>
-        <a:buChar char="o"/>
-        <a:defRPr sz="1700">
-          <a:solidFill>
-            <a:schemeClr val="tx1"/>
-          </a:solidFill>
-          <a:latin typeface="Calibri Light" pitchFamily="34" charset="0"/>
-          <a:cs typeface="Segoe UI" pitchFamily="34" charset="0"/>
-        </a:defRPr>
-      </a:lvl3pPr>
-      <a:lvl4pPr marL="1600200" indent="-228600" algn="l" defTabSz="-13873163" rtl="0" eaLnBrk="1" fontAlgn="base" hangingPunct="1">
-        <a:spcBef>
-          <a:spcPct val="20000"/>
-        </a:spcBef>
-        <a:spcAft>
-          <a:spcPct val="0"/>
-        </a:spcAft>
-        <a:buSzPct val="50000"/>
-        <a:buFont typeface="Wingdings" pitchFamily="2" charset="2"/>
-        <a:buChar char="o"/>
-        <a:defRPr sz="1500">
-          <a:solidFill>
-            <a:schemeClr val="tx1"/>
-          </a:solidFill>
-          <a:latin typeface="Calibri Light" pitchFamily="34" charset="0"/>
-          <a:cs typeface="Segoe UI" pitchFamily="34" charset="0"/>
-        </a:defRPr>
-      </a:lvl4pPr>
-      <a:lvl5pPr marL="2057400" indent="-228600" algn="l" defTabSz="-13873163" rtl="0" eaLnBrk="1" fontAlgn="base" hangingPunct="1">
-        <a:spcBef>
-          <a:spcPct val="20000"/>
-        </a:spcBef>
-        <a:spcAft>
-          <a:spcPct val="0"/>
-        </a:spcAft>
-        <a:buSzPct val="50000"/>
-        <a:buFont typeface="Wingdings" pitchFamily="2" charset="2"/>
-        <a:buChar char="o"/>
-        <a:defRPr sz="1300">
-          <a:solidFill>
-            <a:schemeClr val="tx1"/>
-          </a:solidFill>
-          <a:latin typeface="Calibri Light" pitchFamily="34" charset="0"/>
-          <a:cs typeface="Segoe UI" pitchFamily="34" charset="0"/>
-        </a:defRPr>
-      </a:lvl5pPr>
-      <a:lvl6pPr marL="2514600" indent="-228600" algn="l" eaLnBrk="1" fontAlgn="base" hangingPunct="1">
-        <a:spcBef>
-          <a:spcPct val="20000"/>
-        </a:spcBef>
-        <a:spcAft>
-          <a:spcPct val="0"/>
-        </a:spcAft>
-        <a:buClr>
-          <a:schemeClr val="accent1">
-            <a:alpha val="100000"/>
-          </a:schemeClr>
-        </a:buClr>
-        <a:buFont typeface="Wingdings"/>
-        <a:buChar char=""/>
-        <a:defRPr sz="1400" b="1">
-          <a:solidFill>
-            <a:schemeClr val="tx1">
-              <a:alpha val="100000"/>
-            </a:schemeClr>
-          </a:solidFill>
-          <a:latin typeface="+mn-lt"/>
-        </a:defRPr>
-      </a:lvl6pPr>
-      <a:lvl7pPr marL="2971800" indent="-228600" algn="l" eaLnBrk="1" fontAlgn="base" hangingPunct="1">
-        <a:spcBef>
-          <a:spcPct val="20000"/>
-        </a:spcBef>
-        <a:spcAft>
-          <a:spcPct val="0"/>
-        </a:spcAft>
-        <a:buClr>
-          <a:schemeClr val="accent1">
-            <a:alpha val="100000"/>
-          </a:schemeClr>
-        </a:buClr>
-        <a:buFont typeface="Wingdings"/>
-        <a:buChar char=""/>
-        <a:defRPr sz="1400" b="1">
-          <a:solidFill>
-            <a:schemeClr val="tx1">
-              <a:alpha val="100000"/>
-            </a:schemeClr>
-          </a:solidFill>
-          <a:latin typeface="+mn-lt"/>
-        </a:defRPr>
-      </a:lvl7pPr>
-      <a:lvl8pPr marL="3429000" indent="-228600" algn="l" eaLnBrk="1" fontAlgn="base" hangingPunct="1">
-        <a:spcBef>
-          <a:spcPct val="20000"/>
-        </a:spcBef>
-        <a:spcAft>
-          <a:spcPct val="0"/>
-        </a:spcAft>
-        <a:buClr>
-          <a:schemeClr val="accent1">
-            <a:alpha val="100000"/>
-          </a:schemeClr>
-        </a:buClr>
-        <a:buFont typeface="Wingdings"/>
-        <a:buChar char=""/>
-        <a:defRPr sz="1400" b="1">
-          <a:solidFill>
-            <a:schemeClr val="tx1">
-              <a:alpha val="100000"/>
-            </a:schemeClr>
-          </a:solidFill>
-          <a:latin typeface="+mn-lt"/>
-        </a:defRPr>
-      </a:lvl8pPr>
-      <a:lvl9pPr marL="3886200" indent="-228600" algn="l" eaLnBrk="1" fontAlgn="base" hangingPunct="1">
-        <a:spcBef>
-          <a:spcPct val="20000"/>
-        </a:spcBef>
-        <a:spcAft>
-          <a:spcPct val="0"/>
-        </a:spcAft>
-        <a:buClr>
-          <a:schemeClr val="accent1">
-            <a:alpha val="100000"/>
-          </a:schemeClr>
-        </a:buClr>
-        <a:buFont typeface="Wingdings"/>
-        <a:buChar char=""/>
-        <a:defRPr sz="1400" b="1">
-          <a:solidFill>
-            <a:schemeClr val="tx1">
-              <a:alpha val="100000"/>
-            </a:schemeClr>
-          </a:solidFill>
-          <a:latin typeface="+mn-lt"/>
-        </a:defRPr>
-      </a:lvl9pPr>
-    </p:bodyStyle>
-    <p:otherStyle>
-      <a:lvl1pPr algn="l" eaLnBrk="1" fontAlgn="base" hangingPunct="1">
-        <a:spcBef>
-          <a:spcPct val="0"/>
-        </a:spcBef>
-        <a:spcAft>
-          <a:spcPct val="0"/>
-        </a:spcAft>
-        <a:defRPr>
-          <a:solidFill>
-            <a:schemeClr val="tx1">
-              <a:alpha val="100000"/>
-            </a:schemeClr>
-          </a:solidFill>
-          <a:latin typeface="Arial"/>
-        </a:defRPr>
-      </a:lvl1pPr>
-      <a:lvl2pPr marL="457200" algn="l" eaLnBrk="1" fontAlgn="base" hangingPunct="1">
-        <a:spcBef>
-          <a:spcPct val="0"/>
-        </a:spcBef>
-        <a:spcAft>
-          <a:spcPct val="0"/>
-        </a:spcAft>
-        <a:defRPr>
-          <a:solidFill>
-            <a:schemeClr val="tx1">
-              <a:alpha val="100000"/>
-            </a:schemeClr>
-          </a:solidFill>
-          <a:latin typeface="Arial"/>
-        </a:defRPr>
-      </a:lvl2pPr>
-      <a:lvl3pPr marL="914400" algn="l" eaLnBrk="1" fontAlgn="base" hangingPunct="1">
-        <a:spcBef>
-          <a:spcPct val="0"/>
-        </a:spcBef>
-        <a:spcAft>
-          <a:spcPct val="0"/>
-        </a:spcAft>
-        <a:defRPr>
-          <a:solidFill>
-            <a:schemeClr val="tx1">
-              <a:alpha val="100000"/>
-            </a:schemeClr>
-          </a:solidFill>
-          <a:latin typeface="Arial"/>
-        </a:defRPr>
-      </a:lvl3pPr>
-      <a:lvl4pPr marL="1371600" algn="l" eaLnBrk="1" fontAlgn="base" hangingPunct="1">
-        <a:spcBef>
-          <a:spcPct val="0"/>
-        </a:spcBef>
-        <a:spcAft>
-          <a:spcPct val="0"/>
-        </a:spcAft>
-        <a:defRPr>
-          <a:solidFill>
-            <a:schemeClr val="tx1">
-              <a:alpha val="100000"/>
-            </a:schemeClr>
-          </a:solidFill>
-          <a:latin typeface="Arial"/>
-        </a:defRPr>
-      </a:lvl4pPr>
-      <a:lvl5pPr marL="1828800" algn="l" eaLnBrk="1" fontAlgn="base" hangingPunct="1">
-        <a:spcBef>
-          <a:spcPct val="0"/>
-        </a:spcBef>
-        <a:spcAft>
-          <a:spcPct val="0"/>
-        </a:spcAft>
-        <a:defRPr>
-          <a:solidFill>
-            <a:schemeClr val="tx1">
-              <a:alpha val="100000"/>
-            </a:schemeClr>
-          </a:solidFill>
-          <a:latin typeface="Arial"/>
-        </a:defRPr>
-      </a:lvl5pPr>
-      <a:lvl6pPr marL="2286000" algn="l" eaLnBrk="1" fontAlgn="base" hangingPunct="1">
-        <a:spcBef>
-          <a:spcPct val="0"/>
-        </a:spcBef>
-        <a:spcAft>
-          <a:spcPct val="0"/>
-        </a:spcAft>
-        <a:defRPr>
-          <a:solidFill>
-            <a:schemeClr val="tx1">
-              <a:alpha val="100000"/>
-            </a:schemeClr>
-          </a:solidFill>
-          <a:latin typeface="Arial"/>
-        </a:defRPr>
-      </a:lvl6pPr>
-      <a:lvl7pPr marL="2743200" algn="l" eaLnBrk="1" fontAlgn="base" hangingPunct="1">
-        <a:spcBef>
-          <a:spcPct val="0"/>
-        </a:spcBef>
-        <a:spcAft>
-          <a:spcPct val="0"/>
-        </a:spcAft>
-        <a:defRPr>
-          <a:solidFill>
-            <a:schemeClr val="tx1">
-              <a:alpha val="100000"/>
-            </a:schemeClr>
-          </a:solidFill>
-          <a:latin typeface="Arial"/>
-        </a:defRPr>
-      </a:lvl7pPr>
-      <a:lvl8pPr marL="3200400" algn="l" eaLnBrk="1" fontAlgn="base" hangingPunct="1">
-        <a:spcBef>
-          <a:spcPct val="0"/>
-        </a:spcBef>
-        <a:spcAft>
-          <a:spcPct val="0"/>
-        </a:spcAft>
-        <a:defRPr>
-          <a:solidFill>
-            <a:schemeClr val="tx1">
-              <a:alpha val="100000"/>
-            </a:schemeClr>
-          </a:solidFill>
-          <a:latin typeface="Arial"/>
-        </a:defRPr>
-      </a:lvl8pPr>
-      <a:lvl9pPr marL="3657600" algn="l" eaLnBrk="1" fontAlgn="base" hangingPunct="1">
-        <a:spcBef>
-          <a:spcPct val="0"/>
-        </a:spcBef>
-        <a:spcAft>
-          <a:spcPct val="0"/>
-        </a:spcAft>
-        <a:defRPr>
-          <a:solidFill>
-            <a:schemeClr val="tx1">
-              <a:alpha val="100000"/>
-            </a:schemeClr>
-          </a:solidFill>
-          <a:latin typeface="Arial"/>
-        </a:defRPr>
-      </a:lvl9pPr>
-    </p:otherStyle>
-  </p:txStyles>
-</p:sldMaster>
-</file>
-
-<file path=ppt/slideMasters/slideMaster2.xml><?xml version="1.0" encoding="utf-8"?>
 <p:sldMaster xmlns:a="http://schemas.openxmlformats.org/drawingml/2006/main" xmlns:r="http://schemas.openxmlformats.org/officeDocument/2006/relationships" xmlns:p="http://schemas.openxmlformats.org/presentationml/2006/main">
   <p:cSld>
     <p:bg>
@@ -10430,9 +7290,9 @@
             </a:lvl1pPr>
           </a:lstStyle>
           <a:p>
-            <a:fld id="{B677B049-81B3-8345-B0F3-B6AA5B0D9F95}" type="datetimeFigureOut">
+            <a:fld id="{2561A8EC-B5F9-5E4D-A292-64F69A2F54C9}" type="datetime1">
               <a:rPr lang="en-US" smtClean="0"/>
-              <a:t>9/15/18</a:t>
+              <a:t>9/16/18</a:t>
             </a:fld>
             <a:endParaRPr lang="en-US"/>
           </a:p>
@@ -10467,17 +7327,22 @@
           <a:bodyPr vert="horz" lIns="91440" tIns="45720" rIns="91440" bIns="45720" rtlCol="0" anchor="ctr"/>
           <a:lstStyle>
             <a:lvl1pPr algn="ctr">
-              <a:defRPr sz="900">
+              <a:defRPr sz="1600">
                 <a:solidFill>
                   <a:schemeClr val="tx1">
                     <a:tint val="75000"/>
                   </a:schemeClr>
                 </a:solidFill>
+                <a:latin typeface="+mn-lt"/>
               </a:defRPr>
             </a:lvl1pPr>
           </a:lstStyle>
           <a:p>
-            <a:endParaRPr lang="en-US"/>
+            <a:r>
+              <a:rPr lang="en-US"/>
+              <a:t>@julielerman</a:t>
+            </a:r>
+            <a:endParaRPr lang="en-US" dirty="0"/>
           </a:p>
         </p:txBody>
       </p:sp>
@@ -10551,7 +7416,7 @@
     <p:sldLayoutId id="2147483730" r:id="rId12"/>
     <p:sldLayoutId id="2147483731" r:id="rId13"/>
   </p:sldLayoutIdLst>
-  <p:hf hdr="0" ftr="0" dt="0"/>
+  <p:hf sldNum="0" hdr="0" dt="0"/>
   <p:txStyles>
     <p:titleStyle>
       <a:lvl1pPr algn="l" defTabSz="685800" rtl="0" eaLnBrk="1" latinLnBrk="0" hangingPunct="1">
@@ -11122,13 +7987,13 @@
             <a:spLocks noGrp="1"/>
           </p:cNvSpPr>
           <p:nvPr>
-            <p:ph type="title"/>
+            <p:ph type="title" idx="4294967295"/>
           </p:nvPr>
         </p:nvSpPr>
         <p:spPr>
           <a:xfrm>
-            <a:off x="685800" y="128886"/>
-            <a:ext cx="7886700" cy="994172"/>
+            <a:off x="1257300" y="128588"/>
+            <a:ext cx="7886700" cy="993775"/>
           </a:xfrm>
         </p:spPr>
         <p:txBody>
@@ -11699,6 +8564,34 @@
           </a:p>
         </p:txBody>
       </p:sp>
+      <p:sp>
+        <p:nvSpPr>
+          <p:cNvPr id="3" name="Footer Placeholder 2">
+            <a:extLst>
+              <a:ext uri="{FF2B5EF4-FFF2-40B4-BE49-F238E27FC236}">
+                <a16:creationId xmlns:a16="http://schemas.microsoft.com/office/drawing/2014/main" id="{ADFC9BC3-A9D3-1B4E-A39D-9B7CDCE90319}"/>
+              </a:ext>
+            </a:extLst>
+          </p:cNvPr>
+          <p:cNvSpPr>
+            <a:spLocks noGrp="1"/>
+          </p:cNvSpPr>
+          <p:nvPr>
+            <p:ph type="ftr" sz="quarter" idx="11"/>
+          </p:nvPr>
+        </p:nvSpPr>
+        <p:spPr/>
+        <p:txBody>
+          <a:bodyPr/>
+          <a:lstStyle/>
+          <a:p>
+            <a:r>
+              <a:rPr lang="en-US"/>
+              <a:t>@julielerman</a:t>
+            </a:r>
+          </a:p>
+        </p:txBody>
+      </p:sp>
     </p:spTree>
     <p:extLst>
       <p:ext uri="{BB962C8B-B14F-4D97-AF65-F5344CB8AC3E}">
@@ -11709,9 +8602,6 @@
   <p:clrMapOvr>
     <a:masterClrMapping/>
   </p:clrMapOvr>
-  <p:transition>
-    <p:fade/>
-  </p:transition>
   <p:timing>
     <p:tnLst>
       <p:par>
@@ -12189,6 +9079,34 @@
           </a:p>
         </p:txBody>
       </p:sp>
+      <p:sp>
+        <p:nvSpPr>
+          <p:cNvPr id="2" name="Footer Placeholder 1">
+            <a:extLst>
+              <a:ext uri="{FF2B5EF4-FFF2-40B4-BE49-F238E27FC236}">
+                <a16:creationId xmlns:a16="http://schemas.microsoft.com/office/drawing/2014/main" id="{70A6004B-4340-1E46-8A6A-A70843609DC8}"/>
+              </a:ext>
+            </a:extLst>
+          </p:cNvPr>
+          <p:cNvSpPr>
+            <a:spLocks noGrp="1"/>
+          </p:cNvSpPr>
+          <p:nvPr>
+            <p:ph type="ftr" sz="quarter" idx="11"/>
+          </p:nvPr>
+        </p:nvSpPr>
+        <p:spPr/>
+        <p:txBody>
+          <a:bodyPr/>
+          <a:lstStyle/>
+          <a:p>
+            <a:r>
+              <a:rPr lang="en-US"/>
+              <a:t>@julielerman</a:t>
+            </a:r>
+          </a:p>
+        </p:txBody>
+      </p:sp>
     </p:spTree>
     <p:extLst>
       <p:ext uri="{BB962C8B-B14F-4D97-AF65-F5344CB8AC3E}">
@@ -12873,6 +9791,34 @@
           </a:extLst>
         </p:spPr>
       </p:pic>
+      <p:sp>
+        <p:nvSpPr>
+          <p:cNvPr id="3" name="Footer Placeholder 2">
+            <a:extLst>
+              <a:ext uri="{FF2B5EF4-FFF2-40B4-BE49-F238E27FC236}">
+                <a16:creationId xmlns:a16="http://schemas.microsoft.com/office/drawing/2014/main" id="{5BECE671-4238-1345-A558-819BB3EED790}"/>
+              </a:ext>
+            </a:extLst>
+          </p:cNvPr>
+          <p:cNvSpPr>
+            <a:spLocks noGrp="1"/>
+          </p:cNvSpPr>
+          <p:nvPr>
+            <p:ph type="ftr" sz="quarter" idx="11"/>
+          </p:nvPr>
+        </p:nvSpPr>
+        <p:spPr/>
+        <p:txBody>
+          <a:bodyPr/>
+          <a:lstStyle/>
+          <a:p>
+            <a:r>
+              <a:rPr lang="en-US"/>
+              <a:t>@julielerman</a:t>
+            </a:r>
+          </a:p>
+        </p:txBody>
+      </p:sp>
     </p:spTree>
     <p:extLst>
       <p:ext uri="{BB962C8B-B14F-4D97-AF65-F5344CB8AC3E}">
@@ -12905,35 +9851,6 @@
       </p:grpSpPr>
       <p:sp>
         <p:nvSpPr>
-          <p:cNvPr id="2" name="Slide Number Placeholder 1">
-            <a:extLst>
-              <a:ext uri="{FF2B5EF4-FFF2-40B4-BE49-F238E27FC236}">
-                <a16:creationId xmlns:a16="http://schemas.microsoft.com/office/drawing/2014/main" id="{6B506ECD-A7BC-684C-8DDB-194F700398D5}"/>
-              </a:ext>
-            </a:extLst>
-          </p:cNvPr>
-          <p:cNvSpPr>
-            <a:spLocks noGrp="1"/>
-          </p:cNvSpPr>
-          <p:nvPr>
-            <p:ph type="sldNum" sz="quarter" idx="12"/>
-          </p:nvPr>
-        </p:nvSpPr>
-        <p:spPr/>
-        <p:txBody>
-          <a:bodyPr/>
-          <a:lstStyle/>
-          <a:p>
-            <a:fld id="{C974B151-4683-DF4D-9DBD-22235BEE5E71}" type="slidenum">
-              <a:rPr lang="en-US" smtClean="0"/>
-              <a:t>3</a:t>
-            </a:fld>
-            <a:endParaRPr lang="en-US"/>
-          </a:p>
-        </p:txBody>
-      </p:sp>
-      <p:sp>
-        <p:nvSpPr>
           <p:cNvPr id="3" name="Title 2">
             <a:extLst>
               <a:ext uri="{FF2B5EF4-FFF2-40B4-BE49-F238E27FC236}">
@@ -12964,6 +9881,34 @@
             <a:r>
               <a:rPr lang="en-US" dirty="0"/>
               <a:t>Yes, there’s a server … somewhere</a:t>
+            </a:r>
+          </a:p>
+        </p:txBody>
+      </p:sp>
+      <p:sp>
+        <p:nvSpPr>
+          <p:cNvPr id="5" name="Footer Placeholder 4">
+            <a:extLst>
+              <a:ext uri="{FF2B5EF4-FFF2-40B4-BE49-F238E27FC236}">
+                <a16:creationId xmlns:a16="http://schemas.microsoft.com/office/drawing/2014/main" id="{AC56A6CE-6717-E740-9412-824F23A11187}"/>
+              </a:ext>
+            </a:extLst>
+          </p:cNvPr>
+          <p:cNvSpPr>
+            <a:spLocks noGrp="1"/>
+          </p:cNvSpPr>
+          <p:nvPr>
+            <p:ph type="ftr" sz="quarter" idx="11"/>
+          </p:nvPr>
+        </p:nvSpPr>
+        <p:spPr/>
+        <p:txBody>
+          <a:bodyPr/>
+          <a:lstStyle/>
+          <a:p>
+            <a:r>
+              <a:rPr lang="en-US"/>
+              <a:t>@julielerman</a:t>
             </a:r>
           </a:p>
         </p:txBody>
@@ -13103,10 +10048,10 @@
       </p:sp>
       <p:sp>
         <p:nvSpPr>
-          <p:cNvPr id="2" name="Slide Number Placeholder 1">
+          <p:cNvPr id="3" name="Footer Placeholder 2">
             <a:extLst>
               <a:ext uri="{FF2B5EF4-FFF2-40B4-BE49-F238E27FC236}">
-                <a16:creationId xmlns:a16="http://schemas.microsoft.com/office/drawing/2014/main" id="{FD46F92B-FF14-C740-93EA-A33ECCC321BC}"/>
+                <a16:creationId xmlns:a16="http://schemas.microsoft.com/office/drawing/2014/main" id="{AA751897-8773-D143-AD2E-1C883D626D52}"/>
               </a:ext>
             </a:extLst>
           </p:cNvPr>
@@ -13114,7 +10059,7 @@
             <a:spLocks noGrp="1"/>
           </p:cNvSpPr>
           <p:nvPr>
-            <p:ph type="sldNum" sz="quarter" idx="12"/>
+            <p:ph type="ftr" sz="quarter" idx="11"/>
           </p:nvPr>
         </p:nvSpPr>
         <p:spPr/>
@@ -13122,11 +10067,10 @@
           <a:bodyPr/>
           <a:lstStyle/>
           <a:p>
-            <a:fld id="{C974B151-4683-DF4D-9DBD-22235BEE5E71}" type="slidenum">
-              <a:rPr lang="en-US" smtClean="0"/>
-              <a:t>4</a:t>
-            </a:fld>
-            <a:endParaRPr lang="en-US"/>
+            <a:r>
+              <a:rPr lang="en-US"/>
+              <a:t>@julielerman</a:t>
+            </a:r>
           </a:p>
         </p:txBody>
       </p:sp>
@@ -13192,35 +10136,6 @@
       </p:pic>
       <p:sp>
         <p:nvSpPr>
-          <p:cNvPr id="4" name="Slide Number Placeholder 3">
-            <a:extLst>
-              <a:ext uri="{FF2B5EF4-FFF2-40B4-BE49-F238E27FC236}">
-                <a16:creationId xmlns:a16="http://schemas.microsoft.com/office/drawing/2014/main" id="{25A22F34-60CF-B144-90DF-68CAC6ED3F1D}"/>
-              </a:ext>
-            </a:extLst>
-          </p:cNvPr>
-          <p:cNvSpPr>
-            <a:spLocks noGrp="1"/>
-          </p:cNvSpPr>
-          <p:nvPr>
-            <p:ph type="sldNum" sz="quarter" idx="12"/>
-          </p:nvPr>
-        </p:nvSpPr>
-        <p:spPr/>
-        <p:txBody>
-          <a:bodyPr/>
-          <a:lstStyle/>
-          <a:p>
-            <a:fld id="{C974B151-4683-DF4D-9DBD-22235BEE5E71}" type="slidenum">
-              <a:rPr lang="en-US" smtClean="0"/>
-              <a:t>5</a:t>
-            </a:fld>
-            <a:endParaRPr lang="en-US"/>
-          </a:p>
-        </p:txBody>
-      </p:sp>
-      <p:sp>
-        <p:nvSpPr>
           <p:cNvPr id="8" name="TextBox 7">
             <a:extLst>
               <a:ext uri="{FF2B5EF4-FFF2-40B4-BE49-F238E27FC236}">
@@ -13404,6 +10319,34 @@
             <a:r>
               <a:rPr lang="en-US" dirty="0"/>
               <a:t>The “Big Guns”</a:t>
+            </a:r>
+          </a:p>
+        </p:txBody>
+      </p:sp>
+      <p:sp>
+        <p:nvSpPr>
+          <p:cNvPr id="3" name="Footer Placeholder 2">
+            <a:extLst>
+              <a:ext uri="{FF2B5EF4-FFF2-40B4-BE49-F238E27FC236}">
+                <a16:creationId xmlns:a16="http://schemas.microsoft.com/office/drawing/2014/main" id="{B6767E72-A062-F747-98D8-07A7E6E63145}"/>
+              </a:ext>
+            </a:extLst>
+          </p:cNvPr>
+          <p:cNvSpPr>
+            <a:spLocks noGrp="1"/>
+          </p:cNvSpPr>
+          <p:nvPr>
+            <p:ph type="ftr" sz="quarter" idx="11"/>
+          </p:nvPr>
+        </p:nvSpPr>
+        <p:spPr/>
+        <p:txBody>
+          <a:bodyPr/>
+          <a:lstStyle/>
+          <a:p>
+            <a:r>
+              <a:rPr lang="en-US"/>
+              <a:t>@julielerman</a:t>
             </a:r>
           </a:p>
         </p:txBody>
@@ -13440,35 +10383,6 @@
       </p:grpSpPr>
       <p:sp>
         <p:nvSpPr>
-          <p:cNvPr id="2" name="Slide Number Placeholder 1">
-            <a:extLst>
-              <a:ext uri="{FF2B5EF4-FFF2-40B4-BE49-F238E27FC236}">
-                <a16:creationId xmlns:a16="http://schemas.microsoft.com/office/drawing/2014/main" id="{3F8D7381-534D-144E-A041-6417896F3CA8}"/>
-              </a:ext>
-            </a:extLst>
-          </p:cNvPr>
-          <p:cNvSpPr>
-            <a:spLocks noGrp="1"/>
-          </p:cNvSpPr>
-          <p:nvPr>
-            <p:ph type="sldNum" sz="quarter" idx="12"/>
-          </p:nvPr>
-        </p:nvSpPr>
-        <p:spPr/>
-        <p:txBody>
-          <a:bodyPr/>
-          <a:lstStyle/>
-          <a:p>
-            <a:fld id="{C974B151-4683-DF4D-9DBD-22235BEE5E71}" type="slidenum">
-              <a:rPr lang="en-US" smtClean="0"/>
-              <a:t>6</a:t>
-            </a:fld>
-            <a:endParaRPr lang="en-US"/>
-          </a:p>
-        </p:txBody>
-      </p:sp>
-      <p:sp>
-        <p:nvSpPr>
           <p:cNvPr id="9" name="TextBox 8">
             <a:extLst>
               <a:ext uri="{FF2B5EF4-FFF2-40B4-BE49-F238E27FC236}">
@@ -13825,6 +10739,34 @@
             <a:r>
               <a:rPr lang="en-US" dirty="0"/>
               <a:t>Your only real effort</a:t>
+            </a:r>
+          </a:p>
+        </p:txBody>
+      </p:sp>
+      <p:sp>
+        <p:nvSpPr>
+          <p:cNvPr id="3" name="Footer Placeholder 2">
+            <a:extLst>
+              <a:ext uri="{FF2B5EF4-FFF2-40B4-BE49-F238E27FC236}">
+                <a16:creationId xmlns:a16="http://schemas.microsoft.com/office/drawing/2014/main" id="{A9D6384B-797E-364E-9502-5F492032F566}"/>
+              </a:ext>
+            </a:extLst>
+          </p:cNvPr>
+          <p:cNvSpPr>
+            <a:spLocks noGrp="1"/>
+          </p:cNvSpPr>
+          <p:nvPr>
+            <p:ph type="ftr" sz="quarter" idx="11"/>
+          </p:nvPr>
+        </p:nvSpPr>
+        <p:spPr/>
+        <p:txBody>
+          <a:bodyPr/>
+          <a:lstStyle/>
+          <a:p>
+            <a:r>
+              <a:rPr lang="en-US"/>
+              <a:t>@julielerman</a:t>
             </a:r>
           </a:p>
         </p:txBody>
@@ -14298,60 +11240,6 @@
       </p:grpSpPr>
       <p:sp>
         <p:nvSpPr>
-          <p:cNvPr id="20" name="Rounded Rectangle 19">
-            <a:extLst>
-              <a:ext uri="{FF2B5EF4-FFF2-40B4-BE49-F238E27FC236}">
-                <a16:creationId xmlns:a16="http://schemas.microsoft.com/office/drawing/2014/main" id="{CD2CA915-E9B5-BB42-847B-D8AFCD59C7A3}"/>
-              </a:ext>
-            </a:extLst>
-          </p:cNvPr>
-          <p:cNvSpPr/>
-          <p:nvPr/>
-        </p:nvSpPr>
-        <p:spPr>
-          <a:xfrm>
-            <a:off x="3846095" y="3093118"/>
-            <a:ext cx="2514600" cy="1676400"/>
-          </a:xfrm>
-          <a:prstGeom prst="roundRect">
-            <a:avLst/>
-          </a:prstGeom>
-          <a:ln>
-            <a:solidFill>
-              <a:schemeClr val="bg1"/>
-            </a:solidFill>
-          </a:ln>
-        </p:spPr>
-        <p:style>
-          <a:lnRef idx="2">
-            <a:schemeClr val="accent1">
-              <a:shade val="50000"/>
-            </a:schemeClr>
-          </a:lnRef>
-          <a:fillRef idx="1">
-            <a:schemeClr val="accent1"/>
-          </a:fillRef>
-          <a:effectRef idx="0">
-            <a:schemeClr val="accent1"/>
-          </a:effectRef>
-          <a:fontRef idx="minor">
-            <a:schemeClr val="lt1"/>
-          </a:fontRef>
-        </p:style>
-        <p:txBody>
-          <a:bodyPr rtlCol="0" anchor="ctr"/>
-          <a:lstStyle/>
-          <a:p>
-            <a:pPr algn="ctr"/>
-            <a:r>
-              <a:rPr lang="en-US" sz="4000" b="1" dirty="0"/>
-              <a:t>Function</a:t>
-            </a:r>
-          </a:p>
-        </p:txBody>
-      </p:sp>
-      <p:sp>
-        <p:nvSpPr>
           <p:cNvPr id="5" name="TextBox 4">
             <a:extLst>
               <a:ext uri="{FF2B5EF4-FFF2-40B4-BE49-F238E27FC236}">
@@ -14403,8 +11291,8 @@
         </p:nvSpPr>
         <p:spPr>
           <a:xfrm>
-            <a:off x="685800" y="1123950"/>
-            <a:ext cx="7848600" cy="3657600"/>
+            <a:off x="685800" y="1239755"/>
+            <a:ext cx="7848600" cy="3465595"/>
           </a:xfrm>
           <a:prstGeom prst="rect">
             <a:avLst/>
@@ -14732,6 +11620,34 @@
           </a:p>
         </p:txBody>
       </p:sp>
+      <p:sp>
+        <p:nvSpPr>
+          <p:cNvPr id="2" name="Footer Placeholder 1">
+            <a:extLst>
+              <a:ext uri="{FF2B5EF4-FFF2-40B4-BE49-F238E27FC236}">
+                <a16:creationId xmlns:a16="http://schemas.microsoft.com/office/drawing/2014/main" id="{D1514A10-D02F-834B-843B-1F0CD6D6160F}"/>
+              </a:ext>
+            </a:extLst>
+          </p:cNvPr>
+          <p:cNvSpPr>
+            <a:spLocks noGrp="1"/>
+          </p:cNvSpPr>
+          <p:nvPr>
+            <p:ph type="ftr" sz="quarter" idx="11"/>
+          </p:nvPr>
+        </p:nvSpPr>
+        <p:spPr/>
+        <p:txBody>
+          <a:bodyPr/>
+          <a:lstStyle/>
+          <a:p>
+            <a:r>
+              <a:rPr lang="en-US"/>
+              <a:t>@julielerman</a:t>
+            </a:r>
+          </a:p>
+        </p:txBody>
+      </p:sp>
     </p:spTree>
     <p:extLst>
       <p:ext uri="{BB962C8B-B14F-4D97-AF65-F5344CB8AC3E}">
@@ -14934,6 +11850,34 @@
           </a:p>
         </p:txBody>
       </p:sp>
+      <p:sp>
+        <p:nvSpPr>
+          <p:cNvPr id="2" name="Footer Placeholder 1">
+            <a:extLst>
+              <a:ext uri="{FF2B5EF4-FFF2-40B4-BE49-F238E27FC236}">
+                <a16:creationId xmlns:a16="http://schemas.microsoft.com/office/drawing/2014/main" id="{15627C09-5E48-684F-BA79-D3346BEB1513}"/>
+              </a:ext>
+            </a:extLst>
+          </p:cNvPr>
+          <p:cNvSpPr>
+            <a:spLocks noGrp="1"/>
+          </p:cNvSpPr>
+          <p:nvPr>
+            <p:ph type="ftr" sz="quarter" idx="11"/>
+          </p:nvPr>
+        </p:nvSpPr>
+        <p:spPr/>
+        <p:txBody>
+          <a:bodyPr/>
+          <a:lstStyle/>
+          <a:p>
+            <a:r>
+              <a:rPr lang="en-US"/>
+              <a:t>@julielerman</a:t>
+            </a:r>
+          </a:p>
+        </p:txBody>
+      </p:sp>
     </p:spTree>
     <p:extLst>
       <p:ext uri="{BB962C8B-B14F-4D97-AF65-F5344CB8AC3E}">
@@ -14948,783 +11892,6 @@
 </file>
 
 <file path=ppt/theme/theme1.xml><?xml version="1.0" encoding="utf-8"?>
-<a:theme xmlns:a="http://schemas.openxmlformats.org/drawingml/2006/main" name="1_SQLintersection">
-  <a:themeElements>
-    <a:clrScheme name="DEV">
-      <a:dk1>
-        <a:srgbClr val="000000"/>
-      </a:dk1>
-      <a:lt1>
-        <a:srgbClr val="FFFFFF"/>
-      </a:lt1>
-      <a:dk2>
-        <a:srgbClr val="373545"/>
-      </a:dk2>
-      <a:lt2>
-        <a:srgbClr val="CEDBE6"/>
-      </a:lt2>
-      <a:accent1>
-        <a:srgbClr val="4F9F9A"/>
-      </a:accent1>
-      <a:accent2>
-        <a:srgbClr val="93BEBA"/>
-      </a:accent2>
-      <a:accent3>
-        <a:srgbClr val="582865"/>
-      </a:accent3>
-      <a:accent4>
-        <a:srgbClr val="8A688E"/>
-      </a:accent4>
-      <a:accent5>
-        <a:srgbClr val="379ECC"/>
-      </a:accent5>
-      <a:accent6>
-        <a:srgbClr val="8ABCDB"/>
-      </a:accent6>
-      <a:hlink>
-        <a:srgbClr val="3194B1"/>
-      </a:hlink>
-      <a:folHlink>
-        <a:srgbClr val="B282AD"/>
-      </a:folHlink>
-    </a:clrScheme>
-    <a:fontScheme name="Office 2">
-      <a:majorFont>
-        <a:latin typeface="Calibri"/>
-        <a:ea typeface=""/>
-        <a:cs typeface=""/>
-        <a:font script="Jpan" typeface="HGｺﾞｼｯｸM"/>
-        <a:font script="Hang" typeface="맑은 고딕"/>
-        <a:font script="Hans" typeface="宋体"/>
-        <a:font script="Hant" typeface="新細明體"/>
-        <a:font script="Arab" typeface="Arial"/>
-        <a:font script="Hebr" typeface="Arial"/>
-        <a:font script="Thai" typeface="Cordia New"/>
-        <a:font script="Ethi" typeface="Nyala"/>
-        <a:font script="Beng" typeface="Vrinda"/>
-        <a:font script="Gujr" typeface="Shruti"/>
-        <a:font script="Khmr" typeface="DaunPenh"/>
-        <a:font script="Knda" typeface="Tunga"/>
-        <a:font script="Guru" typeface="Raavi"/>
-        <a:font script="Cans" typeface="Euphemia"/>
-        <a:font script="Cher" typeface="Plantagenet Cherokee"/>
-        <a:font script="Yiii" typeface="Microsoft Yi Baiti"/>
-        <a:font script="Tibt" typeface="Microsoft Himalaya"/>
-        <a:font script="Thaa" typeface="MV Boli"/>
-        <a:font script="Deva" typeface="Mangal"/>
-        <a:font script="Telu" typeface="Gautami"/>
-        <a:font script="Taml" typeface="Latha"/>
-        <a:font script="Syrc" typeface="Estrangelo Edessa"/>
-        <a:font script="Orya" typeface="Kalinga"/>
-        <a:font script="Mlym" typeface="Kartika"/>
-        <a:font script="Laoo" typeface="DokChampa"/>
-        <a:font script="Sinh" typeface="Iskoola Pota"/>
-        <a:font script="Mong" typeface="Mongolian Baiti"/>
-        <a:font script="Viet" typeface="Tahoma"/>
-        <a:font script="Uigh" typeface="Microsoft Uighur"/>
-        <a:font script="Geor" typeface="Sylfaen"/>
-      </a:majorFont>
-      <a:minorFont>
-        <a:latin typeface="Cambria"/>
-        <a:ea typeface=""/>
-        <a:cs typeface=""/>
-        <a:font script="Jpan" typeface="HG明朝B"/>
-        <a:font script="Hang" typeface="맑은 고딕"/>
-        <a:font script="Hans" typeface="黑体"/>
-        <a:font script="Hant" typeface="新細明體"/>
-        <a:font script="Arab" typeface="Times New Roman"/>
-        <a:font script="Hebr" typeface="Times New Roman"/>
-        <a:font script="Thai" typeface="Angsana New"/>
-        <a:font script="Ethi" typeface="Nyala"/>
-        <a:font script="Beng" typeface="Vrinda"/>
-        <a:font script="Gujr" typeface="Shruti"/>
-        <a:font script="Khmr" typeface="MoolBoran"/>
-        <a:font script="Knda" typeface="Tunga"/>
-        <a:font script="Guru" typeface="Raavi"/>
-        <a:font script="Cans" typeface="Euphemia"/>
-        <a:font script="Cher" typeface="Plantagenet Cherokee"/>
-        <a:font script="Yiii" typeface="Microsoft Yi Baiti"/>
-        <a:font script="Tibt" typeface="Microsoft Himalaya"/>
-        <a:font script="Thaa" typeface="MV Boli"/>
-        <a:font script="Deva" typeface="Mangal"/>
-        <a:font script="Telu" typeface="Gautami"/>
-        <a:font script="Taml" typeface="Latha"/>
-        <a:font script="Syrc" typeface="Estrangelo Edessa"/>
-        <a:font script="Orya" typeface="Kalinga"/>
-        <a:font script="Mlym" typeface="Kartika"/>
-        <a:font script="Laoo" typeface="DokChampa"/>
-        <a:font script="Sinh" typeface="Iskoola Pota"/>
-        <a:font script="Mong" typeface="Mongolian Baiti"/>
-        <a:font script="Viet" typeface="Times New Roman"/>
-        <a:font script="Uigh" typeface="Microsoft Uighur"/>
-        <a:font script="Geor" typeface="Sylfaen"/>
-      </a:minorFont>
-    </a:fontScheme>
-    <a:fmtScheme name="Office">
-      <a:fillStyleLst>
-        <a:solidFill>
-          <a:schemeClr val="phClr"/>
-        </a:solidFill>
-        <a:gradFill rotWithShape="1">
-          <a:gsLst>
-            <a:gs pos="0">
-              <a:schemeClr val="phClr">
-                <a:tint val="50000"/>
-                <a:satMod val="300000"/>
-              </a:schemeClr>
-            </a:gs>
-            <a:gs pos="35000">
-              <a:schemeClr val="phClr">
-                <a:tint val="37000"/>
-                <a:satMod val="300000"/>
-              </a:schemeClr>
-            </a:gs>
-            <a:gs pos="100000">
-              <a:schemeClr val="phClr">
-                <a:tint val="15000"/>
-                <a:satMod val="350000"/>
-              </a:schemeClr>
-            </a:gs>
-          </a:gsLst>
-          <a:lin ang="16200000" scaled="1"/>
-        </a:gradFill>
-        <a:gradFill rotWithShape="1">
-          <a:gsLst>
-            <a:gs pos="0">
-              <a:schemeClr val="phClr">
-                <a:shade val="40000"/>
-                <a:satMod val="155000"/>
-              </a:schemeClr>
-            </a:gs>
-            <a:gs pos="65000">
-              <a:schemeClr val="phClr">
-                <a:shade val="85000"/>
-                <a:satMod val="155000"/>
-              </a:schemeClr>
-            </a:gs>
-            <a:gs pos="100000">
-              <a:schemeClr val="phClr">
-                <a:shade val="95000"/>
-                <a:satMod val="155000"/>
-              </a:schemeClr>
-            </a:gs>
-          </a:gsLst>
-          <a:lin ang="16200000" scaled="0"/>
-        </a:gradFill>
-      </a:fillStyleLst>
-      <a:lnStyleLst>
-        <a:ln w="6350" cap="rnd" cmpd="sng" algn="ctr">
-          <a:solidFill>
-            <a:schemeClr val="phClr">
-              <a:shade val="95000"/>
-              <a:satMod val="105000"/>
-            </a:schemeClr>
-          </a:solidFill>
-          <a:prstDash val="solid"/>
-        </a:ln>
-        <a:ln w="25400" cap="rnd" cmpd="sng" algn="ctr">
-          <a:solidFill>
-            <a:schemeClr val="phClr"/>
-          </a:solidFill>
-          <a:prstDash val="solid"/>
-        </a:ln>
-        <a:ln w="34925" cap="rnd" cmpd="sng" algn="ctr">
-          <a:solidFill>
-            <a:schemeClr val="phClr"/>
-          </a:solidFill>
-          <a:prstDash val="solid"/>
-        </a:ln>
-      </a:lnStyleLst>
-      <a:effectStyleLst>
-        <a:effectStyle>
-          <a:effectLst>
-            <a:outerShdw blurRad="50800" algn="tl" rotWithShape="0">
-              <a:srgbClr val="000000">
-                <a:alpha val="64000"/>
-              </a:srgbClr>
-            </a:outerShdw>
-          </a:effectLst>
-        </a:effectStyle>
-        <a:effectStyle>
-          <a:effectLst>
-            <a:outerShdw blurRad="39000" dist="25400" dir="5400000">
-              <a:srgbClr val="000000">
-                <a:alpha val="35000"/>
-              </a:srgbClr>
-            </a:outerShdw>
-          </a:effectLst>
-        </a:effectStyle>
-        <a:effectStyle>
-          <a:effectLst>
-            <a:outerShdw blurRad="39000" dist="25400" dir="5400000">
-              <a:srgbClr val="000000">
-                <a:alpha val="35000"/>
-              </a:srgbClr>
-            </a:outerShdw>
-          </a:effectLst>
-          <a:scene3d>
-            <a:camera prst="orthographicFront" fov="0">
-              <a:rot lat="0" lon="0" rev="0"/>
-            </a:camera>
-            <a:lightRig rig="threePt" dir="t">
-              <a:rot lat="0" lon="0" rev="0"/>
-            </a:lightRig>
-          </a:scene3d>
-          <a:sp3d prstMaterial="matte">
-            <a:bevelT h="22225"/>
-          </a:sp3d>
-        </a:effectStyle>
-      </a:effectStyleLst>
-      <a:bgFillStyleLst>
-        <a:solidFill>
-          <a:schemeClr val="phClr"/>
-        </a:solidFill>
-        <a:gradFill rotWithShape="1">
-          <a:gsLst>
-            <a:gs pos="0">
-              <a:schemeClr val="phClr">
-                <a:shade val="50000"/>
-                <a:satMod val="155000"/>
-              </a:schemeClr>
-            </a:gs>
-            <a:gs pos="35000">
-              <a:schemeClr val="phClr">
-                <a:shade val="75000"/>
-                <a:satMod val="155000"/>
-              </a:schemeClr>
-            </a:gs>
-            <a:gs pos="100000">
-              <a:schemeClr val="phClr">
-                <a:tint val="80000"/>
-                <a:satMod val="255000"/>
-              </a:schemeClr>
-            </a:gs>
-          </a:gsLst>
-          <a:lin ang="16200000" scaled="0"/>
-        </a:gradFill>
-        <a:gradFill rotWithShape="1">
-          <a:gsLst>
-            <a:gs pos="0">
-              <a:schemeClr val="phClr">
-                <a:tint val="80000"/>
-                <a:satMod val="300000"/>
-              </a:schemeClr>
-            </a:gs>
-            <a:gs pos="100000">
-              <a:schemeClr val="phClr">
-                <a:shade val="30000"/>
-                <a:satMod val="200000"/>
-              </a:schemeClr>
-            </a:gs>
-          </a:gsLst>
-          <a:path path="circle">
-            <a:fillToRect l="100000" t="100000" r="100000" b="100000"/>
-          </a:path>
-        </a:gradFill>
-      </a:bgFillStyleLst>
-    </a:fmtScheme>
-  </a:themeElements>
-  <a:objectDefaults>
-    <a:spDef>
-      <a:spPr bwMode="auto">
-        <a:gradFill rotWithShape="1">
-          <a:gsLst>
-            <a:gs pos="0">
-              <a:srgbClr val="A4D289"/>
-            </a:gs>
-            <a:gs pos="100000">
-              <a:schemeClr val="bg1"/>
-            </a:gs>
-          </a:gsLst>
-          <a:lin ang="5400000" scaled="1"/>
-        </a:gradFill>
-        <a:ln w="9525" algn="ctr">
-          <a:solidFill>
-            <a:schemeClr val="tx1"/>
-          </a:solidFill>
-          <a:miter lim="800000"/>
-          <a:headEnd/>
-          <a:tailEnd/>
-        </a:ln>
-        <a:effectLst>
-          <a:outerShdw blurRad="50800" dist="38100" dir="2700000" algn="tl" rotWithShape="0">
-            <a:prstClr val="black">
-              <a:alpha val="40000"/>
-            </a:prstClr>
-          </a:outerShdw>
-        </a:effectLst>
-      </a:spPr>
-      <a:bodyPr wrap="none" anchor="ctr"/>
-      <a:lstStyle>
-        <a:defPPr>
-          <a:defRPr sz="2000" dirty="0">
-            <a:latin typeface="Tekton Pro" pitchFamily="34" charset="0"/>
-          </a:defRPr>
-        </a:defPPr>
-      </a:lstStyle>
-    </a:spDef>
-    <a:lnDef>
-      <a:spPr bwMode="auto">
-        <a:xfrm>
-          <a:off x="0" y="0"/>
-          <a:ext cx="1" cy="1"/>
-        </a:xfrm>
-        <a:custGeom>
-          <a:avLst/>
-          <a:gdLst/>
-          <a:ahLst/>
-          <a:cxnLst/>
-          <a:rect l="0" t="0" r="0" b="0"/>
-          <a:pathLst/>
-        </a:custGeom>
-        <a:gradFill rotWithShape="1">
-          <a:gsLst>
-            <a:gs pos="0">
-              <a:srgbClr val="A4D289"/>
-            </a:gs>
-            <a:gs pos="100000">
-              <a:schemeClr val="bg1"/>
-            </a:gs>
-          </a:gsLst>
-          <a:lin ang="5400000" scaled="1"/>
-        </a:gradFill>
-        <a:ln w="9525" cap="flat" cmpd="sng" algn="ctr">
-          <a:solidFill>
-            <a:schemeClr val="tx1"/>
-          </a:solidFill>
-          <a:prstDash val="solid"/>
-          <a:round/>
-          <a:headEnd type="none" w="med" len="med"/>
-          <a:tailEnd type="none" w="med" len="med"/>
-        </a:ln>
-        <a:effectLst/>
-      </a:spPr>
-      <a:bodyPr vert="horz" wrap="none" lIns="91440" tIns="45720" rIns="91440" bIns="45720" anchor="ctr" compatLnSpc="1"/>
-      <a:lstStyle>
-        <a:defPPr marL="0" marR="0" indent="0" algn="ctr" defTabSz="914400" rtl="0" eaLnBrk="0" fontAlgn="base" latinLnBrk="0" hangingPunct="0">
-          <a:lnSpc>
-            <a:spcPct val="100000"/>
-          </a:lnSpc>
-          <a:spcBef>
-            <a:spcPct val="0"/>
-          </a:spcBef>
-          <a:spcAft>
-            <a:spcPct val="0"/>
-          </a:spcAft>
-          <a:buNone/>
-          <a:tabLst/>
-          <a:defRPr kumimoji="0" lang="en-US" sz="1600" b="1" i="0" u="none" strike="noStrike" baseline="0">
-            <a:solidFill>
-              <a:schemeClr val="tx1">
-                <a:alpha val="100000"/>
-              </a:schemeClr>
-            </a:solidFill>
-            <a:effectLst/>
-            <a:latin typeface="Arial"/>
-          </a:defRPr>
-        </a:defPPr>
-      </a:lstStyle>
-    </a:lnDef>
-    <a:txDef>
-      <a:spPr bwMode="auto">
-        <a:noFill/>
-        <a:ln w="9525">
-          <a:noFill/>
-          <a:miter lim="800000"/>
-          <a:headEnd/>
-          <a:tailEnd/>
-        </a:ln>
-      </a:spPr>
-      <a:bodyPr wrap="none">
-        <a:spAutoFit/>
-      </a:bodyPr>
-      <a:lstStyle>
-        <a:defPPr>
-          <a:defRPr sz="1800" dirty="0">
-            <a:solidFill>
-              <a:srgbClr val="002060"/>
-            </a:solidFill>
-            <a:latin typeface="Tekton Pro" pitchFamily="34" charset="0"/>
-          </a:defRPr>
-        </a:defPPr>
-      </a:lstStyle>
-    </a:txDef>
-  </a:objectDefaults>
-  <a:extraClrSchemeLst>
-    <a:extraClrScheme>
-      <a:clrScheme name="Watermark 1">
-        <a:dk1>
-          <a:srgbClr val="000000"/>
-        </a:dk1>
-        <a:lt1>
-          <a:srgbClr val="FFFFFF"/>
-        </a:lt1>
-        <a:dk2>
-          <a:srgbClr val="000000"/>
-        </a:dk2>
-        <a:lt2>
-          <a:srgbClr val="808080"/>
-        </a:lt2>
-        <a:accent1>
-          <a:srgbClr val="CCCCFF"/>
-        </a:accent1>
-        <a:accent2>
-          <a:srgbClr val="D9D8EC"/>
-        </a:accent2>
-        <a:accent3>
-          <a:srgbClr val="FFFFFF"/>
-        </a:accent3>
-        <a:accent4>
-          <a:srgbClr val="000000"/>
-        </a:accent4>
-        <a:accent5>
-          <a:srgbClr val="E2E2FF"/>
-        </a:accent5>
-        <a:accent6>
-          <a:srgbClr val="C4C4D6"/>
-        </a:accent6>
-        <a:hlink>
-          <a:srgbClr val="6767FF"/>
-        </a:hlink>
-        <a:folHlink>
-          <a:srgbClr val="9933FF"/>
-        </a:folHlink>
-      </a:clrScheme>
-      <a:clrMap bg1="lt1" tx1="dk1" bg2="lt2" tx2="dk2" accent1="accent1" accent2="accent2" accent3="accent3" accent4="accent4" accent5="accent5" accent6="accent6" hlink="hlink" folHlink="folHlink"/>
-    </a:extraClrScheme>
-    <a:extraClrScheme>
-      <a:clrScheme name="Watermark 2">
-        <a:dk1>
-          <a:srgbClr val="000000"/>
-        </a:dk1>
-        <a:lt1>
-          <a:srgbClr val="FFFFFF"/>
-        </a:lt1>
-        <a:dk2>
-          <a:srgbClr val="666633"/>
-        </a:dk2>
-        <a:lt2>
-          <a:srgbClr val="5F5F5F"/>
-        </a:lt2>
-        <a:accent1>
-          <a:srgbClr val="FFCC00"/>
-        </a:accent1>
-        <a:accent2>
-          <a:srgbClr val="EFF0B2"/>
-        </a:accent2>
-        <a:accent3>
-          <a:srgbClr val="FFFFFF"/>
-        </a:accent3>
-        <a:accent4>
-          <a:srgbClr val="000000"/>
-        </a:accent4>
-        <a:accent5>
-          <a:srgbClr val="FFE2AA"/>
-        </a:accent5>
-        <a:accent6>
-          <a:srgbClr val="D9D9A1"/>
-        </a:accent6>
-        <a:hlink>
-          <a:srgbClr val="808000"/>
-        </a:hlink>
-        <a:folHlink>
-          <a:srgbClr val="CCCC00"/>
-        </a:folHlink>
-      </a:clrScheme>
-      <a:clrMap bg1="lt1" tx1="dk1" bg2="lt2" tx2="dk2" accent1="accent1" accent2="accent2" accent3="accent3" accent4="accent4" accent5="accent5" accent6="accent6" hlink="hlink" folHlink="folHlink"/>
-    </a:extraClrScheme>
-    <a:extraClrScheme>
-      <a:clrScheme name="Watermark 3">
-        <a:dk1>
-          <a:srgbClr val="000000"/>
-        </a:dk1>
-        <a:lt1>
-          <a:srgbClr val="FFFFFF"/>
-        </a:lt1>
-        <a:dk2>
-          <a:srgbClr val="000000"/>
-        </a:dk2>
-        <a:lt2>
-          <a:srgbClr val="666699"/>
-        </a:lt2>
-        <a:accent1>
-          <a:srgbClr val="9BB0CB"/>
-        </a:accent1>
-        <a:accent2>
-          <a:srgbClr val="D1E0CE"/>
-        </a:accent2>
-        <a:accent3>
-          <a:srgbClr val="FFFFFF"/>
-        </a:accent3>
-        <a:accent4>
-          <a:srgbClr val="000000"/>
-        </a:accent4>
-        <a:accent5>
-          <a:srgbClr val="CBD4E2"/>
-        </a:accent5>
-        <a:accent6>
-          <a:srgbClr val="BDCBBA"/>
-        </a:accent6>
-        <a:hlink>
-          <a:srgbClr val="8EA642"/>
-        </a:hlink>
-        <a:folHlink>
-          <a:srgbClr val="CCCC00"/>
-        </a:folHlink>
-      </a:clrScheme>
-      <a:clrMap bg1="lt1" tx1="dk1" bg2="lt2" tx2="dk2" accent1="accent1" accent2="accent2" accent3="accent3" accent4="accent4" accent5="accent5" accent6="accent6" hlink="hlink" folHlink="folHlink"/>
-    </a:extraClrScheme>
-    <a:extraClrScheme>
-      <a:clrScheme name="Watermark 4">
-        <a:dk1>
-          <a:srgbClr val="333300"/>
-        </a:dk1>
-        <a:lt1>
-          <a:srgbClr val="FFFFCC"/>
-        </a:lt1>
-        <a:dk2>
-          <a:srgbClr val="336600"/>
-        </a:dk2>
-        <a:lt2>
-          <a:srgbClr val="FFFFCC"/>
-        </a:lt2>
-        <a:accent1>
-          <a:srgbClr val="99CC00"/>
-        </a:accent1>
-        <a:accent2>
-          <a:srgbClr val="669900"/>
-        </a:accent2>
-        <a:accent3>
-          <a:srgbClr val="ADB8AA"/>
-        </a:accent3>
-        <a:accent4>
-          <a:srgbClr val="DADAAE"/>
-        </a:accent4>
-        <a:accent5>
-          <a:srgbClr val="CAE2AA"/>
-        </a:accent5>
-        <a:accent6>
-          <a:srgbClr val="5C8A00"/>
-        </a:accent6>
-        <a:hlink>
-          <a:srgbClr val="CC9900"/>
-        </a:hlink>
-        <a:folHlink>
-          <a:srgbClr val="FFCC00"/>
-        </a:folHlink>
-      </a:clrScheme>
-      <a:clrMap bg1="dk2" tx1="lt1" bg2="dk1" tx2="lt2" accent1="accent1" accent2="accent2" accent3="accent3" accent4="accent4" accent5="accent5" accent6="accent6" hlink="hlink" folHlink="folHlink"/>
-    </a:extraClrScheme>
-    <a:extraClrScheme>
-      <a:clrScheme name="Watermark 5">
-        <a:dk1>
-          <a:srgbClr val="424458"/>
-        </a:dk1>
-        <a:lt1>
-          <a:srgbClr val="FFFFFF"/>
-        </a:lt1>
-        <a:dk2>
-          <a:srgbClr val="004A48"/>
-        </a:dk2>
-        <a:lt2>
-          <a:srgbClr val="FFFFFF"/>
-        </a:lt2>
-        <a:accent1>
-          <a:srgbClr val="83B200"/>
-        </a:accent1>
-        <a:accent2>
-          <a:srgbClr val="006260"/>
-        </a:accent2>
-        <a:accent3>
-          <a:srgbClr val="AAB1B1"/>
-        </a:accent3>
-        <a:accent4>
-          <a:srgbClr val="DADADA"/>
-        </a:accent4>
-        <a:accent5>
-          <a:srgbClr val="C1D5AA"/>
-        </a:accent5>
-        <a:accent6>
-          <a:srgbClr val="005856"/>
-        </a:accent6>
-        <a:hlink>
-          <a:srgbClr val="6666FF"/>
-        </a:hlink>
-        <a:folHlink>
-          <a:srgbClr val="B2B2B2"/>
-        </a:folHlink>
-      </a:clrScheme>
-      <a:clrMap bg1="dk2" tx1="lt1" bg2="dk1" tx2="lt2" accent1="accent1" accent2="accent2" accent3="accent3" accent4="accent4" accent5="accent5" accent6="accent6" hlink="hlink" folHlink="folHlink"/>
-    </a:extraClrScheme>
-    <a:extraClrScheme>
-      <a:clrScheme name="Watermark 6">
-        <a:dk1>
-          <a:srgbClr val="000000"/>
-        </a:dk1>
-        <a:lt1>
-          <a:srgbClr val="FFFFFF"/>
-        </a:lt1>
-        <a:dk2>
-          <a:srgbClr val="1C2046"/>
-        </a:dk2>
-        <a:lt2>
-          <a:srgbClr val="FFFFFF"/>
-        </a:lt2>
-        <a:accent1>
-          <a:srgbClr val="00CCFF"/>
-        </a:accent1>
-        <a:accent2>
-          <a:srgbClr val="2D226E"/>
-        </a:accent2>
-        <a:accent3>
-          <a:srgbClr val="ABABB0"/>
-        </a:accent3>
-        <a:accent4>
-          <a:srgbClr val="DADADA"/>
-        </a:accent4>
-        <a:accent5>
-          <a:srgbClr val="AAE2FF"/>
-        </a:accent5>
-        <a:accent6>
-          <a:srgbClr val="281E63"/>
-        </a:accent6>
-        <a:hlink>
-          <a:srgbClr val="666699"/>
-        </a:hlink>
-        <a:folHlink>
-          <a:srgbClr val="9999FF"/>
-        </a:folHlink>
-      </a:clrScheme>
-      <a:clrMap bg1="dk2" tx1="lt1" bg2="dk1" tx2="lt2" accent1="accent1" accent2="accent2" accent3="accent3" accent4="accent4" accent5="accent5" accent6="accent6" hlink="hlink" folHlink="folHlink"/>
-    </a:extraClrScheme>
-    <a:extraClrScheme>
-      <a:clrScheme name="Watermark 7">
-        <a:dk1>
-          <a:srgbClr val="424458"/>
-        </a:dk1>
-        <a:lt1>
-          <a:srgbClr val="FFFFFF"/>
-        </a:lt1>
-        <a:dk2>
-          <a:srgbClr val="000066"/>
-        </a:dk2>
-        <a:lt2>
-          <a:srgbClr val="FFFFFF"/>
-        </a:lt2>
-        <a:accent1>
-          <a:srgbClr val="6666FF"/>
-        </a:accent1>
-        <a:accent2>
-          <a:srgbClr val="333399"/>
-        </a:accent2>
-        <a:accent3>
-          <a:srgbClr val="AAAAB8"/>
-        </a:accent3>
-        <a:accent4>
-          <a:srgbClr val="DADADA"/>
-        </a:accent4>
-        <a:accent5>
-          <a:srgbClr val="B8B8FF"/>
-        </a:accent5>
-        <a:accent6>
-          <a:srgbClr val="2D2D8A"/>
-        </a:accent6>
-        <a:hlink>
-          <a:srgbClr val="FF9900"/>
-        </a:hlink>
-        <a:folHlink>
-          <a:srgbClr val="CCCC00"/>
-        </a:folHlink>
-      </a:clrScheme>
-      <a:clrMap bg1="dk2" tx1="lt1" bg2="dk1" tx2="lt2" accent1="accent1" accent2="accent2" accent3="accent3" accent4="accent4" accent5="accent5" accent6="accent6" hlink="hlink" folHlink="folHlink"/>
-    </a:extraClrScheme>
-    <a:extraClrScheme>
-      <a:clrScheme name="Watermark 8">
-        <a:dk1>
-          <a:srgbClr val="1C1C1C"/>
-        </a:dk1>
-        <a:lt1>
-          <a:srgbClr val="FFFFCC"/>
-        </a:lt1>
-        <a:dk2>
-          <a:srgbClr val="390B20"/>
-        </a:dk2>
-        <a:lt2>
-          <a:srgbClr val="FFFFCC"/>
-        </a:lt2>
-        <a:accent1>
-          <a:srgbClr val="FF916F"/>
-        </a:accent1>
-        <a:accent2>
-          <a:srgbClr val="561450"/>
-        </a:accent2>
-        <a:accent3>
-          <a:srgbClr val="AEAAAB"/>
-        </a:accent3>
-        <a:accent4>
-          <a:srgbClr val="DADAAE"/>
-        </a:accent4>
-        <a:accent5>
-          <a:srgbClr val="FFC7BB"/>
-        </a:accent5>
-        <a:accent6>
-          <a:srgbClr val="4D1148"/>
-        </a:accent6>
-        <a:hlink>
-          <a:srgbClr val="637D95"/>
-        </a:hlink>
-        <a:folHlink>
-          <a:srgbClr val="FFCC00"/>
-        </a:folHlink>
-      </a:clrScheme>
-      <a:clrMap bg1="dk2" tx1="lt1" bg2="dk1" tx2="lt2" accent1="accent1" accent2="accent2" accent3="accent3" accent4="accent4" accent5="accent5" accent6="accent6" hlink="hlink" folHlink="folHlink"/>
-    </a:extraClrScheme>
-    <a:extraClrScheme>
-      <a:clrScheme name="Watermark 9">
-        <a:dk1>
-          <a:srgbClr val="4C0000"/>
-        </a:dk1>
-        <a:lt1>
-          <a:srgbClr val="FFFFFF"/>
-        </a:lt1>
-        <a:dk2>
-          <a:srgbClr val="722104"/>
-        </a:dk2>
-        <a:lt2>
-          <a:srgbClr val="FFFFFF"/>
-        </a:lt2>
-        <a:accent1>
-          <a:srgbClr val="CC6600"/>
-        </a:accent1>
-        <a:accent2>
-          <a:srgbClr val="8A2E00"/>
-        </a:accent2>
-        <a:accent3>
-          <a:srgbClr val="BCABAA"/>
-        </a:accent3>
-        <a:accent4>
-          <a:srgbClr val="DADADA"/>
-        </a:accent4>
-        <a:accent5>
-          <a:srgbClr val="E2B8AA"/>
-        </a:accent5>
-        <a:accent6>
-          <a:srgbClr val="7D2900"/>
-        </a:accent6>
-        <a:hlink>
-          <a:srgbClr val="FFCC00"/>
-        </a:hlink>
-        <a:folHlink>
-          <a:srgbClr val="FF9900"/>
-        </a:folHlink>
-      </a:clrScheme>
-      <a:clrMap bg1="dk2" tx1="lt1" bg2="dk1" tx2="lt2" accent1="accent1" accent2="accent2" accent3="accent3" accent4="accent4" accent5="accent5" accent6="accent6" hlink="hlink" folHlink="folHlink"/>
-    </a:extraClrScheme>
-  </a:extraClrSchemeLst>
-</a:theme>
-</file>
-
-<file path=ppt/theme/theme2.xml><?xml version="1.0" encoding="utf-8"?>
 <a:theme xmlns:a="http://schemas.openxmlformats.org/drawingml/2006/main" name="Office Theme">
   <a:themeElements>
     <a:clrScheme name="Office">
@@ -16019,7 +12186,7 @@
 </a:theme>
 </file>
 
-<file path=ppt/theme/theme3.xml><?xml version="1.0" encoding="utf-8"?>
+<file path=ppt/theme/theme2.xml><?xml version="1.0" encoding="utf-8"?>
 <a:theme xmlns:a="http://schemas.openxmlformats.org/drawingml/2006/main" name="Office Theme">
   <a:themeElements>
     <a:clrScheme name="">
@@ -16302,7 +12469,7 @@
 </a:theme>
 </file>
 
-<file path=ppt/theme/theme4.xml><?xml version="1.0" encoding="utf-8"?>
+<file path=ppt/theme/theme3.xml><?xml version="1.0" encoding="utf-8"?>
 <a:theme xmlns:a="http://schemas.openxmlformats.org/drawingml/2006/main" name="Office Theme">
   <a:themeElements>
     <a:clrScheme name="Office">
@@ -16586,6 +12753,15 @@
 </file>
 
 <file path=customXml/item1.xml><?xml version="1.0" encoding="utf-8"?>
+<?mso-contentType ?>
+<FormTemplates xmlns="http://schemas.microsoft.com/sharepoint/v3/contenttype/forms">
+  <Display>DocumentLibraryForm</Display>
+  <Edit>DocumentLibraryForm</Edit>
+  <New>DocumentLibraryForm</New>
+</FormTemplates>
+</file>
+
+<file path=customXml/item2.xml><?xml version="1.0" encoding="utf-8"?>
 <ct:contentTypeSchema xmlns:ct="http://schemas.microsoft.com/office/2006/metadata/contentType" xmlns:ma="http://schemas.microsoft.com/office/2006/metadata/properties/metaAttributes" ct:_="" ma:_="" ma:contentTypeName="Document" ma:contentTypeID="0x0101003865B9DCC8F7FB4A82840FBDE1FC983A" ma:contentTypeVersion="0" ma:contentTypeDescription="Create a new document." ma:contentTypeScope="" ma:versionID="ecd0916681f32cda70880b341f4a8911">
   <xsd:schema xmlns:xsd="http://www.w3.org/2001/XMLSchema" xmlns:p="http://schemas.microsoft.com/office/2006/metadata/properties" targetNamespace="http://schemas.microsoft.com/office/2006/metadata/properties" ma:root="true" ma:fieldsID="4aeb20c0e3442673af7ee10786458764">
     <xsd:element name="properties">
@@ -16634,15 +12810,6 @@
 </ct:contentTypeSchema>
 </file>
 
-<file path=customXml/item2.xml><?xml version="1.0" encoding="utf-8"?>
-<?mso-contentType ?>
-<FormTemplates xmlns="http://schemas.microsoft.com/sharepoint/v3/contenttype/forms">
-  <Display>DocumentLibraryForm</Display>
-  <Edit>DocumentLibraryForm</Edit>
-  <New>DocumentLibraryForm</New>
-</FormTemplates>
-</file>
-
 <file path=customXml/item3.xml><?xml version="1.0" encoding="utf-8"?>
 <p:properties xmlns:p="http://schemas.microsoft.com/office/2006/metadata/properties" xmlns:xsi="http://www.w3.org/2001/XMLSchema-instance">
   <documentManagement/>
@@ -16650,6 +12817,14 @@
 </file>
 
 <file path=customXml/itemProps1.xml><?xml version="1.0" encoding="utf-8"?>
+<ds:datastoreItem xmlns:ds="http://schemas.openxmlformats.org/officeDocument/2006/customXml" ds:itemID="{1685463B-57CE-4CE4-B1CF-FE44EB79BFA3}">
+  <ds:schemaRefs>
+    <ds:schemaRef ds:uri="http://schemas.microsoft.com/sharepoint/v3/contenttype/forms"/>
+  </ds:schemaRefs>
+</ds:datastoreItem>
+</file>
+
+<file path=customXml/itemProps2.xml><?xml version="1.0" encoding="utf-8"?>
 <ds:datastoreItem xmlns:ds="http://schemas.openxmlformats.org/officeDocument/2006/customXml" ds:itemID="{1DEB1AF8-B785-4B22-89EC-168618F34A5B}">
   <ds:schemaRefs>
     <ds:schemaRef ds:uri="http://schemas.microsoft.com/office/2006/metadata/contentType"/>
@@ -16660,14 +12835,6 @@
     <ds:schemaRef ds:uri="http://purl.org/dc/elements/1.1/"/>
     <ds:schemaRef ds:uri="http://purl.org/dc/terms/"/>
     <ds:schemaRef ds:uri="http://schemas.microsoft.com/office/internal/2005/internalDocumentation"/>
-  </ds:schemaRefs>
-</ds:datastoreItem>
-</file>
-
-<file path=customXml/itemProps2.xml><?xml version="1.0" encoding="utf-8"?>
-<ds:datastoreItem xmlns:ds="http://schemas.openxmlformats.org/officeDocument/2006/customXml" ds:itemID="{1685463B-57CE-4CE4-B1CF-FE44EB79BFA3}">
-  <ds:schemaRefs>
-    <ds:schemaRef ds:uri="http://schemas.microsoft.com/sharepoint/v3/contenttype/forms"/>
   </ds:schemaRefs>
 </ds:datastoreItem>
 </file>
